--- a/KernelChains.pptx
+++ b/KernelChains.pptx
@@ -7,6 +7,7 @@
   <p:sldIdLst>
     <p:sldId id="256" r:id="rId2"/>
     <p:sldId id="257" r:id="rId3"/>
+    <p:sldId id="258" r:id="rId4"/>
   </p:sldIdLst>
   <p:sldSz cx="12192000" cy="6858000"/>
   <p:notesSz cx="6858000" cy="9144000"/>
@@ -105,6 +106,11 @@
       </a:defRPr>
     </a:lvl9pPr>
   </p:defaultTextStyle>
+  <p:extLst>
+    <p:ext uri="{EFAFB233-063F-42B5-8137-9DF3F51BA10A}">
+      <p15:sldGuideLst xmlns:p15="http://schemas.microsoft.com/office/powerpoint/2012/main"/>
+    </p:ext>
+  </p:extLst>
 </p:presentation>
 </file>
 
@@ -18358,6 +18364,8252 @@
 </p:sld>
 </file>
 
+<file path=ppt/slides/slide3.xml><?xml version="1.0" encoding="utf-8"?>
+<p:sld xmlns:a="http://schemas.openxmlformats.org/drawingml/2006/main" xmlns:r="http://schemas.openxmlformats.org/officeDocument/2006/relationships" xmlns:p="http://schemas.openxmlformats.org/presentationml/2006/main">
+  <p:cSld>
+    <p:spTree>
+      <p:nvGrpSpPr>
+        <p:cNvPr id="1" name=""/>
+        <p:cNvGrpSpPr/>
+        <p:nvPr/>
+      </p:nvGrpSpPr>
+      <p:grpSpPr>
+        <a:xfrm>
+          <a:off x="0" y="0"/>
+          <a:ext cx="0" cy="0"/>
+          <a:chOff x="0" y="0"/>
+          <a:chExt cx="0" cy="0"/>
+        </a:xfrm>
+      </p:grpSpPr>
+      <p:grpSp>
+        <p:nvGrpSpPr>
+          <p:cNvPr id="26" name="Group 25">
+            <a:extLst>
+              <a:ext uri="{FF2B5EF4-FFF2-40B4-BE49-F238E27FC236}">
+                <a16:creationId xmlns:a16="http://schemas.microsoft.com/office/drawing/2014/main" id="{11705523-45C3-2B45-B509-BD8CE0901FD0}"/>
+              </a:ext>
+            </a:extLst>
+          </p:cNvPr>
+          <p:cNvGrpSpPr/>
+          <p:nvPr/>
+        </p:nvGrpSpPr>
+        <p:grpSpPr>
+          <a:xfrm>
+            <a:off x="1625601" y="795867"/>
+            <a:ext cx="1057638" cy="1062913"/>
+            <a:chOff x="1625601" y="795867"/>
+            <a:chExt cx="1258848" cy="1247284"/>
+          </a:xfrm>
+        </p:grpSpPr>
+        <p:grpSp>
+          <p:nvGrpSpPr>
+            <p:cNvPr id="14" name="Group 13">
+              <a:extLst>
+                <a:ext uri="{FF2B5EF4-FFF2-40B4-BE49-F238E27FC236}">
+                  <a16:creationId xmlns:a16="http://schemas.microsoft.com/office/drawing/2014/main" id="{81955D88-D64B-A247-B188-02CA299319CF}"/>
+                </a:ext>
+              </a:extLst>
+            </p:cNvPr>
+            <p:cNvGrpSpPr/>
+            <p:nvPr/>
+          </p:nvGrpSpPr>
+          <p:grpSpPr>
+            <a:xfrm>
+              <a:off x="1625601" y="795867"/>
+              <a:ext cx="1258848" cy="623642"/>
+              <a:chOff x="1625601" y="795867"/>
+              <a:chExt cx="1258848" cy="623642"/>
+            </a:xfrm>
+          </p:grpSpPr>
+          <p:grpSp>
+            <p:nvGrpSpPr>
+              <p:cNvPr id="8" name="Group 7">
+                <a:extLst>
+                  <a:ext uri="{FF2B5EF4-FFF2-40B4-BE49-F238E27FC236}">
+                    <a16:creationId xmlns:a16="http://schemas.microsoft.com/office/drawing/2014/main" id="{4FD7EB13-B335-7D40-A70C-8F4DC2218E39}"/>
+                  </a:ext>
+                </a:extLst>
+              </p:cNvPr>
+              <p:cNvGrpSpPr/>
+              <p:nvPr/>
+            </p:nvGrpSpPr>
+            <p:grpSpPr>
+              <a:xfrm>
+                <a:off x="1625601" y="795867"/>
+                <a:ext cx="1258848" cy="311821"/>
+                <a:chOff x="1625601" y="795867"/>
+                <a:chExt cx="1258848" cy="311821"/>
+              </a:xfrm>
+            </p:grpSpPr>
+            <p:sp>
+              <p:nvSpPr>
+                <p:cNvPr id="4" name="Rectangle 3">
+                  <a:extLst>
+                    <a:ext uri="{FF2B5EF4-FFF2-40B4-BE49-F238E27FC236}">
+                      <a16:creationId xmlns:a16="http://schemas.microsoft.com/office/drawing/2014/main" id="{C1AD1E6C-6871-1048-A8D7-8763723DB572}"/>
+                    </a:ext>
+                  </a:extLst>
+                </p:cNvPr>
+                <p:cNvSpPr/>
+                <p:nvPr/>
+              </p:nvSpPr>
+              <p:spPr>
+                <a:xfrm>
+                  <a:off x="1625601" y="795867"/>
+                  <a:ext cx="314712" cy="311821"/>
+                </a:xfrm>
+                <a:prstGeom prst="rect">
+                  <a:avLst/>
+                </a:prstGeom>
+                <a:noFill/>
+                <a:ln>
+                  <a:solidFill>
+                    <a:schemeClr val="tx1"/>
+                  </a:solidFill>
+                </a:ln>
+              </p:spPr>
+              <p:style>
+                <a:lnRef idx="2">
+                  <a:schemeClr val="accent1">
+                    <a:shade val="50000"/>
+                  </a:schemeClr>
+                </a:lnRef>
+                <a:fillRef idx="1">
+                  <a:schemeClr val="accent1"/>
+                </a:fillRef>
+                <a:effectRef idx="0">
+                  <a:schemeClr val="accent1"/>
+                </a:effectRef>
+                <a:fontRef idx="minor">
+                  <a:schemeClr val="lt1"/>
+                </a:fontRef>
+              </p:style>
+              <p:txBody>
+                <a:bodyPr rtlCol="0" anchor="ctr"/>
+                <a:lstStyle/>
+                <a:p>
+                  <a:pPr algn="ctr"/>
+                  <a:endParaRPr lang="en-IT"/>
+                </a:p>
+              </p:txBody>
+            </p:sp>
+            <p:sp>
+              <p:nvSpPr>
+                <p:cNvPr id="5" name="Rectangle 4">
+                  <a:extLst>
+                    <a:ext uri="{FF2B5EF4-FFF2-40B4-BE49-F238E27FC236}">
+                      <a16:creationId xmlns:a16="http://schemas.microsoft.com/office/drawing/2014/main" id="{F1D53F42-F677-2B45-9D4B-1E936CD194A4}"/>
+                    </a:ext>
+                  </a:extLst>
+                </p:cNvPr>
+                <p:cNvSpPr/>
+                <p:nvPr/>
+              </p:nvSpPr>
+              <p:spPr>
+                <a:xfrm>
+                  <a:off x="1940313" y="795867"/>
+                  <a:ext cx="314712" cy="311821"/>
+                </a:xfrm>
+                <a:prstGeom prst="rect">
+                  <a:avLst/>
+                </a:prstGeom>
+                <a:noFill/>
+                <a:ln>
+                  <a:solidFill>
+                    <a:schemeClr val="tx1"/>
+                  </a:solidFill>
+                </a:ln>
+              </p:spPr>
+              <p:style>
+                <a:lnRef idx="2">
+                  <a:schemeClr val="accent1">
+                    <a:shade val="50000"/>
+                  </a:schemeClr>
+                </a:lnRef>
+                <a:fillRef idx="1">
+                  <a:schemeClr val="accent1"/>
+                </a:fillRef>
+                <a:effectRef idx="0">
+                  <a:schemeClr val="accent1"/>
+                </a:effectRef>
+                <a:fontRef idx="minor">
+                  <a:schemeClr val="lt1"/>
+                </a:fontRef>
+              </p:style>
+              <p:txBody>
+                <a:bodyPr rtlCol="0" anchor="ctr"/>
+                <a:lstStyle/>
+                <a:p>
+                  <a:pPr algn="ctr"/>
+                  <a:endParaRPr lang="en-IT"/>
+                </a:p>
+              </p:txBody>
+            </p:sp>
+            <p:sp>
+              <p:nvSpPr>
+                <p:cNvPr id="6" name="Rectangle 5">
+                  <a:extLst>
+                    <a:ext uri="{FF2B5EF4-FFF2-40B4-BE49-F238E27FC236}">
+                      <a16:creationId xmlns:a16="http://schemas.microsoft.com/office/drawing/2014/main" id="{241EBADB-8B9B-6B44-8B4A-7D07320E92FB}"/>
+                    </a:ext>
+                  </a:extLst>
+                </p:cNvPr>
+                <p:cNvSpPr/>
+                <p:nvPr/>
+              </p:nvSpPr>
+              <p:spPr>
+                <a:xfrm>
+                  <a:off x="2255025" y="795867"/>
+                  <a:ext cx="314712" cy="311821"/>
+                </a:xfrm>
+                <a:prstGeom prst="rect">
+                  <a:avLst/>
+                </a:prstGeom>
+                <a:noFill/>
+                <a:ln>
+                  <a:solidFill>
+                    <a:schemeClr val="tx1"/>
+                  </a:solidFill>
+                </a:ln>
+              </p:spPr>
+              <p:style>
+                <a:lnRef idx="2">
+                  <a:schemeClr val="accent1">
+                    <a:shade val="50000"/>
+                  </a:schemeClr>
+                </a:lnRef>
+                <a:fillRef idx="1">
+                  <a:schemeClr val="accent1"/>
+                </a:fillRef>
+                <a:effectRef idx="0">
+                  <a:schemeClr val="accent1"/>
+                </a:effectRef>
+                <a:fontRef idx="minor">
+                  <a:schemeClr val="lt1"/>
+                </a:fontRef>
+              </p:style>
+              <p:txBody>
+                <a:bodyPr rtlCol="0" anchor="ctr"/>
+                <a:lstStyle/>
+                <a:p>
+                  <a:pPr algn="ctr"/>
+                  <a:endParaRPr lang="en-IT"/>
+                </a:p>
+              </p:txBody>
+            </p:sp>
+            <p:sp>
+              <p:nvSpPr>
+                <p:cNvPr id="7" name="Rectangle 6">
+                  <a:extLst>
+                    <a:ext uri="{FF2B5EF4-FFF2-40B4-BE49-F238E27FC236}">
+                      <a16:creationId xmlns:a16="http://schemas.microsoft.com/office/drawing/2014/main" id="{DF5C0427-0E15-F545-9B9D-21F8557B2126}"/>
+                    </a:ext>
+                  </a:extLst>
+                </p:cNvPr>
+                <p:cNvSpPr/>
+                <p:nvPr/>
+              </p:nvSpPr>
+              <p:spPr>
+                <a:xfrm>
+                  <a:off x="2569737" y="795867"/>
+                  <a:ext cx="314712" cy="311821"/>
+                </a:xfrm>
+                <a:prstGeom prst="rect">
+                  <a:avLst/>
+                </a:prstGeom>
+                <a:noFill/>
+                <a:ln>
+                  <a:solidFill>
+                    <a:schemeClr val="tx1"/>
+                  </a:solidFill>
+                </a:ln>
+              </p:spPr>
+              <p:style>
+                <a:lnRef idx="2">
+                  <a:schemeClr val="accent1">
+                    <a:shade val="50000"/>
+                  </a:schemeClr>
+                </a:lnRef>
+                <a:fillRef idx="1">
+                  <a:schemeClr val="accent1"/>
+                </a:fillRef>
+                <a:effectRef idx="0">
+                  <a:schemeClr val="accent1"/>
+                </a:effectRef>
+                <a:fontRef idx="minor">
+                  <a:schemeClr val="lt1"/>
+                </a:fontRef>
+              </p:style>
+              <p:txBody>
+                <a:bodyPr rtlCol="0" anchor="ctr"/>
+                <a:lstStyle/>
+                <a:p>
+                  <a:pPr algn="ctr"/>
+                  <a:endParaRPr lang="en-IT"/>
+                </a:p>
+              </p:txBody>
+            </p:sp>
+          </p:grpSp>
+          <p:grpSp>
+            <p:nvGrpSpPr>
+              <p:cNvPr id="9" name="Group 8">
+                <a:extLst>
+                  <a:ext uri="{FF2B5EF4-FFF2-40B4-BE49-F238E27FC236}">
+                    <a16:creationId xmlns:a16="http://schemas.microsoft.com/office/drawing/2014/main" id="{0DA485E7-B41C-0142-87CA-476DA3C00C96}"/>
+                  </a:ext>
+                </a:extLst>
+              </p:cNvPr>
+              <p:cNvGrpSpPr/>
+              <p:nvPr/>
+            </p:nvGrpSpPr>
+            <p:grpSpPr>
+              <a:xfrm>
+                <a:off x="1625601" y="1107688"/>
+                <a:ext cx="1258848" cy="311821"/>
+                <a:chOff x="1625601" y="795867"/>
+                <a:chExt cx="1258848" cy="311821"/>
+              </a:xfrm>
+            </p:grpSpPr>
+            <p:sp>
+              <p:nvSpPr>
+                <p:cNvPr id="10" name="Rectangle 9">
+                  <a:extLst>
+                    <a:ext uri="{FF2B5EF4-FFF2-40B4-BE49-F238E27FC236}">
+                      <a16:creationId xmlns:a16="http://schemas.microsoft.com/office/drawing/2014/main" id="{A57AA65B-FC0F-BC40-8011-3ADB24E1E5B2}"/>
+                    </a:ext>
+                  </a:extLst>
+                </p:cNvPr>
+                <p:cNvSpPr/>
+                <p:nvPr/>
+              </p:nvSpPr>
+              <p:spPr>
+                <a:xfrm>
+                  <a:off x="1625601" y="795867"/>
+                  <a:ext cx="314712" cy="311821"/>
+                </a:xfrm>
+                <a:prstGeom prst="rect">
+                  <a:avLst/>
+                </a:prstGeom>
+                <a:noFill/>
+                <a:ln>
+                  <a:solidFill>
+                    <a:schemeClr val="tx1"/>
+                  </a:solidFill>
+                </a:ln>
+              </p:spPr>
+              <p:style>
+                <a:lnRef idx="2">
+                  <a:schemeClr val="accent1">
+                    <a:shade val="50000"/>
+                  </a:schemeClr>
+                </a:lnRef>
+                <a:fillRef idx="1">
+                  <a:schemeClr val="accent1"/>
+                </a:fillRef>
+                <a:effectRef idx="0">
+                  <a:schemeClr val="accent1"/>
+                </a:effectRef>
+                <a:fontRef idx="minor">
+                  <a:schemeClr val="lt1"/>
+                </a:fontRef>
+              </p:style>
+              <p:txBody>
+                <a:bodyPr rtlCol="0" anchor="ctr"/>
+                <a:lstStyle/>
+                <a:p>
+                  <a:pPr algn="ctr"/>
+                  <a:endParaRPr lang="en-IT"/>
+                </a:p>
+              </p:txBody>
+            </p:sp>
+            <p:sp>
+              <p:nvSpPr>
+                <p:cNvPr id="11" name="Rectangle 10">
+                  <a:extLst>
+                    <a:ext uri="{FF2B5EF4-FFF2-40B4-BE49-F238E27FC236}">
+                      <a16:creationId xmlns:a16="http://schemas.microsoft.com/office/drawing/2014/main" id="{293D45E6-87B0-074C-966C-D83ACF4D82B6}"/>
+                    </a:ext>
+                  </a:extLst>
+                </p:cNvPr>
+                <p:cNvSpPr/>
+                <p:nvPr/>
+              </p:nvSpPr>
+              <p:spPr>
+                <a:xfrm>
+                  <a:off x="1940313" y="795867"/>
+                  <a:ext cx="314712" cy="311821"/>
+                </a:xfrm>
+                <a:prstGeom prst="rect">
+                  <a:avLst/>
+                </a:prstGeom>
+                <a:noFill/>
+                <a:ln>
+                  <a:solidFill>
+                    <a:schemeClr val="tx1"/>
+                  </a:solidFill>
+                </a:ln>
+              </p:spPr>
+              <p:style>
+                <a:lnRef idx="2">
+                  <a:schemeClr val="accent1">
+                    <a:shade val="50000"/>
+                  </a:schemeClr>
+                </a:lnRef>
+                <a:fillRef idx="1">
+                  <a:schemeClr val="accent1"/>
+                </a:fillRef>
+                <a:effectRef idx="0">
+                  <a:schemeClr val="accent1"/>
+                </a:effectRef>
+                <a:fontRef idx="minor">
+                  <a:schemeClr val="lt1"/>
+                </a:fontRef>
+              </p:style>
+              <p:txBody>
+                <a:bodyPr rtlCol="0" anchor="ctr"/>
+                <a:lstStyle/>
+                <a:p>
+                  <a:pPr algn="ctr"/>
+                  <a:endParaRPr lang="en-IT"/>
+                </a:p>
+              </p:txBody>
+            </p:sp>
+            <p:sp>
+              <p:nvSpPr>
+                <p:cNvPr id="12" name="Rectangle 11">
+                  <a:extLst>
+                    <a:ext uri="{FF2B5EF4-FFF2-40B4-BE49-F238E27FC236}">
+                      <a16:creationId xmlns:a16="http://schemas.microsoft.com/office/drawing/2014/main" id="{B89FB2D9-E913-064D-B07B-BC96F4A1D9AA}"/>
+                    </a:ext>
+                  </a:extLst>
+                </p:cNvPr>
+                <p:cNvSpPr/>
+                <p:nvPr/>
+              </p:nvSpPr>
+              <p:spPr>
+                <a:xfrm>
+                  <a:off x="2255025" y="795867"/>
+                  <a:ext cx="314712" cy="311821"/>
+                </a:xfrm>
+                <a:prstGeom prst="rect">
+                  <a:avLst/>
+                </a:prstGeom>
+                <a:noFill/>
+                <a:ln>
+                  <a:solidFill>
+                    <a:schemeClr val="tx1"/>
+                  </a:solidFill>
+                </a:ln>
+              </p:spPr>
+              <p:style>
+                <a:lnRef idx="2">
+                  <a:schemeClr val="accent1">
+                    <a:shade val="50000"/>
+                  </a:schemeClr>
+                </a:lnRef>
+                <a:fillRef idx="1">
+                  <a:schemeClr val="accent1"/>
+                </a:fillRef>
+                <a:effectRef idx="0">
+                  <a:schemeClr val="accent1"/>
+                </a:effectRef>
+                <a:fontRef idx="minor">
+                  <a:schemeClr val="lt1"/>
+                </a:fontRef>
+              </p:style>
+              <p:txBody>
+                <a:bodyPr rtlCol="0" anchor="ctr"/>
+                <a:lstStyle/>
+                <a:p>
+                  <a:pPr algn="ctr"/>
+                  <a:endParaRPr lang="en-IT"/>
+                </a:p>
+              </p:txBody>
+            </p:sp>
+            <p:sp>
+              <p:nvSpPr>
+                <p:cNvPr id="13" name="Rectangle 12">
+                  <a:extLst>
+                    <a:ext uri="{FF2B5EF4-FFF2-40B4-BE49-F238E27FC236}">
+                      <a16:creationId xmlns:a16="http://schemas.microsoft.com/office/drawing/2014/main" id="{F955C4C8-7894-4743-9E93-647ABE264645}"/>
+                    </a:ext>
+                  </a:extLst>
+                </p:cNvPr>
+                <p:cNvSpPr/>
+                <p:nvPr/>
+              </p:nvSpPr>
+              <p:spPr>
+                <a:xfrm>
+                  <a:off x="2569737" y="795867"/>
+                  <a:ext cx="314712" cy="311821"/>
+                </a:xfrm>
+                <a:prstGeom prst="rect">
+                  <a:avLst/>
+                </a:prstGeom>
+                <a:noFill/>
+                <a:ln>
+                  <a:solidFill>
+                    <a:schemeClr val="tx1"/>
+                  </a:solidFill>
+                </a:ln>
+              </p:spPr>
+              <p:style>
+                <a:lnRef idx="2">
+                  <a:schemeClr val="accent1">
+                    <a:shade val="50000"/>
+                  </a:schemeClr>
+                </a:lnRef>
+                <a:fillRef idx="1">
+                  <a:schemeClr val="accent1"/>
+                </a:fillRef>
+                <a:effectRef idx="0">
+                  <a:schemeClr val="accent1"/>
+                </a:effectRef>
+                <a:fontRef idx="minor">
+                  <a:schemeClr val="lt1"/>
+                </a:fontRef>
+              </p:style>
+              <p:txBody>
+                <a:bodyPr rtlCol="0" anchor="ctr"/>
+                <a:lstStyle/>
+                <a:p>
+                  <a:pPr algn="ctr"/>
+                  <a:endParaRPr lang="en-IT"/>
+                </a:p>
+              </p:txBody>
+            </p:sp>
+          </p:grpSp>
+        </p:grpSp>
+        <p:grpSp>
+          <p:nvGrpSpPr>
+            <p:cNvPr id="15" name="Group 14">
+              <a:extLst>
+                <a:ext uri="{FF2B5EF4-FFF2-40B4-BE49-F238E27FC236}">
+                  <a16:creationId xmlns:a16="http://schemas.microsoft.com/office/drawing/2014/main" id="{324242D0-0930-0A44-A633-75654E6CC8D0}"/>
+                </a:ext>
+              </a:extLst>
+            </p:cNvPr>
+            <p:cNvGrpSpPr/>
+            <p:nvPr/>
+          </p:nvGrpSpPr>
+          <p:grpSpPr>
+            <a:xfrm>
+              <a:off x="1625601" y="1419509"/>
+              <a:ext cx="1258848" cy="623642"/>
+              <a:chOff x="1625601" y="795867"/>
+              <a:chExt cx="1258848" cy="623642"/>
+            </a:xfrm>
+          </p:grpSpPr>
+          <p:grpSp>
+            <p:nvGrpSpPr>
+              <p:cNvPr id="16" name="Group 15">
+                <a:extLst>
+                  <a:ext uri="{FF2B5EF4-FFF2-40B4-BE49-F238E27FC236}">
+                    <a16:creationId xmlns:a16="http://schemas.microsoft.com/office/drawing/2014/main" id="{03B9C712-20E0-E843-B9BE-AA429A1109FE}"/>
+                  </a:ext>
+                </a:extLst>
+              </p:cNvPr>
+              <p:cNvGrpSpPr/>
+              <p:nvPr/>
+            </p:nvGrpSpPr>
+            <p:grpSpPr>
+              <a:xfrm>
+                <a:off x="1625601" y="795867"/>
+                <a:ext cx="1258848" cy="311821"/>
+                <a:chOff x="1625601" y="795867"/>
+                <a:chExt cx="1258848" cy="311821"/>
+              </a:xfrm>
+            </p:grpSpPr>
+            <p:sp>
+              <p:nvSpPr>
+                <p:cNvPr id="22" name="Rectangle 21">
+                  <a:extLst>
+                    <a:ext uri="{FF2B5EF4-FFF2-40B4-BE49-F238E27FC236}">
+                      <a16:creationId xmlns:a16="http://schemas.microsoft.com/office/drawing/2014/main" id="{CC144B01-5E4B-5645-B6ED-CE46207735EE}"/>
+                    </a:ext>
+                  </a:extLst>
+                </p:cNvPr>
+                <p:cNvSpPr/>
+                <p:nvPr/>
+              </p:nvSpPr>
+              <p:spPr>
+                <a:xfrm>
+                  <a:off x="1625601" y="795867"/>
+                  <a:ext cx="314712" cy="311821"/>
+                </a:xfrm>
+                <a:prstGeom prst="rect">
+                  <a:avLst/>
+                </a:prstGeom>
+                <a:noFill/>
+                <a:ln>
+                  <a:solidFill>
+                    <a:schemeClr val="tx1"/>
+                  </a:solidFill>
+                </a:ln>
+              </p:spPr>
+              <p:style>
+                <a:lnRef idx="2">
+                  <a:schemeClr val="accent1">
+                    <a:shade val="50000"/>
+                  </a:schemeClr>
+                </a:lnRef>
+                <a:fillRef idx="1">
+                  <a:schemeClr val="accent1"/>
+                </a:fillRef>
+                <a:effectRef idx="0">
+                  <a:schemeClr val="accent1"/>
+                </a:effectRef>
+                <a:fontRef idx="minor">
+                  <a:schemeClr val="lt1"/>
+                </a:fontRef>
+              </p:style>
+              <p:txBody>
+                <a:bodyPr rtlCol="0" anchor="ctr"/>
+                <a:lstStyle/>
+                <a:p>
+                  <a:pPr algn="ctr"/>
+                  <a:endParaRPr lang="en-IT"/>
+                </a:p>
+              </p:txBody>
+            </p:sp>
+            <p:sp>
+              <p:nvSpPr>
+                <p:cNvPr id="23" name="Rectangle 22">
+                  <a:extLst>
+                    <a:ext uri="{FF2B5EF4-FFF2-40B4-BE49-F238E27FC236}">
+                      <a16:creationId xmlns:a16="http://schemas.microsoft.com/office/drawing/2014/main" id="{483C6434-8134-8442-880A-67E6B703F27B}"/>
+                    </a:ext>
+                  </a:extLst>
+                </p:cNvPr>
+                <p:cNvSpPr/>
+                <p:nvPr/>
+              </p:nvSpPr>
+              <p:spPr>
+                <a:xfrm>
+                  <a:off x="1940313" y="795867"/>
+                  <a:ext cx="314712" cy="311821"/>
+                </a:xfrm>
+                <a:prstGeom prst="rect">
+                  <a:avLst/>
+                </a:prstGeom>
+                <a:noFill/>
+                <a:ln>
+                  <a:solidFill>
+                    <a:schemeClr val="tx1"/>
+                  </a:solidFill>
+                </a:ln>
+              </p:spPr>
+              <p:style>
+                <a:lnRef idx="2">
+                  <a:schemeClr val="accent1">
+                    <a:shade val="50000"/>
+                  </a:schemeClr>
+                </a:lnRef>
+                <a:fillRef idx="1">
+                  <a:schemeClr val="accent1"/>
+                </a:fillRef>
+                <a:effectRef idx="0">
+                  <a:schemeClr val="accent1"/>
+                </a:effectRef>
+                <a:fontRef idx="minor">
+                  <a:schemeClr val="lt1"/>
+                </a:fontRef>
+              </p:style>
+              <p:txBody>
+                <a:bodyPr rtlCol="0" anchor="ctr"/>
+                <a:lstStyle/>
+                <a:p>
+                  <a:pPr algn="ctr"/>
+                  <a:endParaRPr lang="en-IT"/>
+                </a:p>
+              </p:txBody>
+            </p:sp>
+            <p:sp>
+              <p:nvSpPr>
+                <p:cNvPr id="24" name="Rectangle 23">
+                  <a:extLst>
+                    <a:ext uri="{FF2B5EF4-FFF2-40B4-BE49-F238E27FC236}">
+                      <a16:creationId xmlns:a16="http://schemas.microsoft.com/office/drawing/2014/main" id="{F6276CE6-BD37-2A4D-9269-E170940E5D34}"/>
+                    </a:ext>
+                  </a:extLst>
+                </p:cNvPr>
+                <p:cNvSpPr/>
+                <p:nvPr/>
+              </p:nvSpPr>
+              <p:spPr>
+                <a:xfrm>
+                  <a:off x="2255025" y="795867"/>
+                  <a:ext cx="314712" cy="311821"/>
+                </a:xfrm>
+                <a:prstGeom prst="rect">
+                  <a:avLst/>
+                </a:prstGeom>
+                <a:noFill/>
+                <a:ln>
+                  <a:solidFill>
+                    <a:schemeClr val="tx1"/>
+                  </a:solidFill>
+                </a:ln>
+              </p:spPr>
+              <p:style>
+                <a:lnRef idx="2">
+                  <a:schemeClr val="accent1">
+                    <a:shade val="50000"/>
+                  </a:schemeClr>
+                </a:lnRef>
+                <a:fillRef idx="1">
+                  <a:schemeClr val="accent1"/>
+                </a:fillRef>
+                <a:effectRef idx="0">
+                  <a:schemeClr val="accent1"/>
+                </a:effectRef>
+                <a:fontRef idx="minor">
+                  <a:schemeClr val="lt1"/>
+                </a:fontRef>
+              </p:style>
+              <p:txBody>
+                <a:bodyPr rtlCol="0" anchor="ctr"/>
+                <a:lstStyle/>
+                <a:p>
+                  <a:pPr algn="ctr"/>
+                  <a:endParaRPr lang="en-IT"/>
+                </a:p>
+              </p:txBody>
+            </p:sp>
+            <p:sp>
+              <p:nvSpPr>
+                <p:cNvPr id="25" name="Rectangle 24">
+                  <a:extLst>
+                    <a:ext uri="{FF2B5EF4-FFF2-40B4-BE49-F238E27FC236}">
+                      <a16:creationId xmlns:a16="http://schemas.microsoft.com/office/drawing/2014/main" id="{C922F9D0-ED7F-634A-9550-7E30DC171AE5}"/>
+                    </a:ext>
+                  </a:extLst>
+                </p:cNvPr>
+                <p:cNvSpPr/>
+                <p:nvPr/>
+              </p:nvSpPr>
+              <p:spPr>
+                <a:xfrm>
+                  <a:off x="2569737" y="795867"/>
+                  <a:ext cx="314712" cy="311821"/>
+                </a:xfrm>
+                <a:prstGeom prst="rect">
+                  <a:avLst/>
+                </a:prstGeom>
+                <a:noFill/>
+                <a:ln>
+                  <a:solidFill>
+                    <a:schemeClr val="tx1"/>
+                  </a:solidFill>
+                </a:ln>
+              </p:spPr>
+              <p:style>
+                <a:lnRef idx="2">
+                  <a:schemeClr val="accent1">
+                    <a:shade val="50000"/>
+                  </a:schemeClr>
+                </a:lnRef>
+                <a:fillRef idx="1">
+                  <a:schemeClr val="accent1"/>
+                </a:fillRef>
+                <a:effectRef idx="0">
+                  <a:schemeClr val="accent1"/>
+                </a:effectRef>
+                <a:fontRef idx="minor">
+                  <a:schemeClr val="lt1"/>
+                </a:fontRef>
+              </p:style>
+              <p:txBody>
+                <a:bodyPr rtlCol="0" anchor="ctr"/>
+                <a:lstStyle/>
+                <a:p>
+                  <a:pPr algn="ctr"/>
+                  <a:endParaRPr lang="en-IT"/>
+                </a:p>
+              </p:txBody>
+            </p:sp>
+          </p:grpSp>
+          <p:grpSp>
+            <p:nvGrpSpPr>
+              <p:cNvPr id="17" name="Group 16">
+                <a:extLst>
+                  <a:ext uri="{FF2B5EF4-FFF2-40B4-BE49-F238E27FC236}">
+                    <a16:creationId xmlns:a16="http://schemas.microsoft.com/office/drawing/2014/main" id="{76FE4EA0-95FF-C942-88D5-44C71DAD3365}"/>
+                  </a:ext>
+                </a:extLst>
+              </p:cNvPr>
+              <p:cNvGrpSpPr/>
+              <p:nvPr/>
+            </p:nvGrpSpPr>
+            <p:grpSpPr>
+              <a:xfrm>
+                <a:off x="1625601" y="1107688"/>
+                <a:ext cx="1258848" cy="311821"/>
+                <a:chOff x="1625601" y="795867"/>
+                <a:chExt cx="1258848" cy="311821"/>
+              </a:xfrm>
+            </p:grpSpPr>
+            <p:sp>
+              <p:nvSpPr>
+                <p:cNvPr id="18" name="Rectangle 17">
+                  <a:extLst>
+                    <a:ext uri="{FF2B5EF4-FFF2-40B4-BE49-F238E27FC236}">
+                      <a16:creationId xmlns:a16="http://schemas.microsoft.com/office/drawing/2014/main" id="{28BB9D51-579A-2F44-805C-7B812D121481}"/>
+                    </a:ext>
+                  </a:extLst>
+                </p:cNvPr>
+                <p:cNvSpPr/>
+                <p:nvPr/>
+              </p:nvSpPr>
+              <p:spPr>
+                <a:xfrm>
+                  <a:off x="1625601" y="795867"/>
+                  <a:ext cx="314712" cy="311821"/>
+                </a:xfrm>
+                <a:prstGeom prst="rect">
+                  <a:avLst/>
+                </a:prstGeom>
+                <a:noFill/>
+                <a:ln>
+                  <a:solidFill>
+                    <a:schemeClr val="tx1"/>
+                  </a:solidFill>
+                </a:ln>
+              </p:spPr>
+              <p:style>
+                <a:lnRef idx="2">
+                  <a:schemeClr val="accent1">
+                    <a:shade val="50000"/>
+                  </a:schemeClr>
+                </a:lnRef>
+                <a:fillRef idx="1">
+                  <a:schemeClr val="accent1"/>
+                </a:fillRef>
+                <a:effectRef idx="0">
+                  <a:schemeClr val="accent1"/>
+                </a:effectRef>
+                <a:fontRef idx="minor">
+                  <a:schemeClr val="lt1"/>
+                </a:fontRef>
+              </p:style>
+              <p:txBody>
+                <a:bodyPr rtlCol="0" anchor="ctr"/>
+                <a:lstStyle/>
+                <a:p>
+                  <a:pPr algn="ctr"/>
+                  <a:endParaRPr lang="en-IT"/>
+                </a:p>
+              </p:txBody>
+            </p:sp>
+            <p:sp>
+              <p:nvSpPr>
+                <p:cNvPr id="19" name="Rectangle 18">
+                  <a:extLst>
+                    <a:ext uri="{FF2B5EF4-FFF2-40B4-BE49-F238E27FC236}">
+                      <a16:creationId xmlns:a16="http://schemas.microsoft.com/office/drawing/2014/main" id="{270C4577-2D2F-4B4A-8817-9CB0E6AF2397}"/>
+                    </a:ext>
+                  </a:extLst>
+                </p:cNvPr>
+                <p:cNvSpPr/>
+                <p:nvPr/>
+              </p:nvSpPr>
+              <p:spPr>
+                <a:xfrm>
+                  <a:off x="1940313" y="795867"/>
+                  <a:ext cx="314712" cy="311821"/>
+                </a:xfrm>
+                <a:prstGeom prst="rect">
+                  <a:avLst/>
+                </a:prstGeom>
+                <a:noFill/>
+                <a:ln>
+                  <a:solidFill>
+                    <a:schemeClr val="tx1"/>
+                  </a:solidFill>
+                </a:ln>
+              </p:spPr>
+              <p:style>
+                <a:lnRef idx="2">
+                  <a:schemeClr val="accent1">
+                    <a:shade val="50000"/>
+                  </a:schemeClr>
+                </a:lnRef>
+                <a:fillRef idx="1">
+                  <a:schemeClr val="accent1"/>
+                </a:fillRef>
+                <a:effectRef idx="0">
+                  <a:schemeClr val="accent1"/>
+                </a:effectRef>
+                <a:fontRef idx="minor">
+                  <a:schemeClr val="lt1"/>
+                </a:fontRef>
+              </p:style>
+              <p:txBody>
+                <a:bodyPr rtlCol="0" anchor="ctr"/>
+                <a:lstStyle/>
+                <a:p>
+                  <a:pPr algn="ctr"/>
+                  <a:endParaRPr lang="en-IT"/>
+                </a:p>
+              </p:txBody>
+            </p:sp>
+            <p:sp>
+              <p:nvSpPr>
+                <p:cNvPr id="20" name="Rectangle 19">
+                  <a:extLst>
+                    <a:ext uri="{FF2B5EF4-FFF2-40B4-BE49-F238E27FC236}">
+                      <a16:creationId xmlns:a16="http://schemas.microsoft.com/office/drawing/2014/main" id="{E8F3A5E5-5781-1E4F-ADD5-A0E6882ED29D}"/>
+                    </a:ext>
+                  </a:extLst>
+                </p:cNvPr>
+                <p:cNvSpPr/>
+                <p:nvPr/>
+              </p:nvSpPr>
+              <p:spPr>
+                <a:xfrm>
+                  <a:off x="2255025" y="795867"/>
+                  <a:ext cx="314712" cy="311821"/>
+                </a:xfrm>
+                <a:prstGeom prst="rect">
+                  <a:avLst/>
+                </a:prstGeom>
+                <a:noFill/>
+                <a:ln>
+                  <a:solidFill>
+                    <a:schemeClr val="tx1"/>
+                  </a:solidFill>
+                </a:ln>
+              </p:spPr>
+              <p:style>
+                <a:lnRef idx="2">
+                  <a:schemeClr val="accent1">
+                    <a:shade val="50000"/>
+                  </a:schemeClr>
+                </a:lnRef>
+                <a:fillRef idx="1">
+                  <a:schemeClr val="accent1"/>
+                </a:fillRef>
+                <a:effectRef idx="0">
+                  <a:schemeClr val="accent1"/>
+                </a:effectRef>
+                <a:fontRef idx="minor">
+                  <a:schemeClr val="lt1"/>
+                </a:fontRef>
+              </p:style>
+              <p:txBody>
+                <a:bodyPr rtlCol="0" anchor="ctr"/>
+                <a:lstStyle/>
+                <a:p>
+                  <a:pPr algn="ctr"/>
+                  <a:endParaRPr lang="en-IT"/>
+                </a:p>
+              </p:txBody>
+            </p:sp>
+            <p:sp>
+              <p:nvSpPr>
+                <p:cNvPr id="21" name="Rectangle 20">
+                  <a:extLst>
+                    <a:ext uri="{FF2B5EF4-FFF2-40B4-BE49-F238E27FC236}">
+                      <a16:creationId xmlns:a16="http://schemas.microsoft.com/office/drawing/2014/main" id="{9EE3A026-8F5B-3449-A6EB-BC7F58EB9AC0}"/>
+                    </a:ext>
+                  </a:extLst>
+                </p:cNvPr>
+                <p:cNvSpPr/>
+                <p:nvPr/>
+              </p:nvSpPr>
+              <p:spPr>
+                <a:xfrm>
+                  <a:off x="2569737" y="795867"/>
+                  <a:ext cx="314712" cy="311821"/>
+                </a:xfrm>
+                <a:prstGeom prst="rect">
+                  <a:avLst/>
+                </a:prstGeom>
+                <a:noFill/>
+                <a:ln>
+                  <a:solidFill>
+                    <a:schemeClr val="tx1"/>
+                  </a:solidFill>
+                </a:ln>
+              </p:spPr>
+              <p:style>
+                <a:lnRef idx="2">
+                  <a:schemeClr val="accent1">
+                    <a:shade val="50000"/>
+                  </a:schemeClr>
+                </a:lnRef>
+                <a:fillRef idx="1">
+                  <a:schemeClr val="accent1"/>
+                </a:fillRef>
+                <a:effectRef idx="0">
+                  <a:schemeClr val="accent1"/>
+                </a:effectRef>
+                <a:fontRef idx="minor">
+                  <a:schemeClr val="lt1"/>
+                </a:fontRef>
+              </p:style>
+              <p:txBody>
+                <a:bodyPr rtlCol="0" anchor="ctr"/>
+                <a:lstStyle/>
+                <a:p>
+                  <a:pPr algn="ctr"/>
+                  <a:endParaRPr lang="en-IT"/>
+                </a:p>
+              </p:txBody>
+            </p:sp>
+          </p:grpSp>
+        </p:grpSp>
+      </p:grpSp>
+      <p:grpSp>
+        <p:nvGrpSpPr>
+          <p:cNvPr id="27" name="Group 26">
+            <a:extLst>
+              <a:ext uri="{FF2B5EF4-FFF2-40B4-BE49-F238E27FC236}">
+                <a16:creationId xmlns:a16="http://schemas.microsoft.com/office/drawing/2014/main" id="{21E7FB1D-60F5-AC40-B609-C4A0796D0B55}"/>
+              </a:ext>
+            </a:extLst>
+          </p:cNvPr>
+          <p:cNvGrpSpPr/>
+          <p:nvPr/>
+        </p:nvGrpSpPr>
+        <p:grpSpPr>
+          <a:xfrm>
+            <a:off x="478022" y="1194460"/>
+            <a:ext cx="1057638" cy="1062913"/>
+            <a:chOff x="1625601" y="795867"/>
+            <a:chExt cx="1258848" cy="1247284"/>
+          </a:xfrm>
+        </p:grpSpPr>
+        <p:grpSp>
+          <p:nvGrpSpPr>
+            <p:cNvPr id="28" name="Group 27">
+              <a:extLst>
+                <a:ext uri="{FF2B5EF4-FFF2-40B4-BE49-F238E27FC236}">
+                  <a16:creationId xmlns:a16="http://schemas.microsoft.com/office/drawing/2014/main" id="{E8C90147-73D5-7A43-940B-22227BBD1303}"/>
+                </a:ext>
+              </a:extLst>
+            </p:cNvPr>
+            <p:cNvGrpSpPr/>
+            <p:nvPr/>
+          </p:nvGrpSpPr>
+          <p:grpSpPr>
+            <a:xfrm>
+              <a:off x="1625601" y="795867"/>
+              <a:ext cx="1258848" cy="623642"/>
+              <a:chOff x="1625601" y="795867"/>
+              <a:chExt cx="1258848" cy="623642"/>
+            </a:xfrm>
+          </p:grpSpPr>
+          <p:grpSp>
+            <p:nvGrpSpPr>
+              <p:cNvPr id="40" name="Group 39">
+                <a:extLst>
+                  <a:ext uri="{FF2B5EF4-FFF2-40B4-BE49-F238E27FC236}">
+                    <a16:creationId xmlns:a16="http://schemas.microsoft.com/office/drawing/2014/main" id="{4BCF11DC-73FF-224D-8D41-4AB919AE2488}"/>
+                  </a:ext>
+                </a:extLst>
+              </p:cNvPr>
+              <p:cNvGrpSpPr/>
+              <p:nvPr/>
+            </p:nvGrpSpPr>
+            <p:grpSpPr>
+              <a:xfrm>
+                <a:off x="1625601" y="795867"/>
+                <a:ext cx="1258848" cy="311821"/>
+                <a:chOff x="1625601" y="795867"/>
+                <a:chExt cx="1258848" cy="311821"/>
+              </a:xfrm>
+            </p:grpSpPr>
+            <p:sp>
+              <p:nvSpPr>
+                <p:cNvPr id="46" name="Rectangle 45">
+                  <a:extLst>
+                    <a:ext uri="{FF2B5EF4-FFF2-40B4-BE49-F238E27FC236}">
+                      <a16:creationId xmlns:a16="http://schemas.microsoft.com/office/drawing/2014/main" id="{1354BA05-85C9-6441-8E83-4F4AFB582AA0}"/>
+                    </a:ext>
+                  </a:extLst>
+                </p:cNvPr>
+                <p:cNvSpPr/>
+                <p:nvPr/>
+              </p:nvSpPr>
+              <p:spPr>
+                <a:xfrm>
+                  <a:off x="1625601" y="795867"/>
+                  <a:ext cx="314712" cy="311821"/>
+                </a:xfrm>
+                <a:prstGeom prst="rect">
+                  <a:avLst/>
+                </a:prstGeom>
+                <a:noFill/>
+                <a:ln>
+                  <a:solidFill>
+                    <a:schemeClr val="tx1"/>
+                  </a:solidFill>
+                </a:ln>
+              </p:spPr>
+              <p:style>
+                <a:lnRef idx="2">
+                  <a:schemeClr val="accent1">
+                    <a:shade val="50000"/>
+                  </a:schemeClr>
+                </a:lnRef>
+                <a:fillRef idx="1">
+                  <a:schemeClr val="accent1"/>
+                </a:fillRef>
+                <a:effectRef idx="0">
+                  <a:schemeClr val="accent1"/>
+                </a:effectRef>
+                <a:fontRef idx="minor">
+                  <a:schemeClr val="lt1"/>
+                </a:fontRef>
+              </p:style>
+              <p:txBody>
+                <a:bodyPr rtlCol="0" anchor="ctr"/>
+                <a:lstStyle/>
+                <a:p>
+                  <a:pPr algn="ctr"/>
+                  <a:endParaRPr lang="en-IT"/>
+                </a:p>
+              </p:txBody>
+            </p:sp>
+            <p:sp>
+              <p:nvSpPr>
+                <p:cNvPr id="47" name="Rectangle 46">
+                  <a:extLst>
+                    <a:ext uri="{FF2B5EF4-FFF2-40B4-BE49-F238E27FC236}">
+                      <a16:creationId xmlns:a16="http://schemas.microsoft.com/office/drawing/2014/main" id="{0DE37F5B-F957-5B40-A9C0-ED30CB34E7AD}"/>
+                    </a:ext>
+                  </a:extLst>
+                </p:cNvPr>
+                <p:cNvSpPr/>
+                <p:nvPr/>
+              </p:nvSpPr>
+              <p:spPr>
+                <a:xfrm>
+                  <a:off x="1940313" y="795867"/>
+                  <a:ext cx="314712" cy="311821"/>
+                </a:xfrm>
+                <a:prstGeom prst="rect">
+                  <a:avLst/>
+                </a:prstGeom>
+                <a:noFill/>
+                <a:ln>
+                  <a:solidFill>
+                    <a:schemeClr val="tx1"/>
+                  </a:solidFill>
+                </a:ln>
+              </p:spPr>
+              <p:style>
+                <a:lnRef idx="2">
+                  <a:schemeClr val="accent1">
+                    <a:shade val="50000"/>
+                  </a:schemeClr>
+                </a:lnRef>
+                <a:fillRef idx="1">
+                  <a:schemeClr val="accent1"/>
+                </a:fillRef>
+                <a:effectRef idx="0">
+                  <a:schemeClr val="accent1"/>
+                </a:effectRef>
+                <a:fontRef idx="minor">
+                  <a:schemeClr val="lt1"/>
+                </a:fontRef>
+              </p:style>
+              <p:txBody>
+                <a:bodyPr rtlCol="0" anchor="ctr"/>
+                <a:lstStyle/>
+                <a:p>
+                  <a:pPr algn="ctr"/>
+                  <a:endParaRPr lang="en-IT"/>
+                </a:p>
+              </p:txBody>
+            </p:sp>
+            <p:sp>
+              <p:nvSpPr>
+                <p:cNvPr id="48" name="Rectangle 47">
+                  <a:extLst>
+                    <a:ext uri="{FF2B5EF4-FFF2-40B4-BE49-F238E27FC236}">
+                      <a16:creationId xmlns:a16="http://schemas.microsoft.com/office/drawing/2014/main" id="{EF7D2D4F-0388-F84D-BD45-D9E1B7919872}"/>
+                    </a:ext>
+                  </a:extLst>
+                </p:cNvPr>
+                <p:cNvSpPr/>
+                <p:nvPr/>
+              </p:nvSpPr>
+              <p:spPr>
+                <a:xfrm>
+                  <a:off x="2255025" y="795867"/>
+                  <a:ext cx="314712" cy="311821"/>
+                </a:xfrm>
+                <a:prstGeom prst="rect">
+                  <a:avLst/>
+                </a:prstGeom>
+                <a:noFill/>
+                <a:ln>
+                  <a:solidFill>
+                    <a:schemeClr val="tx1"/>
+                  </a:solidFill>
+                </a:ln>
+              </p:spPr>
+              <p:style>
+                <a:lnRef idx="2">
+                  <a:schemeClr val="accent1">
+                    <a:shade val="50000"/>
+                  </a:schemeClr>
+                </a:lnRef>
+                <a:fillRef idx="1">
+                  <a:schemeClr val="accent1"/>
+                </a:fillRef>
+                <a:effectRef idx="0">
+                  <a:schemeClr val="accent1"/>
+                </a:effectRef>
+                <a:fontRef idx="minor">
+                  <a:schemeClr val="lt1"/>
+                </a:fontRef>
+              </p:style>
+              <p:txBody>
+                <a:bodyPr rtlCol="0" anchor="ctr"/>
+                <a:lstStyle/>
+                <a:p>
+                  <a:pPr algn="ctr"/>
+                  <a:endParaRPr lang="en-IT"/>
+                </a:p>
+              </p:txBody>
+            </p:sp>
+            <p:sp>
+              <p:nvSpPr>
+                <p:cNvPr id="49" name="Rectangle 48">
+                  <a:extLst>
+                    <a:ext uri="{FF2B5EF4-FFF2-40B4-BE49-F238E27FC236}">
+                      <a16:creationId xmlns:a16="http://schemas.microsoft.com/office/drawing/2014/main" id="{F6C210A8-5C73-534C-8AEC-C217DA57EB91}"/>
+                    </a:ext>
+                  </a:extLst>
+                </p:cNvPr>
+                <p:cNvSpPr/>
+                <p:nvPr/>
+              </p:nvSpPr>
+              <p:spPr>
+                <a:xfrm>
+                  <a:off x="2569737" y="795867"/>
+                  <a:ext cx="314712" cy="311821"/>
+                </a:xfrm>
+                <a:prstGeom prst="rect">
+                  <a:avLst/>
+                </a:prstGeom>
+                <a:noFill/>
+                <a:ln>
+                  <a:solidFill>
+                    <a:schemeClr val="tx1"/>
+                  </a:solidFill>
+                </a:ln>
+              </p:spPr>
+              <p:style>
+                <a:lnRef idx="2">
+                  <a:schemeClr val="accent1">
+                    <a:shade val="50000"/>
+                  </a:schemeClr>
+                </a:lnRef>
+                <a:fillRef idx="1">
+                  <a:schemeClr val="accent1"/>
+                </a:fillRef>
+                <a:effectRef idx="0">
+                  <a:schemeClr val="accent1"/>
+                </a:effectRef>
+                <a:fontRef idx="minor">
+                  <a:schemeClr val="lt1"/>
+                </a:fontRef>
+              </p:style>
+              <p:txBody>
+                <a:bodyPr rtlCol="0" anchor="ctr"/>
+                <a:lstStyle/>
+                <a:p>
+                  <a:pPr algn="ctr"/>
+                  <a:endParaRPr lang="en-IT"/>
+                </a:p>
+              </p:txBody>
+            </p:sp>
+          </p:grpSp>
+          <p:grpSp>
+            <p:nvGrpSpPr>
+              <p:cNvPr id="41" name="Group 40">
+                <a:extLst>
+                  <a:ext uri="{FF2B5EF4-FFF2-40B4-BE49-F238E27FC236}">
+                    <a16:creationId xmlns:a16="http://schemas.microsoft.com/office/drawing/2014/main" id="{54D118C5-F8AE-FD44-AD33-7BD22AF5B570}"/>
+                  </a:ext>
+                </a:extLst>
+              </p:cNvPr>
+              <p:cNvGrpSpPr/>
+              <p:nvPr/>
+            </p:nvGrpSpPr>
+            <p:grpSpPr>
+              <a:xfrm>
+                <a:off x="1625601" y="1107688"/>
+                <a:ext cx="1258848" cy="311821"/>
+                <a:chOff x="1625601" y="795867"/>
+                <a:chExt cx="1258848" cy="311821"/>
+              </a:xfrm>
+            </p:grpSpPr>
+            <p:sp>
+              <p:nvSpPr>
+                <p:cNvPr id="42" name="Rectangle 41">
+                  <a:extLst>
+                    <a:ext uri="{FF2B5EF4-FFF2-40B4-BE49-F238E27FC236}">
+                      <a16:creationId xmlns:a16="http://schemas.microsoft.com/office/drawing/2014/main" id="{6BD6845C-69DD-5940-AA2E-CF60EF1C31CD}"/>
+                    </a:ext>
+                  </a:extLst>
+                </p:cNvPr>
+                <p:cNvSpPr/>
+                <p:nvPr/>
+              </p:nvSpPr>
+              <p:spPr>
+                <a:xfrm>
+                  <a:off x="1625601" y="795867"/>
+                  <a:ext cx="314712" cy="311821"/>
+                </a:xfrm>
+                <a:prstGeom prst="rect">
+                  <a:avLst/>
+                </a:prstGeom>
+                <a:noFill/>
+                <a:ln>
+                  <a:solidFill>
+                    <a:schemeClr val="tx1"/>
+                  </a:solidFill>
+                </a:ln>
+              </p:spPr>
+              <p:style>
+                <a:lnRef idx="2">
+                  <a:schemeClr val="accent1">
+                    <a:shade val="50000"/>
+                  </a:schemeClr>
+                </a:lnRef>
+                <a:fillRef idx="1">
+                  <a:schemeClr val="accent1"/>
+                </a:fillRef>
+                <a:effectRef idx="0">
+                  <a:schemeClr val="accent1"/>
+                </a:effectRef>
+                <a:fontRef idx="minor">
+                  <a:schemeClr val="lt1"/>
+                </a:fontRef>
+              </p:style>
+              <p:txBody>
+                <a:bodyPr rtlCol="0" anchor="ctr"/>
+                <a:lstStyle/>
+                <a:p>
+                  <a:pPr algn="ctr"/>
+                  <a:endParaRPr lang="en-IT"/>
+                </a:p>
+              </p:txBody>
+            </p:sp>
+            <p:sp>
+              <p:nvSpPr>
+                <p:cNvPr id="43" name="Rectangle 42">
+                  <a:extLst>
+                    <a:ext uri="{FF2B5EF4-FFF2-40B4-BE49-F238E27FC236}">
+                      <a16:creationId xmlns:a16="http://schemas.microsoft.com/office/drawing/2014/main" id="{430E1428-7223-3548-A3CE-3CD43585ADC6}"/>
+                    </a:ext>
+                  </a:extLst>
+                </p:cNvPr>
+                <p:cNvSpPr/>
+                <p:nvPr/>
+              </p:nvSpPr>
+              <p:spPr>
+                <a:xfrm>
+                  <a:off x="1940313" y="795867"/>
+                  <a:ext cx="314712" cy="311821"/>
+                </a:xfrm>
+                <a:prstGeom prst="rect">
+                  <a:avLst/>
+                </a:prstGeom>
+                <a:noFill/>
+                <a:ln>
+                  <a:solidFill>
+                    <a:schemeClr val="tx1"/>
+                  </a:solidFill>
+                </a:ln>
+              </p:spPr>
+              <p:style>
+                <a:lnRef idx="2">
+                  <a:schemeClr val="accent1">
+                    <a:shade val="50000"/>
+                  </a:schemeClr>
+                </a:lnRef>
+                <a:fillRef idx="1">
+                  <a:schemeClr val="accent1"/>
+                </a:fillRef>
+                <a:effectRef idx="0">
+                  <a:schemeClr val="accent1"/>
+                </a:effectRef>
+                <a:fontRef idx="minor">
+                  <a:schemeClr val="lt1"/>
+                </a:fontRef>
+              </p:style>
+              <p:txBody>
+                <a:bodyPr rtlCol="0" anchor="ctr"/>
+                <a:lstStyle/>
+                <a:p>
+                  <a:pPr algn="ctr"/>
+                  <a:endParaRPr lang="en-IT"/>
+                </a:p>
+              </p:txBody>
+            </p:sp>
+            <p:sp>
+              <p:nvSpPr>
+                <p:cNvPr id="44" name="Rectangle 43">
+                  <a:extLst>
+                    <a:ext uri="{FF2B5EF4-FFF2-40B4-BE49-F238E27FC236}">
+                      <a16:creationId xmlns:a16="http://schemas.microsoft.com/office/drawing/2014/main" id="{E197C1C0-99F0-6B47-9EF1-06F3B4E63FD4}"/>
+                    </a:ext>
+                  </a:extLst>
+                </p:cNvPr>
+                <p:cNvSpPr/>
+                <p:nvPr/>
+              </p:nvSpPr>
+              <p:spPr>
+                <a:xfrm>
+                  <a:off x="2255025" y="795867"/>
+                  <a:ext cx="314712" cy="311821"/>
+                </a:xfrm>
+                <a:prstGeom prst="rect">
+                  <a:avLst/>
+                </a:prstGeom>
+                <a:noFill/>
+                <a:ln>
+                  <a:solidFill>
+                    <a:schemeClr val="tx1"/>
+                  </a:solidFill>
+                </a:ln>
+              </p:spPr>
+              <p:style>
+                <a:lnRef idx="2">
+                  <a:schemeClr val="accent1">
+                    <a:shade val="50000"/>
+                  </a:schemeClr>
+                </a:lnRef>
+                <a:fillRef idx="1">
+                  <a:schemeClr val="accent1"/>
+                </a:fillRef>
+                <a:effectRef idx="0">
+                  <a:schemeClr val="accent1"/>
+                </a:effectRef>
+                <a:fontRef idx="minor">
+                  <a:schemeClr val="lt1"/>
+                </a:fontRef>
+              </p:style>
+              <p:txBody>
+                <a:bodyPr rtlCol="0" anchor="ctr"/>
+                <a:lstStyle/>
+                <a:p>
+                  <a:pPr algn="ctr"/>
+                  <a:endParaRPr lang="en-IT"/>
+                </a:p>
+              </p:txBody>
+            </p:sp>
+            <p:sp>
+              <p:nvSpPr>
+                <p:cNvPr id="45" name="Rectangle 44">
+                  <a:extLst>
+                    <a:ext uri="{FF2B5EF4-FFF2-40B4-BE49-F238E27FC236}">
+                      <a16:creationId xmlns:a16="http://schemas.microsoft.com/office/drawing/2014/main" id="{7B427B80-037A-924A-BF82-C931DEC23E1C}"/>
+                    </a:ext>
+                  </a:extLst>
+                </p:cNvPr>
+                <p:cNvSpPr/>
+                <p:nvPr/>
+              </p:nvSpPr>
+              <p:spPr>
+                <a:xfrm>
+                  <a:off x="2569737" y="795867"/>
+                  <a:ext cx="314712" cy="311821"/>
+                </a:xfrm>
+                <a:prstGeom prst="rect">
+                  <a:avLst/>
+                </a:prstGeom>
+                <a:noFill/>
+                <a:ln>
+                  <a:solidFill>
+                    <a:schemeClr val="tx1"/>
+                  </a:solidFill>
+                </a:ln>
+              </p:spPr>
+              <p:style>
+                <a:lnRef idx="2">
+                  <a:schemeClr val="accent1">
+                    <a:shade val="50000"/>
+                  </a:schemeClr>
+                </a:lnRef>
+                <a:fillRef idx="1">
+                  <a:schemeClr val="accent1"/>
+                </a:fillRef>
+                <a:effectRef idx="0">
+                  <a:schemeClr val="accent1"/>
+                </a:effectRef>
+                <a:fontRef idx="minor">
+                  <a:schemeClr val="lt1"/>
+                </a:fontRef>
+              </p:style>
+              <p:txBody>
+                <a:bodyPr rtlCol="0" anchor="ctr"/>
+                <a:lstStyle/>
+                <a:p>
+                  <a:pPr algn="ctr"/>
+                  <a:endParaRPr lang="en-IT"/>
+                </a:p>
+              </p:txBody>
+            </p:sp>
+          </p:grpSp>
+        </p:grpSp>
+        <p:grpSp>
+          <p:nvGrpSpPr>
+            <p:cNvPr id="29" name="Group 28">
+              <a:extLst>
+                <a:ext uri="{FF2B5EF4-FFF2-40B4-BE49-F238E27FC236}">
+                  <a16:creationId xmlns:a16="http://schemas.microsoft.com/office/drawing/2014/main" id="{C588771B-385D-8C4E-9691-859C4EBFC45E}"/>
+                </a:ext>
+              </a:extLst>
+            </p:cNvPr>
+            <p:cNvGrpSpPr/>
+            <p:nvPr/>
+          </p:nvGrpSpPr>
+          <p:grpSpPr>
+            <a:xfrm>
+              <a:off x="1625601" y="1419509"/>
+              <a:ext cx="1258848" cy="623642"/>
+              <a:chOff x="1625601" y="795867"/>
+              <a:chExt cx="1258848" cy="623642"/>
+            </a:xfrm>
+          </p:grpSpPr>
+          <p:grpSp>
+            <p:nvGrpSpPr>
+              <p:cNvPr id="30" name="Group 29">
+                <a:extLst>
+                  <a:ext uri="{FF2B5EF4-FFF2-40B4-BE49-F238E27FC236}">
+                    <a16:creationId xmlns:a16="http://schemas.microsoft.com/office/drawing/2014/main" id="{FF8596A9-2497-6D47-9BA2-80F89FFF10EA}"/>
+                  </a:ext>
+                </a:extLst>
+              </p:cNvPr>
+              <p:cNvGrpSpPr/>
+              <p:nvPr/>
+            </p:nvGrpSpPr>
+            <p:grpSpPr>
+              <a:xfrm>
+                <a:off x="1625601" y="795867"/>
+                <a:ext cx="1258848" cy="311821"/>
+                <a:chOff x="1625601" y="795867"/>
+                <a:chExt cx="1258848" cy="311821"/>
+              </a:xfrm>
+            </p:grpSpPr>
+            <p:sp>
+              <p:nvSpPr>
+                <p:cNvPr id="36" name="Rectangle 35">
+                  <a:extLst>
+                    <a:ext uri="{FF2B5EF4-FFF2-40B4-BE49-F238E27FC236}">
+                      <a16:creationId xmlns:a16="http://schemas.microsoft.com/office/drawing/2014/main" id="{A5FACD50-8FF0-4540-A121-647C8C92644F}"/>
+                    </a:ext>
+                  </a:extLst>
+                </p:cNvPr>
+                <p:cNvSpPr/>
+                <p:nvPr/>
+              </p:nvSpPr>
+              <p:spPr>
+                <a:xfrm>
+                  <a:off x="1625601" y="795867"/>
+                  <a:ext cx="314712" cy="311821"/>
+                </a:xfrm>
+                <a:prstGeom prst="rect">
+                  <a:avLst/>
+                </a:prstGeom>
+                <a:noFill/>
+                <a:ln>
+                  <a:solidFill>
+                    <a:schemeClr val="tx1"/>
+                  </a:solidFill>
+                </a:ln>
+              </p:spPr>
+              <p:style>
+                <a:lnRef idx="2">
+                  <a:schemeClr val="accent1">
+                    <a:shade val="50000"/>
+                  </a:schemeClr>
+                </a:lnRef>
+                <a:fillRef idx="1">
+                  <a:schemeClr val="accent1"/>
+                </a:fillRef>
+                <a:effectRef idx="0">
+                  <a:schemeClr val="accent1"/>
+                </a:effectRef>
+                <a:fontRef idx="minor">
+                  <a:schemeClr val="lt1"/>
+                </a:fontRef>
+              </p:style>
+              <p:txBody>
+                <a:bodyPr rtlCol="0" anchor="ctr"/>
+                <a:lstStyle/>
+                <a:p>
+                  <a:pPr algn="ctr"/>
+                  <a:endParaRPr lang="en-IT"/>
+                </a:p>
+              </p:txBody>
+            </p:sp>
+            <p:sp>
+              <p:nvSpPr>
+                <p:cNvPr id="37" name="Rectangle 36">
+                  <a:extLst>
+                    <a:ext uri="{FF2B5EF4-FFF2-40B4-BE49-F238E27FC236}">
+                      <a16:creationId xmlns:a16="http://schemas.microsoft.com/office/drawing/2014/main" id="{634BE638-EA03-B94C-AB95-8298D592CC88}"/>
+                    </a:ext>
+                  </a:extLst>
+                </p:cNvPr>
+                <p:cNvSpPr/>
+                <p:nvPr/>
+              </p:nvSpPr>
+              <p:spPr>
+                <a:xfrm>
+                  <a:off x="1940313" y="795867"/>
+                  <a:ext cx="314712" cy="311821"/>
+                </a:xfrm>
+                <a:prstGeom prst="rect">
+                  <a:avLst/>
+                </a:prstGeom>
+                <a:noFill/>
+                <a:ln>
+                  <a:solidFill>
+                    <a:schemeClr val="tx1"/>
+                  </a:solidFill>
+                </a:ln>
+              </p:spPr>
+              <p:style>
+                <a:lnRef idx="2">
+                  <a:schemeClr val="accent1">
+                    <a:shade val="50000"/>
+                  </a:schemeClr>
+                </a:lnRef>
+                <a:fillRef idx="1">
+                  <a:schemeClr val="accent1"/>
+                </a:fillRef>
+                <a:effectRef idx="0">
+                  <a:schemeClr val="accent1"/>
+                </a:effectRef>
+                <a:fontRef idx="minor">
+                  <a:schemeClr val="lt1"/>
+                </a:fontRef>
+              </p:style>
+              <p:txBody>
+                <a:bodyPr rtlCol="0" anchor="ctr"/>
+                <a:lstStyle/>
+                <a:p>
+                  <a:pPr algn="ctr"/>
+                  <a:endParaRPr lang="en-IT"/>
+                </a:p>
+              </p:txBody>
+            </p:sp>
+            <p:sp>
+              <p:nvSpPr>
+                <p:cNvPr id="38" name="Rectangle 37">
+                  <a:extLst>
+                    <a:ext uri="{FF2B5EF4-FFF2-40B4-BE49-F238E27FC236}">
+                      <a16:creationId xmlns:a16="http://schemas.microsoft.com/office/drawing/2014/main" id="{5A3E0D8D-66DE-854D-AD9D-208F73A0DF5D}"/>
+                    </a:ext>
+                  </a:extLst>
+                </p:cNvPr>
+                <p:cNvSpPr/>
+                <p:nvPr/>
+              </p:nvSpPr>
+              <p:spPr>
+                <a:xfrm>
+                  <a:off x="2255025" y="795867"/>
+                  <a:ext cx="314712" cy="311821"/>
+                </a:xfrm>
+                <a:prstGeom prst="rect">
+                  <a:avLst/>
+                </a:prstGeom>
+                <a:noFill/>
+                <a:ln>
+                  <a:solidFill>
+                    <a:schemeClr val="tx1"/>
+                  </a:solidFill>
+                </a:ln>
+              </p:spPr>
+              <p:style>
+                <a:lnRef idx="2">
+                  <a:schemeClr val="accent1">
+                    <a:shade val="50000"/>
+                  </a:schemeClr>
+                </a:lnRef>
+                <a:fillRef idx="1">
+                  <a:schemeClr val="accent1"/>
+                </a:fillRef>
+                <a:effectRef idx="0">
+                  <a:schemeClr val="accent1"/>
+                </a:effectRef>
+                <a:fontRef idx="minor">
+                  <a:schemeClr val="lt1"/>
+                </a:fontRef>
+              </p:style>
+              <p:txBody>
+                <a:bodyPr rtlCol="0" anchor="ctr"/>
+                <a:lstStyle/>
+                <a:p>
+                  <a:pPr algn="ctr"/>
+                  <a:endParaRPr lang="en-IT"/>
+                </a:p>
+              </p:txBody>
+            </p:sp>
+            <p:sp>
+              <p:nvSpPr>
+                <p:cNvPr id="39" name="Rectangle 38">
+                  <a:extLst>
+                    <a:ext uri="{FF2B5EF4-FFF2-40B4-BE49-F238E27FC236}">
+                      <a16:creationId xmlns:a16="http://schemas.microsoft.com/office/drawing/2014/main" id="{6A01BBCB-F351-BF49-838F-ED00435D64AE}"/>
+                    </a:ext>
+                  </a:extLst>
+                </p:cNvPr>
+                <p:cNvSpPr/>
+                <p:nvPr/>
+              </p:nvSpPr>
+              <p:spPr>
+                <a:xfrm>
+                  <a:off x="2569737" y="795867"/>
+                  <a:ext cx="314712" cy="311821"/>
+                </a:xfrm>
+                <a:prstGeom prst="rect">
+                  <a:avLst/>
+                </a:prstGeom>
+                <a:noFill/>
+                <a:ln>
+                  <a:solidFill>
+                    <a:schemeClr val="tx1"/>
+                  </a:solidFill>
+                </a:ln>
+              </p:spPr>
+              <p:style>
+                <a:lnRef idx="2">
+                  <a:schemeClr val="accent1">
+                    <a:shade val="50000"/>
+                  </a:schemeClr>
+                </a:lnRef>
+                <a:fillRef idx="1">
+                  <a:schemeClr val="accent1"/>
+                </a:fillRef>
+                <a:effectRef idx="0">
+                  <a:schemeClr val="accent1"/>
+                </a:effectRef>
+                <a:fontRef idx="minor">
+                  <a:schemeClr val="lt1"/>
+                </a:fontRef>
+              </p:style>
+              <p:txBody>
+                <a:bodyPr rtlCol="0" anchor="ctr"/>
+                <a:lstStyle/>
+                <a:p>
+                  <a:pPr algn="ctr"/>
+                  <a:endParaRPr lang="en-IT"/>
+                </a:p>
+              </p:txBody>
+            </p:sp>
+          </p:grpSp>
+          <p:grpSp>
+            <p:nvGrpSpPr>
+              <p:cNvPr id="31" name="Group 30">
+                <a:extLst>
+                  <a:ext uri="{FF2B5EF4-FFF2-40B4-BE49-F238E27FC236}">
+                    <a16:creationId xmlns:a16="http://schemas.microsoft.com/office/drawing/2014/main" id="{38204AA2-2283-AB49-AC6E-DC3AA370FC42}"/>
+                  </a:ext>
+                </a:extLst>
+              </p:cNvPr>
+              <p:cNvGrpSpPr/>
+              <p:nvPr/>
+            </p:nvGrpSpPr>
+            <p:grpSpPr>
+              <a:xfrm>
+                <a:off x="1625601" y="1107688"/>
+                <a:ext cx="1258848" cy="311821"/>
+                <a:chOff x="1625601" y="795867"/>
+                <a:chExt cx="1258848" cy="311821"/>
+              </a:xfrm>
+            </p:grpSpPr>
+            <p:sp>
+              <p:nvSpPr>
+                <p:cNvPr id="32" name="Rectangle 31">
+                  <a:extLst>
+                    <a:ext uri="{FF2B5EF4-FFF2-40B4-BE49-F238E27FC236}">
+                      <a16:creationId xmlns:a16="http://schemas.microsoft.com/office/drawing/2014/main" id="{8E3B0BEB-C8A1-D24D-AFBF-1ED9F3C58207}"/>
+                    </a:ext>
+                  </a:extLst>
+                </p:cNvPr>
+                <p:cNvSpPr/>
+                <p:nvPr/>
+              </p:nvSpPr>
+              <p:spPr>
+                <a:xfrm>
+                  <a:off x="1625601" y="795867"/>
+                  <a:ext cx="314712" cy="311821"/>
+                </a:xfrm>
+                <a:prstGeom prst="rect">
+                  <a:avLst/>
+                </a:prstGeom>
+                <a:noFill/>
+                <a:ln>
+                  <a:solidFill>
+                    <a:schemeClr val="tx1"/>
+                  </a:solidFill>
+                </a:ln>
+              </p:spPr>
+              <p:style>
+                <a:lnRef idx="2">
+                  <a:schemeClr val="accent1">
+                    <a:shade val="50000"/>
+                  </a:schemeClr>
+                </a:lnRef>
+                <a:fillRef idx="1">
+                  <a:schemeClr val="accent1"/>
+                </a:fillRef>
+                <a:effectRef idx="0">
+                  <a:schemeClr val="accent1"/>
+                </a:effectRef>
+                <a:fontRef idx="minor">
+                  <a:schemeClr val="lt1"/>
+                </a:fontRef>
+              </p:style>
+              <p:txBody>
+                <a:bodyPr rtlCol="0" anchor="ctr"/>
+                <a:lstStyle/>
+                <a:p>
+                  <a:pPr algn="ctr"/>
+                  <a:endParaRPr lang="en-IT"/>
+                </a:p>
+              </p:txBody>
+            </p:sp>
+            <p:sp>
+              <p:nvSpPr>
+                <p:cNvPr id="33" name="Rectangle 32">
+                  <a:extLst>
+                    <a:ext uri="{FF2B5EF4-FFF2-40B4-BE49-F238E27FC236}">
+                      <a16:creationId xmlns:a16="http://schemas.microsoft.com/office/drawing/2014/main" id="{D623A91B-38D6-AA45-A531-2EEF59776FC5}"/>
+                    </a:ext>
+                  </a:extLst>
+                </p:cNvPr>
+                <p:cNvSpPr/>
+                <p:nvPr/>
+              </p:nvSpPr>
+              <p:spPr>
+                <a:xfrm>
+                  <a:off x="1940313" y="795867"/>
+                  <a:ext cx="314712" cy="311821"/>
+                </a:xfrm>
+                <a:prstGeom prst="rect">
+                  <a:avLst/>
+                </a:prstGeom>
+                <a:noFill/>
+                <a:ln>
+                  <a:solidFill>
+                    <a:schemeClr val="tx1"/>
+                  </a:solidFill>
+                </a:ln>
+              </p:spPr>
+              <p:style>
+                <a:lnRef idx="2">
+                  <a:schemeClr val="accent1">
+                    <a:shade val="50000"/>
+                  </a:schemeClr>
+                </a:lnRef>
+                <a:fillRef idx="1">
+                  <a:schemeClr val="accent1"/>
+                </a:fillRef>
+                <a:effectRef idx="0">
+                  <a:schemeClr val="accent1"/>
+                </a:effectRef>
+                <a:fontRef idx="minor">
+                  <a:schemeClr val="lt1"/>
+                </a:fontRef>
+              </p:style>
+              <p:txBody>
+                <a:bodyPr rtlCol="0" anchor="ctr"/>
+                <a:lstStyle/>
+                <a:p>
+                  <a:pPr algn="ctr"/>
+                  <a:endParaRPr lang="en-IT"/>
+                </a:p>
+              </p:txBody>
+            </p:sp>
+            <p:sp>
+              <p:nvSpPr>
+                <p:cNvPr id="34" name="Rectangle 33">
+                  <a:extLst>
+                    <a:ext uri="{FF2B5EF4-FFF2-40B4-BE49-F238E27FC236}">
+                      <a16:creationId xmlns:a16="http://schemas.microsoft.com/office/drawing/2014/main" id="{9B28EEEF-4796-C74D-90AE-528C99E9ED11}"/>
+                    </a:ext>
+                  </a:extLst>
+                </p:cNvPr>
+                <p:cNvSpPr/>
+                <p:nvPr/>
+              </p:nvSpPr>
+              <p:spPr>
+                <a:xfrm>
+                  <a:off x="2255025" y="795867"/>
+                  <a:ext cx="314712" cy="311821"/>
+                </a:xfrm>
+                <a:prstGeom prst="rect">
+                  <a:avLst/>
+                </a:prstGeom>
+                <a:noFill/>
+                <a:ln>
+                  <a:solidFill>
+                    <a:schemeClr val="tx1"/>
+                  </a:solidFill>
+                </a:ln>
+              </p:spPr>
+              <p:style>
+                <a:lnRef idx="2">
+                  <a:schemeClr val="accent1">
+                    <a:shade val="50000"/>
+                  </a:schemeClr>
+                </a:lnRef>
+                <a:fillRef idx="1">
+                  <a:schemeClr val="accent1"/>
+                </a:fillRef>
+                <a:effectRef idx="0">
+                  <a:schemeClr val="accent1"/>
+                </a:effectRef>
+                <a:fontRef idx="minor">
+                  <a:schemeClr val="lt1"/>
+                </a:fontRef>
+              </p:style>
+              <p:txBody>
+                <a:bodyPr rtlCol="0" anchor="ctr"/>
+                <a:lstStyle/>
+                <a:p>
+                  <a:pPr algn="ctr"/>
+                  <a:endParaRPr lang="en-IT"/>
+                </a:p>
+              </p:txBody>
+            </p:sp>
+            <p:sp>
+              <p:nvSpPr>
+                <p:cNvPr id="35" name="Rectangle 34">
+                  <a:extLst>
+                    <a:ext uri="{FF2B5EF4-FFF2-40B4-BE49-F238E27FC236}">
+                      <a16:creationId xmlns:a16="http://schemas.microsoft.com/office/drawing/2014/main" id="{711829B4-0C3E-7348-AE11-08196CAE391E}"/>
+                    </a:ext>
+                  </a:extLst>
+                </p:cNvPr>
+                <p:cNvSpPr/>
+                <p:nvPr/>
+              </p:nvSpPr>
+              <p:spPr>
+                <a:xfrm>
+                  <a:off x="2569737" y="795867"/>
+                  <a:ext cx="314712" cy="311821"/>
+                </a:xfrm>
+                <a:prstGeom prst="rect">
+                  <a:avLst/>
+                </a:prstGeom>
+                <a:noFill/>
+                <a:ln>
+                  <a:solidFill>
+                    <a:schemeClr val="tx1"/>
+                  </a:solidFill>
+                </a:ln>
+              </p:spPr>
+              <p:style>
+                <a:lnRef idx="2">
+                  <a:schemeClr val="accent1">
+                    <a:shade val="50000"/>
+                  </a:schemeClr>
+                </a:lnRef>
+                <a:fillRef idx="1">
+                  <a:schemeClr val="accent1"/>
+                </a:fillRef>
+                <a:effectRef idx="0">
+                  <a:schemeClr val="accent1"/>
+                </a:effectRef>
+                <a:fontRef idx="minor">
+                  <a:schemeClr val="lt1"/>
+                </a:fontRef>
+              </p:style>
+              <p:txBody>
+                <a:bodyPr rtlCol="0" anchor="ctr"/>
+                <a:lstStyle/>
+                <a:p>
+                  <a:pPr algn="ctr"/>
+                  <a:endParaRPr lang="en-IT"/>
+                </a:p>
+              </p:txBody>
+            </p:sp>
+          </p:grpSp>
+        </p:grpSp>
+      </p:grpSp>
+      <p:grpSp>
+        <p:nvGrpSpPr>
+          <p:cNvPr id="50" name="Group 49">
+            <a:extLst>
+              <a:ext uri="{FF2B5EF4-FFF2-40B4-BE49-F238E27FC236}">
+                <a16:creationId xmlns:a16="http://schemas.microsoft.com/office/drawing/2014/main" id="{787FE1CE-8C45-2441-A968-E6019E1DA8DB}"/>
+              </a:ext>
+            </a:extLst>
+          </p:cNvPr>
+          <p:cNvGrpSpPr/>
+          <p:nvPr/>
+        </p:nvGrpSpPr>
+        <p:grpSpPr>
+          <a:xfrm>
+            <a:off x="1625602" y="2498950"/>
+            <a:ext cx="1057638" cy="1062913"/>
+            <a:chOff x="1625601" y="795867"/>
+            <a:chExt cx="1258848" cy="1247284"/>
+          </a:xfrm>
+        </p:grpSpPr>
+        <p:grpSp>
+          <p:nvGrpSpPr>
+            <p:cNvPr id="51" name="Group 50">
+              <a:extLst>
+                <a:ext uri="{FF2B5EF4-FFF2-40B4-BE49-F238E27FC236}">
+                  <a16:creationId xmlns:a16="http://schemas.microsoft.com/office/drawing/2014/main" id="{AB5D5A58-48FA-524A-8401-8B6D06BEDFF9}"/>
+                </a:ext>
+              </a:extLst>
+            </p:cNvPr>
+            <p:cNvGrpSpPr/>
+            <p:nvPr/>
+          </p:nvGrpSpPr>
+          <p:grpSpPr>
+            <a:xfrm>
+              <a:off x="1625601" y="795867"/>
+              <a:ext cx="1258848" cy="623642"/>
+              <a:chOff x="1625601" y="795867"/>
+              <a:chExt cx="1258848" cy="623642"/>
+            </a:xfrm>
+          </p:grpSpPr>
+          <p:grpSp>
+            <p:nvGrpSpPr>
+              <p:cNvPr id="63" name="Group 62">
+                <a:extLst>
+                  <a:ext uri="{FF2B5EF4-FFF2-40B4-BE49-F238E27FC236}">
+                    <a16:creationId xmlns:a16="http://schemas.microsoft.com/office/drawing/2014/main" id="{80455795-2816-D243-A239-9168A37B97DE}"/>
+                  </a:ext>
+                </a:extLst>
+              </p:cNvPr>
+              <p:cNvGrpSpPr/>
+              <p:nvPr/>
+            </p:nvGrpSpPr>
+            <p:grpSpPr>
+              <a:xfrm>
+                <a:off x="1625601" y="795867"/>
+                <a:ext cx="1258848" cy="311821"/>
+                <a:chOff x="1625601" y="795867"/>
+                <a:chExt cx="1258848" cy="311821"/>
+              </a:xfrm>
+            </p:grpSpPr>
+            <p:sp>
+              <p:nvSpPr>
+                <p:cNvPr id="69" name="Rectangle 68">
+                  <a:extLst>
+                    <a:ext uri="{FF2B5EF4-FFF2-40B4-BE49-F238E27FC236}">
+                      <a16:creationId xmlns:a16="http://schemas.microsoft.com/office/drawing/2014/main" id="{62511885-043B-CB43-8C17-49905C0C8145}"/>
+                    </a:ext>
+                  </a:extLst>
+                </p:cNvPr>
+                <p:cNvSpPr/>
+                <p:nvPr/>
+              </p:nvSpPr>
+              <p:spPr>
+                <a:xfrm>
+                  <a:off x="1625601" y="795867"/>
+                  <a:ext cx="314712" cy="311821"/>
+                </a:xfrm>
+                <a:prstGeom prst="rect">
+                  <a:avLst/>
+                </a:prstGeom>
+                <a:noFill/>
+                <a:ln>
+                  <a:solidFill>
+                    <a:schemeClr val="tx1"/>
+                  </a:solidFill>
+                </a:ln>
+              </p:spPr>
+              <p:style>
+                <a:lnRef idx="2">
+                  <a:schemeClr val="accent1">
+                    <a:shade val="50000"/>
+                  </a:schemeClr>
+                </a:lnRef>
+                <a:fillRef idx="1">
+                  <a:schemeClr val="accent1"/>
+                </a:fillRef>
+                <a:effectRef idx="0">
+                  <a:schemeClr val="accent1"/>
+                </a:effectRef>
+                <a:fontRef idx="minor">
+                  <a:schemeClr val="lt1"/>
+                </a:fontRef>
+              </p:style>
+              <p:txBody>
+                <a:bodyPr rtlCol="0" anchor="ctr"/>
+                <a:lstStyle/>
+                <a:p>
+                  <a:pPr algn="ctr"/>
+                  <a:endParaRPr lang="en-IT"/>
+                </a:p>
+              </p:txBody>
+            </p:sp>
+            <p:sp>
+              <p:nvSpPr>
+                <p:cNvPr id="70" name="Rectangle 69">
+                  <a:extLst>
+                    <a:ext uri="{FF2B5EF4-FFF2-40B4-BE49-F238E27FC236}">
+                      <a16:creationId xmlns:a16="http://schemas.microsoft.com/office/drawing/2014/main" id="{5AD998BD-4AFE-664A-BFAB-06ED07A58197}"/>
+                    </a:ext>
+                  </a:extLst>
+                </p:cNvPr>
+                <p:cNvSpPr/>
+                <p:nvPr/>
+              </p:nvSpPr>
+              <p:spPr>
+                <a:xfrm>
+                  <a:off x="1940313" y="795867"/>
+                  <a:ext cx="314712" cy="311821"/>
+                </a:xfrm>
+                <a:prstGeom prst="rect">
+                  <a:avLst/>
+                </a:prstGeom>
+                <a:noFill/>
+                <a:ln>
+                  <a:solidFill>
+                    <a:schemeClr val="tx1"/>
+                  </a:solidFill>
+                </a:ln>
+              </p:spPr>
+              <p:style>
+                <a:lnRef idx="2">
+                  <a:schemeClr val="accent1">
+                    <a:shade val="50000"/>
+                  </a:schemeClr>
+                </a:lnRef>
+                <a:fillRef idx="1">
+                  <a:schemeClr val="accent1"/>
+                </a:fillRef>
+                <a:effectRef idx="0">
+                  <a:schemeClr val="accent1"/>
+                </a:effectRef>
+                <a:fontRef idx="minor">
+                  <a:schemeClr val="lt1"/>
+                </a:fontRef>
+              </p:style>
+              <p:txBody>
+                <a:bodyPr rtlCol="0" anchor="ctr"/>
+                <a:lstStyle/>
+                <a:p>
+                  <a:pPr algn="ctr"/>
+                  <a:endParaRPr lang="en-IT"/>
+                </a:p>
+              </p:txBody>
+            </p:sp>
+            <p:sp>
+              <p:nvSpPr>
+                <p:cNvPr id="71" name="Rectangle 70">
+                  <a:extLst>
+                    <a:ext uri="{FF2B5EF4-FFF2-40B4-BE49-F238E27FC236}">
+                      <a16:creationId xmlns:a16="http://schemas.microsoft.com/office/drawing/2014/main" id="{6E414C7F-FFC6-A541-989A-F1AFFB0F9C6B}"/>
+                    </a:ext>
+                  </a:extLst>
+                </p:cNvPr>
+                <p:cNvSpPr/>
+                <p:nvPr/>
+              </p:nvSpPr>
+              <p:spPr>
+                <a:xfrm>
+                  <a:off x="2255025" y="795867"/>
+                  <a:ext cx="314712" cy="311821"/>
+                </a:xfrm>
+                <a:prstGeom prst="rect">
+                  <a:avLst/>
+                </a:prstGeom>
+                <a:noFill/>
+                <a:ln>
+                  <a:solidFill>
+                    <a:schemeClr val="tx1"/>
+                  </a:solidFill>
+                </a:ln>
+              </p:spPr>
+              <p:style>
+                <a:lnRef idx="2">
+                  <a:schemeClr val="accent1">
+                    <a:shade val="50000"/>
+                  </a:schemeClr>
+                </a:lnRef>
+                <a:fillRef idx="1">
+                  <a:schemeClr val="accent1"/>
+                </a:fillRef>
+                <a:effectRef idx="0">
+                  <a:schemeClr val="accent1"/>
+                </a:effectRef>
+                <a:fontRef idx="minor">
+                  <a:schemeClr val="lt1"/>
+                </a:fontRef>
+              </p:style>
+              <p:txBody>
+                <a:bodyPr rtlCol="0" anchor="ctr"/>
+                <a:lstStyle/>
+                <a:p>
+                  <a:pPr algn="ctr"/>
+                  <a:endParaRPr lang="en-IT"/>
+                </a:p>
+              </p:txBody>
+            </p:sp>
+            <p:sp>
+              <p:nvSpPr>
+                <p:cNvPr id="72" name="Rectangle 71">
+                  <a:extLst>
+                    <a:ext uri="{FF2B5EF4-FFF2-40B4-BE49-F238E27FC236}">
+                      <a16:creationId xmlns:a16="http://schemas.microsoft.com/office/drawing/2014/main" id="{4771C66A-F7AA-AA42-8B07-04B2FB79AABA}"/>
+                    </a:ext>
+                  </a:extLst>
+                </p:cNvPr>
+                <p:cNvSpPr/>
+                <p:nvPr/>
+              </p:nvSpPr>
+              <p:spPr>
+                <a:xfrm>
+                  <a:off x="2569737" y="795867"/>
+                  <a:ext cx="314712" cy="311821"/>
+                </a:xfrm>
+                <a:prstGeom prst="rect">
+                  <a:avLst/>
+                </a:prstGeom>
+                <a:noFill/>
+                <a:ln>
+                  <a:solidFill>
+                    <a:schemeClr val="tx1"/>
+                  </a:solidFill>
+                </a:ln>
+              </p:spPr>
+              <p:style>
+                <a:lnRef idx="2">
+                  <a:schemeClr val="accent1">
+                    <a:shade val="50000"/>
+                  </a:schemeClr>
+                </a:lnRef>
+                <a:fillRef idx="1">
+                  <a:schemeClr val="accent1"/>
+                </a:fillRef>
+                <a:effectRef idx="0">
+                  <a:schemeClr val="accent1"/>
+                </a:effectRef>
+                <a:fontRef idx="minor">
+                  <a:schemeClr val="lt1"/>
+                </a:fontRef>
+              </p:style>
+              <p:txBody>
+                <a:bodyPr rtlCol="0" anchor="ctr"/>
+                <a:lstStyle/>
+                <a:p>
+                  <a:pPr algn="ctr"/>
+                  <a:endParaRPr lang="en-IT"/>
+                </a:p>
+              </p:txBody>
+            </p:sp>
+          </p:grpSp>
+          <p:grpSp>
+            <p:nvGrpSpPr>
+              <p:cNvPr id="64" name="Group 63">
+                <a:extLst>
+                  <a:ext uri="{FF2B5EF4-FFF2-40B4-BE49-F238E27FC236}">
+                    <a16:creationId xmlns:a16="http://schemas.microsoft.com/office/drawing/2014/main" id="{77F7E141-0472-BF4A-9906-0751100D9F38}"/>
+                  </a:ext>
+                </a:extLst>
+              </p:cNvPr>
+              <p:cNvGrpSpPr/>
+              <p:nvPr/>
+            </p:nvGrpSpPr>
+            <p:grpSpPr>
+              <a:xfrm>
+                <a:off x="1625601" y="1107688"/>
+                <a:ext cx="1258848" cy="311821"/>
+                <a:chOff x="1625601" y="795867"/>
+                <a:chExt cx="1258848" cy="311821"/>
+              </a:xfrm>
+            </p:grpSpPr>
+            <p:sp>
+              <p:nvSpPr>
+                <p:cNvPr id="65" name="Rectangle 64">
+                  <a:extLst>
+                    <a:ext uri="{FF2B5EF4-FFF2-40B4-BE49-F238E27FC236}">
+                      <a16:creationId xmlns:a16="http://schemas.microsoft.com/office/drawing/2014/main" id="{8CD17067-5F6E-104D-97FE-B43A3CAF46AD}"/>
+                    </a:ext>
+                  </a:extLst>
+                </p:cNvPr>
+                <p:cNvSpPr/>
+                <p:nvPr/>
+              </p:nvSpPr>
+              <p:spPr>
+                <a:xfrm>
+                  <a:off x="1625601" y="795867"/>
+                  <a:ext cx="314712" cy="311821"/>
+                </a:xfrm>
+                <a:prstGeom prst="rect">
+                  <a:avLst/>
+                </a:prstGeom>
+                <a:noFill/>
+                <a:ln>
+                  <a:solidFill>
+                    <a:schemeClr val="tx1"/>
+                  </a:solidFill>
+                </a:ln>
+              </p:spPr>
+              <p:style>
+                <a:lnRef idx="2">
+                  <a:schemeClr val="accent1">
+                    <a:shade val="50000"/>
+                  </a:schemeClr>
+                </a:lnRef>
+                <a:fillRef idx="1">
+                  <a:schemeClr val="accent1"/>
+                </a:fillRef>
+                <a:effectRef idx="0">
+                  <a:schemeClr val="accent1"/>
+                </a:effectRef>
+                <a:fontRef idx="minor">
+                  <a:schemeClr val="lt1"/>
+                </a:fontRef>
+              </p:style>
+              <p:txBody>
+                <a:bodyPr rtlCol="0" anchor="ctr"/>
+                <a:lstStyle/>
+                <a:p>
+                  <a:pPr algn="ctr"/>
+                  <a:endParaRPr lang="en-IT"/>
+                </a:p>
+              </p:txBody>
+            </p:sp>
+            <p:sp>
+              <p:nvSpPr>
+                <p:cNvPr id="66" name="Rectangle 65">
+                  <a:extLst>
+                    <a:ext uri="{FF2B5EF4-FFF2-40B4-BE49-F238E27FC236}">
+                      <a16:creationId xmlns:a16="http://schemas.microsoft.com/office/drawing/2014/main" id="{E703BF48-A6CD-924D-B0B9-9F859CCA11CB}"/>
+                    </a:ext>
+                  </a:extLst>
+                </p:cNvPr>
+                <p:cNvSpPr/>
+                <p:nvPr/>
+              </p:nvSpPr>
+              <p:spPr>
+                <a:xfrm>
+                  <a:off x="1940313" y="795867"/>
+                  <a:ext cx="314712" cy="311821"/>
+                </a:xfrm>
+                <a:prstGeom prst="rect">
+                  <a:avLst/>
+                </a:prstGeom>
+                <a:noFill/>
+                <a:ln>
+                  <a:solidFill>
+                    <a:schemeClr val="tx1"/>
+                  </a:solidFill>
+                </a:ln>
+              </p:spPr>
+              <p:style>
+                <a:lnRef idx="2">
+                  <a:schemeClr val="accent1">
+                    <a:shade val="50000"/>
+                  </a:schemeClr>
+                </a:lnRef>
+                <a:fillRef idx="1">
+                  <a:schemeClr val="accent1"/>
+                </a:fillRef>
+                <a:effectRef idx="0">
+                  <a:schemeClr val="accent1"/>
+                </a:effectRef>
+                <a:fontRef idx="minor">
+                  <a:schemeClr val="lt1"/>
+                </a:fontRef>
+              </p:style>
+              <p:txBody>
+                <a:bodyPr rtlCol="0" anchor="ctr"/>
+                <a:lstStyle/>
+                <a:p>
+                  <a:pPr algn="ctr"/>
+                  <a:endParaRPr lang="en-IT"/>
+                </a:p>
+              </p:txBody>
+            </p:sp>
+            <p:sp>
+              <p:nvSpPr>
+                <p:cNvPr id="67" name="Rectangle 66">
+                  <a:extLst>
+                    <a:ext uri="{FF2B5EF4-FFF2-40B4-BE49-F238E27FC236}">
+                      <a16:creationId xmlns:a16="http://schemas.microsoft.com/office/drawing/2014/main" id="{A1A460A6-DAA2-9140-A956-0716A0C11F1E}"/>
+                    </a:ext>
+                  </a:extLst>
+                </p:cNvPr>
+                <p:cNvSpPr/>
+                <p:nvPr/>
+              </p:nvSpPr>
+              <p:spPr>
+                <a:xfrm>
+                  <a:off x="2255025" y="795867"/>
+                  <a:ext cx="314712" cy="311821"/>
+                </a:xfrm>
+                <a:prstGeom prst="rect">
+                  <a:avLst/>
+                </a:prstGeom>
+                <a:noFill/>
+                <a:ln>
+                  <a:solidFill>
+                    <a:schemeClr val="tx1"/>
+                  </a:solidFill>
+                </a:ln>
+              </p:spPr>
+              <p:style>
+                <a:lnRef idx="2">
+                  <a:schemeClr val="accent1">
+                    <a:shade val="50000"/>
+                  </a:schemeClr>
+                </a:lnRef>
+                <a:fillRef idx="1">
+                  <a:schemeClr val="accent1"/>
+                </a:fillRef>
+                <a:effectRef idx="0">
+                  <a:schemeClr val="accent1"/>
+                </a:effectRef>
+                <a:fontRef idx="minor">
+                  <a:schemeClr val="lt1"/>
+                </a:fontRef>
+              </p:style>
+              <p:txBody>
+                <a:bodyPr rtlCol="0" anchor="ctr"/>
+                <a:lstStyle/>
+                <a:p>
+                  <a:pPr algn="ctr"/>
+                  <a:endParaRPr lang="en-IT"/>
+                </a:p>
+              </p:txBody>
+            </p:sp>
+            <p:sp>
+              <p:nvSpPr>
+                <p:cNvPr id="68" name="Rectangle 67">
+                  <a:extLst>
+                    <a:ext uri="{FF2B5EF4-FFF2-40B4-BE49-F238E27FC236}">
+                      <a16:creationId xmlns:a16="http://schemas.microsoft.com/office/drawing/2014/main" id="{2D455C8E-4D1E-C54B-8C41-0AA772D69F4C}"/>
+                    </a:ext>
+                  </a:extLst>
+                </p:cNvPr>
+                <p:cNvSpPr/>
+                <p:nvPr/>
+              </p:nvSpPr>
+              <p:spPr>
+                <a:xfrm>
+                  <a:off x="2569737" y="795867"/>
+                  <a:ext cx="314712" cy="311821"/>
+                </a:xfrm>
+                <a:prstGeom prst="rect">
+                  <a:avLst/>
+                </a:prstGeom>
+                <a:noFill/>
+                <a:ln>
+                  <a:solidFill>
+                    <a:schemeClr val="tx1"/>
+                  </a:solidFill>
+                </a:ln>
+              </p:spPr>
+              <p:style>
+                <a:lnRef idx="2">
+                  <a:schemeClr val="accent1">
+                    <a:shade val="50000"/>
+                  </a:schemeClr>
+                </a:lnRef>
+                <a:fillRef idx="1">
+                  <a:schemeClr val="accent1"/>
+                </a:fillRef>
+                <a:effectRef idx="0">
+                  <a:schemeClr val="accent1"/>
+                </a:effectRef>
+                <a:fontRef idx="minor">
+                  <a:schemeClr val="lt1"/>
+                </a:fontRef>
+              </p:style>
+              <p:txBody>
+                <a:bodyPr rtlCol="0" anchor="ctr"/>
+                <a:lstStyle/>
+                <a:p>
+                  <a:pPr algn="ctr"/>
+                  <a:endParaRPr lang="en-IT"/>
+                </a:p>
+              </p:txBody>
+            </p:sp>
+          </p:grpSp>
+        </p:grpSp>
+        <p:grpSp>
+          <p:nvGrpSpPr>
+            <p:cNvPr id="52" name="Group 51">
+              <a:extLst>
+                <a:ext uri="{FF2B5EF4-FFF2-40B4-BE49-F238E27FC236}">
+                  <a16:creationId xmlns:a16="http://schemas.microsoft.com/office/drawing/2014/main" id="{B541B30E-4D4D-B744-BA69-C84605706AF1}"/>
+                </a:ext>
+              </a:extLst>
+            </p:cNvPr>
+            <p:cNvGrpSpPr/>
+            <p:nvPr/>
+          </p:nvGrpSpPr>
+          <p:grpSpPr>
+            <a:xfrm>
+              <a:off x="1625601" y="1419509"/>
+              <a:ext cx="1258848" cy="623642"/>
+              <a:chOff x="1625601" y="795867"/>
+              <a:chExt cx="1258848" cy="623642"/>
+            </a:xfrm>
+          </p:grpSpPr>
+          <p:grpSp>
+            <p:nvGrpSpPr>
+              <p:cNvPr id="53" name="Group 52">
+                <a:extLst>
+                  <a:ext uri="{FF2B5EF4-FFF2-40B4-BE49-F238E27FC236}">
+                    <a16:creationId xmlns:a16="http://schemas.microsoft.com/office/drawing/2014/main" id="{C91D120B-7792-9C46-B47D-F2B307D87A10}"/>
+                  </a:ext>
+                </a:extLst>
+              </p:cNvPr>
+              <p:cNvGrpSpPr/>
+              <p:nvPr/>
+            </p:nvGrpSpPr>
+            <p:grpSpPr>
+              <a:xfrm>
+                <a:off x="1625601" y="795867"/>
+                <a:ext cx="1258848" cy="311821"/>
+                <a:chOff x="1625601" y="795867"/>
+                <a:chExt cx="1258848" cy="311821"/>
+              </a:xfrm>
+            </p:grpSpPr>
+            <p:sp>
+              <p:nvSpPr>
+                <p:cNvPr id="59" name="Rectangle 58">
+                  <a:extLst>
+                    <a:ext uri="{FF2B5EF4-FFF2-40B4-BE49-F238E27FC236}">
+                      <a16:creationId xmlns:a16="http://schemas.microsoft.com/office/drawing/2014/main" id="{5ED7502C-431C-2246-8335-9012C59978EC}"/>
+                    </a:ext>
+                  </a:extLst>
+                </p:cNvPr>
+                <p:cNvSpPr/>
+                <p:nvPr/>
+              </p:nvSpPr>
+              <p:spPr>
+                <a:xfrm>
+                  <a:off x="1625601" y="795867"/>
+                  <a:ext cx="314712" cy="311821"/>
+                </a:xfrm>
+                <a:prstGeom prst="rect">
+                  <a:avLst/>
+                </a:prstGeom>
+                <a:noFill/>
+                <a:ln>
+                  <a:solidFill>
+                    <a:schemeClr val="tx1"/>
+                  </a:solidFill>
+                </a:ln>
+              </p:spPr>
+              <p:style>
+                <a:lnRef idx="2">
+                  <a:schemeClr val="accent1">
+                    <a:shade val="50000"/>
+                  </a:schemeClr>
+                </a:lnRef>
+                <a:fillRef idx="1">
+                  <a:schemeClr val="accent1"/>
+                </a:fillRef>
+                <a:effectRef idx="0">
+                  <a:schemeClr val="accent1"/>
+                </a:effectRef>
+                <a:fontRef idx="minor">
+                  <a:schemeClr val="lt1"/>
+                </a:fontRef>
+              </p:style>
+              <p:txBody>
+                <a:bodyPr rtlCol="0" anchor="ctr"/>
+                <a:lstStyle/>
+                <a:p>
+                  <a:pPr algn="ctr"/>
+                  <a:endParaRPr lang="en-IT"/>
+                </a:p>
+              </p:txBody>
+            </p:sp>
+            <p:sp>
+              <p:nvSpPr>
+                <p:cNvPr id="60" name="Rectangle 59">
+                  <a:extLst>
+                    <a:ext uri="{FF2B5EF4-FFF2-40B4-BE49-F238E27FC236}">
+                      <a16:creationId xmlns:a16="http://schemas.microsoft.com/office/drawing/2014/main" id="{7ACA37AC-D502-0947-9487-254F4116DAF2}"/>
+                    </a:ext>
+                  </a:extLst>
+                </p:cNvPr>
+                <p:cNvSpPr/>
+                <p:nvPr/>
+              </p:nvSpPr>
+              <p:spPr>
+                <a:xfrm>
+                  <a:off x="1940313" y="795867"/>
+                  <a:ext cx="314712" cy="311821"/>
+                </a:xfrm>
+                <a:prstGeom prst="rect">
+                  <a:avLst/>
+                </a:prstGeom>
+                <a:noFill/>
+                <a:ln>
+                  <a:solidFill>
+                    <a:schemeClr val="tx1"/>
+                  </a:solidFill>
+                </a:ln>
+              </p:spPr>
+              <p:style>
+                <a:lnRef idx="2">
+                  <a:schemeClr val="accent1">
+                    <a:shade val="50000"/>
+                  </a:schemeClr>
+                </a:lnRef>
+                <a:fillRef idx="1">
+                  <a:schemeClr val="accent1"/>
+                </a:fillRef>
+                <a:effectRef idx="0">
+                  <a:schemeClr val="accent1"/>
+                </a:effectRef>
+                <a:fontRef idx="minor">
+                  <a:schemeClr val="lt1"/>
+                </a:fontRef>
+              </p:style>
+              <p:txBody>
+                <a:bodyPr rtlCol="0" anchor="ctr"/>
+                <a:lstStyle/>
+                <a:p>
+                  <a:pPr algn="ctr"/>
+                  <a:endParaRPr lang="en-IT"/>
+                </a:p>
+              </p:txBody>
+            </p:sp>
+            <p:sp>
+              <p:nvSpPr>
+                <p:cNvPr id="61" name="Rectangle 60">
+                  <a:extLst>
+                    <a:ext uri="{FF2B5EF4-FFF2-40B4-BE49-F238E27FC236}">
+                      <a16:creationId xmlns:a16="http://schemas.microsoft.com/office/drawing/2014/main" id="{A7FA5E60-796C-5148-8B6B-2C565A47247A}"/>
+                    </a:ext>
+                  </a:extLst>
+                </p:cNvPr>
+                <p:cNvSpPr/>
+                <p:nvPr/>
+              </p:nvSpPr>
+              <p:spPr>
+                <a:xfrm>
+                  <a:off x="2255025" y="795867"/>
+                  <a:ext cx="314712" cy="311821"/>
+                </a:xfrm>
+                <a:prstGeom prst="rect">
+                  <a:avLst/>
+                </a:prstGeom>
+                <a:noFill/>
+                <a:ln>
+                  <a:solidFill>
+                    <a:schemeClr val="tx1"/>
+                  </a:solidFill>
+                </a:ln>
+              </p:spPr>
+              <p:style>
+                <a:lnRef idx="2">
+                  <a:schemeClr val="accent1">
+                    <a:shade val="50000"/>
+                  </a:schemeClr>
+                </a:lnRef>
+                <a:fillRef idx="1">
+                  <a:schemeClr val="accent1"/>
+                </a:fillRef>
+                <a:effectRef idx="0">
+                  <a:schemeClr val="accent1"/>
+                </a:effectRef>
+                <a:fontRef idx="minor">
+                  <a:schemeClr val="lt1"/>
+                </a:fontRef>
+              </p:style>
+              <p:txBody>
+                <a:bodyPr rtlCol="0" anchor="ctr"/>
+                <a:lstStyle/>
+                <a:p>
+                  <a:pPr algn="ctr"/>
+                  <a:endParaRPr lang="en-IT"/>
+                </a:p>
+              </p:txBody>
+            </p:sp>
+            <p:sp>
+              <p:nvSpPr>
+                <p:cNvPr id="62" name="Rectangle 61">
+                  <a:extLst>
+                    <a:ext uri="{FF2B5EF4-FFF2-40B4-BE49-F238E27FC236}">
+                      <a16:creationId xmlns:a16="http://schemas.microsoft.com/office/drawing/2014/main" id="{49F53F6D-8094-004C-AF4D-BE7C67EB9C42}"/>
+                    </a:ext>
+                  </a:extLst>
+                </p:cNvPr>
+                <p:cNvSpPr/>
+                <p:nvPr/>
+              </p:nvSpPr>
+              <p:spPr>
+                <a:xfrm>
+                  <a:off x="2569737" y="795867"/>
+                  <a:ext cx="314712" cy="311821"/>
+                </a:xfrm>
+                <a:prstGeom prst="rect">
+                  <a:avLst/>
+                </a:prstGeom>
+                <a:noFill/>
+                <a:ln>
+                  <a:solidFill>
+                    <a:schemeClr val="tx1"/>
+                  </a:solidFill>
+                </a:ln>
+              </p:spPr>
+              <p:style>
+                <a:lnRef idx="2">
+                  <a:schemeClr val="accent1">
+                    <a:shade val="50000"/>
+                  </a:schemeClr>
+                </a:lnRef>
+                <a:fillRef idx="1">
+                  <a:schemeClr val="accent1"/>
+                </a:fillRef>
+                <a:effectRef idx="0">
+                  <a:schemeClr val="accent1"/>
+                </a:effectRef>
+                <a:fontRef idx="minor">
+                  <a:schemeClr val="lt1"/>
+                </a:fontRef>
+              </p:style>
+              <p:txBody>
+                <a:bodyPr rtlCol="0" anchor="ctr"/>
+                <a:lstStyle/>
+                <a:p>
+                  <a:pPr algn="ctr"/>
+                  <a:endParaRPr lang="en-IT"/>
+                </a:p>
+              </p:txBody>
+            </p:sp>
+          </p:grpSp>
+          <p:grpSp>
+            <p:nvGrpSpPr>
+              <p:cNvPr id="54" name="Group 53">
+                <a:extLst>
+                  <a:ext uri="{FF2B5EF4-FFF2-40B4-BE49-F238E27FC236}">
+                    <a16:creationId xmlns:a16="http://schemas.microsoft.com/office/drawing/2014/main" id="{B5573EBD-9165-D443-A181-0A0CE6BA2B7D}"/>
+                  </a:ext>
+                </a:extLst>
+              </p:cNvPr>
+              <p:cNvGrpSpPr/>
+              <p:nvPr/>
+            </p:nvGrpSpPr>
+            <p:grpSpPr>
+              <a:xfrm>
+                <a:off x="1625601" y="1107688"/>
+                <a:ext cx="1258848" cy="311821"/>
+                <a:chOff x="1625601" y="795867"/>
+                <a:chExt cx="1258848" cy="311821"/>
+              </a:xfrm>
+            </p:grpSpPr>
+            <p:sp>
+              <p:nvSpPr>
+                <p:cNvPr id="55" name="Rectangle 54">
+                  <a:extLst>
+                    <a:ext uri="{FF2B5EF4-FFF2-40B4-BE49-F238E27FC236}">
+                      <a16:creationId xmlns:a16="http://schemas.microsoft.com/office/drawing/2014/main" id="{1ACFC5EE-0EAC-F045-A909-990F53601FFB}"/>
+                    </a:ext>
+                  </a:extLst>
+                </p:cNvPr>
+                <p:cNvSpPr/>
+                <p:nvPr/>
+              </p:nvSpPr>
+              <p:spPr>
+                <a:xfrm>
+                  <a:off x="1625601" y="795867"/>
+                  <a:ext cx="314712" cy="311821"/>
+                </a:xfrm>
+                <a:prstGeom prst="rect">
+                  <a:avLst/>
+                </a:prstGeom>
+                <a:noFill/>
+                <a:ln>
+                  <a:solidFill>
+                    <a:schemeClr val="tx1"/>
+                  </a:solidFill>
+                </a:ln>
+              </p:spPr>
+              <p:style>
+                <a:lnRef idx="2">
+                  <a:schemeClr val="accent1">
+                    <a:shade val="50000"/>
+                  </a:schemeClr>
+                </a:lnRef>
+                <a:fillRef idx="1">
+                  <a:schemeClr val="accent1"/>
+                </a:fillRef>
+                <a:effectRef idx="0">
+                  <a:schemeClr val="accent1"/>
+                </a:effectRef>
+                <a:fontRef idx="minor">
+                  <a:schemeClr val="lt1"/>
+                </a:fontRef>
+              </p:style>
+              <p:txBody>
+                <a:bodyPr rtlCol="0" anchor="ctr"/>
+                <a:lstStyle/>
+                <a:p>
+                  <a:pPr algn="ctr"/>
+                  <a:endParaRPr lang="en-IT"/>
+                </a:p>
+              </p:txBody>
+            </p:sp>
+            <p:sp>
+              <p:nvSpPr>
+                <p:cNvPr id="56" name="Rectangle 55">
+                  <a:extLst>
+                    <a:ext uri="{FF2B5EF4-FFF2-40B4-BE49-F238E27FC236}">
+                      <a16:creationId xmlns:a16="http://schemas.microsoft.com/office/drawing/2014/main" id="{25B004E5-1BD7-ED41-B167-EDE2D91D2624}"/>
+                    </a:ext>
+                  </a:extLst>
+                </p:cNvPr>
+                <p:cNvSpPr/>
+                <p:nvPr/>
+              </p:nvSpPr>
+              <p:spPr>
+                <a:xfrm>
+                  <a:off x="1940313" y="795867"/>
+                  <a:ext cx="314712" cy="311821"/>
+                </a:xfrm>
+                <a:prstGeom prst="rect">
+                  <a:avLst/>
+                </a:prstGeom>
+                <a:noFill/>
+                <a:ln>
+                  <a:solidFill>
+                    <a:schemeClr val="tx1"/>
+                  </a:solidFill>
+                </a:ln>
+              </p:spPr>
+              <p:style>
+                <a:lnRef idx="2">
+                  <a:schemeClr val="accent1">
+                    <a:shade val="50000"/>
+                  </a:schemeClr>
+                </a:lnRef>
+                <a:fillRef idx="1">
+                  <a:schemeClr val="accent1"/>
+                </a:fillRef>
+                <a:effectRef idx="0">
+                  <a:schemeClr val="accent1"/>
+                </a:effectRef>
+                <a:fontRef idx="minor">
+                  <a:schemeClr val="lt1"/>
+                </a:fontRef>
+              </p:style>
+              <p:txBody>
+                <a:bodyPr rtlCol="0" anchor="ctr"/>
+                <a:lstStyle/>
+                <a:p>
+                  <a:pPr algn="ctr"/>
+                  <a:endParaRPr lang="en-IT"/>
+                </a:p>
+              </p:txBody>
+            </p:sp>
+            <p:sp>
+              <p:nvSpPr>
+                <p:cNvPr id="57" name="Rectangle 56">
+                  <a:extLst>
+                    <a:ext uri="{FF2B5EF4-FFF2-40B4-BE49-F238E27FC236}">
+                      <a16:creationId xmlns:a16="http://schemas.microsoft.com/office/drawing/2014/main" id="{B37E17FE-88F8-5E4F-90E9-93625104753D}"/>
+                    </a:ext>
+                  </a:extLst>
+                </p:cNvPr>
+                <p:cNvSpPr/>
+                <p:nvPr/>
+              </p:nvSpPr>
+              <p:spPr>
+                <a:xfrm>
+                  <a:off x="2255025" y="795867"/>
+                  <a:ext cx="314712" cy="311821"/>
+                </a:xfrm>
+                <a:prstGeom prst="rect">
+                  <a:avLst/>
+                </a:prstGeom>
+                <a:noFill/>
+                <a:ln>
+                  <a:solidFill>
+                    <a:schemeClr val="tx1"/>
+                  </a:solidFill>
+                </a:ln>
+              </p:spPr>
+              <p:style>
+                <a:lnRef idx="2">
+                  <a:schemeClr val="accent1">
+                    <a:shade val="50000"/>
+                  </a:schemeClr>
+                </a:lnRef>
+                <a:fillRef idx="1">
+                  <a:schemeClr val="accent1"/>
+                </a:fillRef>
+                <a:effectRef idx="0">
+                  <a:schemeClr val="accent1"/>
+                </a:effectRef>
+                <a:fontRef idx="minor">
+                  <a:schemeClr val="lt1"/>
+                </a:fontRef>
+              </p:style>
+              <p:txBody>
+                <a:bodyPr rtlCol="0" anchor="ctr"/>
+                <a:lstStyle/>
+                <a:p>
+                  <a:pPr algn="ctr"/>
+                  <a:endParaRPr lang="en-IT"/>
+                </a:p>
+              </p:txBody>
+            </p:sp>
+            <p:sp>
+              <p:nvSpPr>
+                <p:cNvPr id="58" name="Rectangle 57">
+                  <a:extLst>
+                    <a:ext uri="{FF2B5EF4-FFF2-40B4-BE49-F238E27FC236}">
+                      <a16:creationId xmlns:a16="http://schemas.microsoft.com/office/drawing/2014/main" id="{66BBD507-0013-7B4D-BB7F-DD4D0553A8C1}"/>
+                    </a:ext>
+                  </a:extLst>
+                </p:cNvPr>
+                <p:cNvSpPr/>
+                <p:nvPr/>
+              </p:nvSpPr>
+              <p:spPr>
+                <a:xfrm>
+                  <a:off x="2569737" y="795867"/>
+                  <a:ext cx="314712" cy="311821"/>
+                </a:xfrm>
+                <a:prstGeom prst="rect">
+                  <a:avLst/>
+                </a:prstGeom>
+                <a:noFill/>
+                <a:ln>
+                  <a:solidFill>
+                    <a:schemeClr val="tx1"/>
+                  </a:solidFill>
+                </a:ln>
+              </p:spPr>
+              <p:style>
+                <a:lnRef idx="2">
+                  <a:schemeClr val="accent1">
+                    <a:shade val="50000"/>
+                  </a:schemeClr>
+                </a:lnRef>
+                <a:fillRef idx="1">
+                  <a:schemeClr val="accent1"/>
+                </a:fillRef>
+                <a:effectRef idx="0">
+                  <a:schemeClr val="accent1"/>
+                </a:effectRef>
+                <a:fontRef idx="minor">
+                  <a:schemeClr val="lt1"/>
+                </a:fontRef>
+              </p:style>
+              <p:txBody>
+                <a:bodyPr rtlCol="0" anchor="ctr"/>
+                <a:lstStyle/>
+                <a:p>
+                  <a:pPr algn="ctr"/>
+                  <a:endParaRPr lang="en-IT"/>
+                </a:p>
+              </p:txBody>
+            </p:sp>
+          </p:grpSp>
+        </p:grpSp>
+      </p:grpSp>
+      <p:grpSp>
+        <p:nvGrpSpPr>
+          <p:cNvPr id="73" name="Group 72">
+            <a:extLst>
+              <a:ext uri="{FF2B5EF4-FFF2-40B4-BE49-F238E27FC236}">
+                <a16:creationId xmlns:a16="http://schemas.microsoft.com/office/drawing/2014/main" id="{50BDCDDB-6D1E-3042-8C3F-866777D915F9}"/>
+              </a:ext>
+            </a:extLst>
+          </p:cNvPr>
+          <p:cNvGrpSpPr/>
+          <p:nvPr/>
+        </p:nvGrpSpPr>
+        <p:grpSpPr>
+          <a:xfrm>
+            <a:off x="478023" y="2897543"/>
+            <a:ext cx="1057638" cy="1062913"/>
+            <a:chOff x="1625601" y="795867"/>
+            <a:chExt cx="1258848" cy="1247284"/>
+          </a:xfrm>
+        </p:grpSpPr>
+        <p:grpSp>
+          <p:nvGrpSpPr>
+            <p:cNvPr id="74" name="Group 73">
+              <a:extLst>
+                <a:ext uri="{FF2B5EF4-FFF2-40B4-BE49-F238E27FC236}">
+                  <a16:creationId xmlns:a16="http://schemas.microsoft.com/office/drawing/2014/main" id="{26B0F155-0DFF-4E4C-9287-8290A6FEFB4A}"/>
+                </a:ext>
+              </a:extLst>
+            </p:cNvPr>
+            <p:cNvGrpSpPr/>
+            <p:nvPr/>
+          </p:nvGrpSpPr>
+          <p:grpSpPr>
+            <a:xfrm>
+              <a:off x="1625601" y="795867"/>
+              <a:ext cx="1258848" cy="623642"/>
+              <a:chOff x="1625601" y="795867"/>
+              <a:chExt cx="1258848" cy="623642"/>
+            </a:xfrm>
+          </p:grpSpPr>
+          <p:grpSp>
+            <p:nvGrpSpPr>
+              <p:cNvPr id="86" name="Group 85">
+                <a:extLst>
+                  <a:ext uri="{FF2B5EF4-FFF2-40B4-BE49-F238E27FC236}">
+                    <a16:creationId xmlns:a16="http://schemas.microsoft.com/office/drawing/2014/main" id="{B1826BAD-3E5A-C843-AB1F-232870A30DB1}"/>
+                  </a:ext>
+                </a:extLst>
+              </p:cNvPr>
+              <p:cNvGrpSpPr/>
+              <p:nvPr/>
+            </p:nvGrpSpPr>
+            <p:grpSpPr>
+              <a:xfrm>
+                <a:off x="1625601" y="795867"/>
+                <a:ext cx="1258848" cy="311821"/>
+                <a:chOff x="1625601" y="795867"/>
+                <a:chExt cx="1258848" cy="311821"/>
+              </a:xfrm>
+            </p:grpSpPr>
+            <p:sp>
+              <p:nvSpPr>
+                <p:cNvPr id="92" name="Rectangle 91">
+                  <a:extLst>
+                    <a:ext uri="{FF2B5EF4-FFF2-40B4-BE49-F238E27FC236}">
+                      <a16:creationId xmlns:a16="http://schemas.microsoft.com/office/drawing/2014/main" id="{4E46D045-4776-3E4C-BACC-FDDA3B851759}"/>
+                    </a:ext>
+                  </a:extLst>
+                </p:cNvPr>
+                <p:cNvSpPr/>
+                <p:nvPr/>
+              </p:nvSpPr>
+              <p:spPr>
+                <a:xfrm>
+                  <a:off x="1625601" y="795867"/>
+                  <a:ext cx="314712" cy="311821"/>
+                </a:xfrm>
+                <a:prstGeom prst="rect">
+                  <a:avLst/>
+                </a:prstGeom>
+                <a:noFill/>
+                <a:ln>
+                  <a:solidFill>
+                    <a:schemeClr val="tx1"/>
+                  </a:solidFill>
+                </a:ln>
+              </p:spPr>
+              <p:style>
+                <a:lnRef idx="2">
+                  <a:schemeClr val="accent1">
+                    <a:shade val="50000"/>
+                  </a:schemeClr>
+                </a:lnRef>
+                <a:fillRef idx="1">
+                  <a:schemeClr val="accent1"/>
+                </a:fillRef>
+                <a:effectRef idx="0">
+                  <a:schemeClr val="accent1"/>
+                </a:effectRef>
+                <a:fontRef idx="minor">
+                  <a:schemeClr val="lt1"/>
+                </a:fontRef>
+              </p:style>
+              <p:txBody>
+                <a:bodyPr rtlCol="0" anchor="ctr"/>
+                <a:lstStyle/>
+                <a:p>
+                  <a:pPr algn="ctr"/>
+                  <a:endParaRPr lang="en-IT"/>
+                </a:p>
+              </p:txBody>
+            </p:sp>
+            <p:sp>
+              <p:nvSpPr>
+                <p:cNvPr id="93" name="Rectangle 92">
+                  <a:extLst>
+                    <a:ext uri="{FF2B5EF4-FFF2-40B4-BE49-F238E27FC236}">
+                      <a16:creationId xmlns:a16="http://schemas.microsoft.com/office/drawing/2014/main" id="{6F4DBB4C-0E8E-DE46-9F7B-FEF0BE0A8020}"/>
+                    </a:ext>
+                  </a:extLst>
+                </p:cNvPr>
+                <p:cNvSpPr/>
+                <p:nvPr/>
+              </p:nvSpPr>
+              <p:spPr>
+                <a:xfrm>
+                  <a:off x="1940313" y="795867"/>
+                  <a:ext cx="314712" cy="311821"/>
+                </a:xfrm>
+                <a:prstGeom prst="rect">
+                  <a:avLst/>
+                </a:prstGeom>
+                <a:noFill/>
+                <a:ln>
+                  <a:solidFill>
+                    <a:schemeClr val="tx1"/>
+                  </a:solidFill>
+                </a:ln>
+              </p:spPr>
+              <p:style>
+                <a:lnRef idx="2">
+                  <a:schemeClr val="accent1">
+                    <a:shade val="50000"/>
+                  </a:schemeClr>
+                </a:lnRef>
+                <a:fillRef idx="1">
+                  <a:schemeClr val="accent1"/>
+                </a:fillRef>
+                <a:effectRef idx="0">
+                  <a:schemeClr val="accent1"/>
+                </a:effectRef>
+                <a:fontRef idx="minor">
+                  <a:schemeClr val="lt1"/>
+                </a:fontRef>
+              </p:style>
+              <p:txBody>
+                <a:bodyPr rtlCol="0" anchor="ctr"/>
+                <a:lstStyle/>
+                <a:p>
+                  <a:pPr algn="ctr"/>
+                  <a:endParaRPr lang="en-IT"/>
+                </a:p>
+              </p:txBody>
+            </p:sp>
+            <p:sp>
+              <p:nvSpPr>
+                <p:cNvPr id="94" name="Rectangle 93">
+                  <a:extLst>
+                    <a:ext uri="{FF2B5EF4-FFF2-40B4-BE49-F238E27FC236}">
+                      <a16:creationId xmlns:a16="http://schemas.microsoft.com/office/drawing/2014/main" id="{48B63D18-52B4-A441-A389-E9E216D8C166}"/>
+                    </a:ext>
+                  </a:extLst>
+                </p:cNvPr>
+                <p:cNvSpPr/>
+                <p:nvPr/>
+              </p:nvSpPr>
+              <p:spPr>
+                <a:xfrm>
+                  <a:off x="2255025" y="795867"/>
+                  <a:ext cx="314712" cy="311821"/>
+                </a:xfrm>
+                <a:prstGeom prst="rect">
+                  <a:avLst/>
+                </a:prstGeom>
+                <a:noFill/>
+                <a:ln>
+                  <a:solidFill>
+                    <a:schemeClr val="tx1"/>
+                  </a:solidFill>
+                </a:ln>
+              </p:spPr>
+              <p:style>
+                <a:lnRef idx="2">
+                  <a:schemeClr val="accent1">
+                    <a:shade val="50000"/>
+                  </a:schemeClr>
+                </a:lnRef>
+                <a:fillRef idx="1">
+                  <a:schemeClr val="accent1"/>
+                </a:fillRef>
+                <a:effectRef idx="0">
+                  <a:schemeClr val="accent1"/>
+                </a:effectRef>
+                <a:fontRef idx="minor">
+                  <a:schemeClr val="lt1"/>
+                </a:fontRef>
+              </p:style>
+              <p:txBody>
+                <a:bodyPr rtlCol="0" anchor="ctr"/>
+                <a:lstStyle/>
+                <a:p>
+                  <a:pPr algn="ctr"/>
+                  <a:endParaRPr lang="en-IT"/>
+                </a:p>
+              </p:txBody>
+            </p:sp>
+            <p:sp>
+              <p:nvSpPr>
+                <p:cNvPr id="95" name="Rectangle 94">
+                  <a:extLst>
+                    <a:ext uri="{FF2B5EF4-FFF2-40B4-BE49-F238E27FC236}">
+                      <a16:creationId xmlns:a16="http://schemas.microsoft.com/office/drawing/2014/main" id="{E0D8AA0A-CE10-1946-8010-ACA427301B62}"/>
+                    </a:ext>
+                  </a:extLst>
+                </p:cNvPr>
+                <p:cNvSpPr/>
+                <p:nvPr/>
+              </p:nvSpPr>
+              <p:spPr>
+                <a:xfrm>
+                  <a:off x="2569737" y="795867"/>
+                  <a:ext cx="314712" cy="311821"/>
+                </a:xfrm>
+                <a:prstGeom prst="rect">
+                  <a:avLst/>
+                </a:prstGeom>
+                <a:noFill/>
+                <a:ln>
+                  <a:solidFill>
+                    <a:schemeClr val="tx1"/>
+                  </a:solidFill>
+                </a:ln>
+              </p:spPr>
+              <p:style>
+                <a:lnRef idx="2">
+                  <a:schemeClr val="accent1">
+                    <a:shade val="50000"/>
+                  </a:schemeClr>
+                </a:lnRef>
+                <a:fillRef idx="1">
+                  <a:schemeClr val="accent1"/>
+                </a:fillRef>
+                <a:effectRef idx="0">
+                  <a:schemeClr val="accent1"/>
+                </a:effectRef>
+                <a:fontRef idx="minor">
+                  <a:schemeClr val="lt1"/>
+                </a:fontRef>
+              </p:style>
+              <p:txBody>
+                <a:bodyPr rtlCol="0" anchor="ctr"/>
+                <a:lstStyle/>
+                <a:p>
+                  <a:pPr algn="ctr"/>
+                  <a:endParaRPr lang="en-IT"/>
+                </a:p>
+              </p:txBody>
+            </p:sp>
+          </p:grpSp>
+          <p:grpSp>
+            <p:nvGrpSpPr>
+              <p:cNvPr id="87" name="Group 86">
+                <a:extLst>
+                  <a:ext uri="{FF2B5EF4-FFF2-40B4-BE49-F238E27FC236}">
+                    <a16:creationId xmlns:a16="http://schemas.microsoft.com/office/drawing/2014/main" id="{C97FF4EB-8C25-984C-9518-295F94441583}"/>
+                  </a:ext>
+                </a:extLst>
+              </p:cNvPr>
+              <p:cNvGrpSpPr/>
+              <p:nvPr/>
+            </p:nvGrpSpPr>
+            <p:grpSpPr>
+              <a:xfrm>
+                <a:off x="1625601" y="1107688"/>
+                <a:ext cx="1258848" cy="311821"/>
+                <a:chOff x="1625601" y="795867"/>
+                <a:chExt cx="1258848" cy="311821"/>
+              </a:xfrm>
+            </p:grpSpPr>
+            <p:sp>
+              <p:nvSpPr>
+                <p:cNvPr id="88" name="Rectangle 87">
+                  <a:extLst>
+                    <a:ext uri="{FF2B5EF4-FFF2-40B4-BE49-F238E27FC236}">
+                      <a16:creationId xmlns:a16="http://schemas.microsoft.com/office/drawing/2014/main" id="{C80F80F6-3D39-D24F-8370-958E4C428112}"/>
+                    </a:ext>
+                  </a:extLst>
+                </p:cNvPr>
+                <p:cNvSpPr/>
+                <p:nvPr/>
+              </p:nvSpPr>
+              <p:spPr>
+                <a:xfrm>
+                  <a:off x="1625601" y="795867"/>
+                  <a:ext cx="314712" cy="311821"/>
+                </a:xfrm>
+                <a:prstGeom prst="rect">
+                  <a:avLst/>
+                </a:prstGeom>
+                <a:noFill/>
+                <a:ln>
+                  <a:solidFill>
+                    <a:schemeClr val="tx1"/>
+                  </a:solidFill>
+                </a:ln>
+              </p:spPr>
+              <p:style>
+                <a:lnRef idx="2">
+                  <a:schemeClr val="accent1">
+                    <a:shade val="50000"/>
+                  </a:schemeClr>
+                </a:lnRef>
+                <a:fillRef idx="1">
+                  <a:schemeClr val="accent1"/>
+                </a:fillRef>
+                <a:effectRef idx="0">
+                  <a:schemeClr val="accent1"/>
+                </a:effectRef>
+                <a:fontRef idx="minor">
+                  <a:schemeClr val="lt1"/>
+                </a:fontRef>
+              </p:style>
+              <p:txBody>
+                <a:bodyPr rtlCol="0" anchor="ctr"/>
+                <a:lstStyle/>
+                <a:p>
+                  <a:pPr algn="ctr"/>
+                  <a:endParaRPr lang="en-IT"/>
+                </a:p>
+              </p:txBody>
+            </p:sp>
+            <p:sp>
+              <p:nvSpPr>
+                <p:cNvPr id="89" name="Rectangle 88">
+                  <a:extLst>
+                    <a:ext uri="{FF2B5EF4-FFF2-40B4-BE49-F238E27FC236}">
+                      <a16:creationId xmlns:a16="http://schemas.microsoft.com/office/drawing/2014/main" id="{03A4BB65-AB95-0340-9104-4F829C604E54}"/>
+                    </a:ext>
+                  </a:extLst>
+                </p:cNvPr>
+                <p:cNvSpPr/>
+                <p:nvPr/>
+              </p:nvSpPr>
+              <p:spPr>
+                <a:xfrm>
+                  <a:off x="1940313" y="795867"/>
+                  <a:ext cx="314712" cy="311821"/>
+                </a:xfrm>
+                <a:prstGeom prst="rect">
+                  <a:avLst/>
+                </a:prstGeom>
+                <a:noFill/>
+                <a:ln>
+                  <a:solidFill>
+                    <a:schemeClr val="tx1"/>
+                  </a:solidFill>
+                </a:ln>
+              </p:spPr>
+              <p:style>
+                <a:lnRef idx="2">
+                  <a:schemeClr val="accent1">
+                    <a:shade val="50000"/>
+                  </a:schemeClr>
+                </a:lnRef>
+                <a:fillRef idx="1">
+                  <a:schemeClr val="accent1"/>
+                </a:fillRef>
+                <a:effectRef idx="0">
+                  <a:schemeClr val="accent1"/>
+                </a:effectRef>
+                <a:fontRef idx="minor">
+                  <a:schemeClr val="lt1"/>
+                </a:fontRef>
+              </p:style>
+              <p:txBody>
+                <a:bodyPr rtlCol="0" anchor="ctr"/>
+                <a:lstStyle/>
+                <a:p>
+                  <a:pPr algn="ctr"/>
+                  <a:endParaRPr lang="en-IT"/>
+                </a:p>
+              </p:txBody>
+            </p:sp>
+            <p:sp>
+              <p:nvSpPr>
+                <p:cNvPr id="90" name="Rectangle 89">
+                  <a:extLst>
+                    <a:ext uri="{FF2B5EF4-FFF2-40B4-BE49-F238E27FC236}">
+                      <a16:creationId xmlns:a16="http://schemas.microsoft.com/office/drawing/2014/main" id="{83CD9EA3-4F9B-B042-9B2E-B4EEBD1E13DE}"/>
+                    </a:ext>
+                  </a:extLst>
+                </p:cNvPr>
+                <p:cNvSpPr/>
+                <p:nvPr/>
+              </p:nvSpPr>
+              <p:spPr>
+                <a:xfrm>
+                  <a:off x="2255025" y="795867"/>
+                  <a:ext cx="314712" cy="311821"/>
+                </a:xfrm>
+                <a:prstGeom prst="rect">
+                  <a:avLst/>
+                </a:prstGeom>
+                <a:noFill/>
+                <a:ln>
+                  <a:solidFill>
+                    <a:schemeClr val="tx1"/>
+                  </a:solidFill>
+                </a:ln>
+              </p:spPr>
+              <p:style>
+                <a:lnRef idx="2">
+                  <a:schemeClr val="accent1">
+                    <a:shade val="50000"/>
+                  </a:schemeClr>
+                </a:lnRef>
+                <a:fillRef idx="1">
+                  <a:schemeClr val="accent1"/>
+                </a:fillRef>
+                <a:effectRef idx="0">
+                  <a:schemeClr val="accent1"/>
+                </a:effectRef>
+                <a:fontRef idx="minor">
+                  <a:schemeClr val="lt1"/>
+                </a:fontRef>
+              </p:style>
+              <p:txBody>
+                <a:bodyPr rtlCol="0" anchor="ctr"/>
+                <a:lstStyle/>
+                <a:p>
+                  <a:pPr algn="ctr"/>
+                  <a:endParaRPr lang="en-IT"/>
+                </a:p>
+              </p:txBody>
+            </p:sp>
+            <p:sp>
+              <p:nvSpPr>
+                <p:cNvPr id="91" name="Rectangle 90">
+                  <a:extLst>
+                    <a:ext uri="{FF2B5EF4-FFF2-40B4-BE49-F238E27FC236}">
+                      <a16:creationId xmlns:a16="http://schemas.microsoft.com/office/drawing/2014/main" id="{FC59C549-3C84-5345-9A2E-F3185B1F5025}"/>
+                    </a:ext>
+                  </a:extLst>
+                </p:cNvPr>
+                <p:cNvSpPr/>
+                <p:nvPr/>
+              </p:nvSpPr>
+              <p:spPr>
+                <a:xfrm>
+                  <a:off x="2569737" y="795867"/>
+                  <a:ext cx="314712" cy="311821"/>
+                </a:xfrm>
+                <a:prstGeom prst="rect">
+                  <a:avLst/>
+                </a:prstGeom>
+                <a:noFill/>
+                <a:ln>
+                  <a:solidFill>
+                    <a:schemeClr val="tx1"/>
+                  </a:solidFill>
+                </a:ln>
+              </p:spPr>
+              <p:style>
+                <a:lnRef idx="2">
+                  <a:schemeClr val="accent1">
+                    <a:shade val="50000"/>
+                  </a:schemeClr>
+                </a:lnRef>
+                <a:fillRef idx="1">
+                  <a:schemeClr val="accent1"/>
+                </a:fillRef>
+                <a:effectRef idx="0">
+                  <a:schemeClr val="accent1"/>
+                </a:effectRef>
+                <a:fontRef idx="minor">
+                  <a:schemeClr val="lt1"/>
+                </a:fontRef>
+              </p:style>
+              <p:txBody>
+                <a:bodyPr rtlCol="0" anchor="ctr"/>
+                <a:lstStyle/>
+                <a:p>
+                  <a:pPr algn="ctr"/>
+                  <a:endParaRPr lang="en-IT"/>
+                </a:p>
+              </p:txBody>
+            </p:sp>
+          </p:grpSp>
+        </p:grpSp>
+        <p:grpSp>
+          <p:nvGrpSpPr>
+            <p:cNvPr id="75" name="Group 74">
+              <a:extLst>
+                <a:ext uri="{FF2B5EF4-FFF2-40B4-BE49-F238E27FC236}">
+                  <a16:creationId xmlns:a16="http://schemas.microsoft.com/office/drawing/2014/main" id="{5EC6BB0A-AD50-2C4C-B6B1-254B6F6486FE}"/>
+                </a:ext>
+              </a:extLst>
+            </p:cNvPr>
+            <p:cNvGrpSpPr/>
+            <p:nvPr/>
+          </p:nvGrpSpPr>
+          <p:grpSpPr>
+            <a:xfrm>
+              <a:off x="1625601" y="1419509"/>
+              <a:ext cx="1258848" cy="623642"/>
+              <a:chOff x="1625601" y="795867"/>
+              <a:chExt cx="1258848" cy="623642"/>
+            </a:xfrm>
+          </p:grpSpPr>
+          <p:grpSp>
+            <p:nvGrpSpPr>
+              <p:cNvPr id="76" name="Group 75">
+                <a:extLst>
+                  <a:ext uri="{FF2B5EF4-FFF2-40B4-BE49-F238E27FC236}">
+                    <a16:creationId xmlns:a16="http://schemas.microsoft.com/office/drawing/2014/main" id="{DCB2241E-F782-CD46-8F7A-40D00F109773}"/>
+                  </a:ext>
+                </a:extLst>
+              </p:cNvPr>
+              <p:cNvGrpSpPr/>
+              <p:nvPr/>
+            </p:nvGrpSpPr>
+            <p:grpSpPr>
+              <a:xfrm>
+                <a:off x="1625601" y="795867"/>
+                <a:ext cx="1258848" cy="311821"/>
+                <a:chOff x="1625601" y="795867"/>
+                <a:chExt cx="1258848" cy="311821"/>
+              </a:xfrm>
+            </p:grpSpPr>
+            <p:sp>
+              <p:nvSpPr>
+                <p:cNvPr id="82" name="Rectangle 81">
+                  <a:extLst>
+                    <a:ext uri="{FF2B5EF4-FFF2-40B4-BE49-F238E27FC236}">
+                      <a16:creationId xmlns:a16="http://schemas.microsoft.com/office/drawing/2014/main" id="{F2528408-4E29-EB41-9CCC-3DE8360EC37E}"/>
+                    </a:ext>
+                  </a:extLst>
+                </p:cNvPr>
+                <p:cNvSpPr/>
+                <p:nvPr/>
+              </p:nvSpPr>
+              <p:spPr>
+                <a:xfrm>
+                  <a:off x="1625601" y="795867"/>
+                  <a:ext cx="314712" cy="311821"/>
+                </a:xfrm>
+                <a:prstGeom prst="rect">
+                  <a:avLst/>
+                </a:prstGeom>
+                <a:noFill/>
+                <a:ln>
+                  <a:solidFill>
+                    <a:schemeClr val="tx1"/>
+                  </a:solidFill>
+                </a:ln>
+              </p:spPr>
+              <p:style>
+                <a:lnRef idx="2">
+                  <a:schemeClr val="accent1">
+                    <a:shade val="50000"/>
+                  </a:schemeClr>
+                </a:lnRef>
+                <a:fillRef idx="1">
+                  <a:schemeClr val="accent1"/>
+                </a:fillRef>
+                <a:effectRef idx="0">
+                  <a:schemeClr val="accent1"/>
+                </a:effectRef>
+                <a:fontRef idx="minor">
+                  <a:schemeClr val="lt1"/>
+                </a:fontRef>
+              </p:style>
+              <p:txBody>
+                <a:bodyPr rtlCol="0" anchor="ctr"/>
+                <a:lstStyle/>
+                <a:p>
+                  <a:pPr algn="ctr"/>
+                  <a:endParaRPr lang="en-IT"/>
+                </a:p>
+              </p:txBody>
+            </p:sp>
+            <p:sp>
+              <p:nvSpPr>
+                <p:cNvPr id="83" name="Rectangle 82">
+                  <a:extLst>
+                    <a:ext uri="{FF2B5EF4-FFF2-40B4-BE49-F238E27FC236}">
+                      <a16:creationId xmlns:a16="http://schemas.microsoft.com/office/drawing/2014/main" id="{18047825-8DBE-F443-93CC-87D999D3EE6C}"/>
+                    </a:ext>
+                  </a:extLst>
+                </p:cNvPr>
+                <p:cNvSpPr/>
+                <p:nvPr/>
+              </p:nvSpPr>
+              <p:spPr>
+                <a:xfrm>
+                  <a:off x="1940313" y="795867"/>
+                  <a:ext cx="314712" cy="311821"/>
+                </a:xfrm>
+                <a:prstGeom prst="rect">
+                  <a:avLst/>
+                </a:prstGeom>
+                <a:noFill/>
+                <a:ln>
+                  <a:solidFill>
+                    <a:schemeClr val="tx1"/>
+                  </a:solidFill>
+                </a:ln>
+              </p:spPr>
+              <p:style>
+                <a:lnRef idx="2">
+                  <a:schemeClr val="accent1">
+                    <a:shade val="50000"/>
+                  </a:schemeClr>
+                </a:lnRef>
+                <a:fillRef idx="1">
+                  <a:schemeClr val="accent1"/>
+                </a:fillRef>
+                <a:effectRef idx="0">
+                  <a:schemeClr val="accent1"/>
+                </a:effectRef>
+                <a:fontRef idx="minor">
+                  <a:schemeClr val="lt1"/>
+                </a:fontRef>
+              </p:style>
+              <p:txBody>
+                <a:bodyPr rtlCol="0" anchor="ctr"/>
+                <a:lstStyle/>
+                <a:p>
+                  <a:pPr algn="ctr"/>
+                  <a:endParaRPr lang="en-IT"/>
+                </a:p>
+              </p:txBody>
+            </p:sp>
+            <p:sp>
+              <p:nvSpPr>
+                <p:cNvPr id="84" name="Rectangle 83">
+                  <a:extLst>
+                    <a:ext uri="{FF2B5EF4-FFF2-40B4-BE49-F238E27FC236}">
+                      <a16:creationId xmlns:a16="http://schemas.microsoft.com/office/drawing/2014/main" id="{C39F50D3-3ABB-524D-9FAA-903397BCC59D}"/>
+                    </a:ext>
+                  </a:extLst>
+                </p:cNvPr>
+                <p:cNvSpPr/>
+                <p:nvPr/>
+              </p:nvSpPr>
+              <p:spPr>
+                <a:xfrm>
+                  <a:off x="2255025" y="795867"/>
+                  <a:ext cx="314712" cy="311821"/>
+                </a:xfrm>
+                <a:prstGeom prst="rect">
+                  <a:avLst/>
+                </a:prstGeom>
+                <a:noFill/>
+                <a:ln>
+                  <a:solidFill>
+                    <a:schemeClr val="tx1"/>
+                  </a:solidFill>
+                </a:ln>
+              </p:spPr>
+              <p:style>
+                <a:lnRef idx="2">
+                  <a:schemeClr val="accent1">
+                    <a:shade val="50000"/>
+                  </a:schemeClr>
+                </a:lnRef>
+                <a:fillRef idx="1">
+                  <a:schemeClr val="accent1"/>
+                </a:fillRef>
+                <a:effectRef idx="0">
+                  <a:schemeClr val="accent1"/>
+                </a:effectRef>
+                <a:fontRef idx="minor">
+                  <a:schemeClr val="lt1"/>
+                </a:fontRef>
+              </p:style>
+              <p:txBody>
+                <a:bodyPr rtlCol="0" anchor="ctr"/>
+                <a:lstStyle/>
+                <a:p>
+                  <a:pPr algn="ctr"/>
+                  <a:endParaRPr lang="en-IT"/>
+                </a:p>
+              </p:txBody>
+            </p:sp>
+            <p:sp>
+              <p:nvSpPr>
+                <p:cNvPr id="85" name="Rectangle 84">
+                  <a:extLst>
+                    <a:ext uri="{FF2B5EF4-FFF2-40B4-BE49-F238E27FC236}">
+                      <a16:creationId xmlns:a16="http://schemas.microsoft.com/office/drawing/2014/main" id="{430792A7-E071-0A40-9A08-A060753B9ACC}"/>
+                    </a:ext>
+                  </a:extLst>
+                </p:cNvPr>
+                <p:cNvSpPr/>
+                <p:nvPr/>
+              </p:nvSpPr>
+              <p:spPr>
+                <a:xfrm>
+                  <a:off x="2569737" y="795867"/>
+                  <a:ext cx="314712" cy="311821"/>
+                </a:xfrm>
+                <a:prstGeom prst="rect">
+                  <a:avLst/>
+                </a:prstGeom>
+                <a:noFill/>
+                <a:ln>
+                  <a:solidFill>
+                    <a:schemeClr val="tx1"/>
+                  </a:solidFill>
+                </a:ln>
+              </p:spPr>
+              <p:style>
+                <a:lnRef idx="2">
+                  <a:schemeClr val="accent1">
+                    <a:shade val="50000"/>
+                  </a:schemeClr>
+                </a:lnRef>
+                <a:fillRef idx="1">
+                  <a:schemeClr val="accent1"/>
+                </a:fillRef>
+                <a:effectRef idx="0">
+                  <a:schemeClr val="accent1"/>
+                </a:effectRef>
+                <a:fontRef idx="minor">
+                  <a:schemeClr val="lt1"/>
+                </a:fontRef>
+              </p:style>
+              <p:txBody>
+                <a:bodyPr rtlCol="0" anchor="ctr"/>
+                <a:lstStyle/>
+                <a:p>
+                  <a:pPr algn="ctr"/>
+                  <a:endParaRPr lang="en-IT"/>
+                </a:p>
+              </p:txBody>
+            </p:sp>
+          </p:grpSp>
+          <p:grpSp>
+            <p:nvGrpSpPr>
+              <p:cNvPr id="77" name="Group 76">
+                <a:extLst>
+                  <a:ext uri="{FF2B5EF4-FFF2-40B4-BE49-F238E27FC236}">
+                    <a16:creationId xmlns:a16="http://schemas.microsoft.com/office/drawing/2014/main" id="{9A72643D-DC8A-3945-B731-BC75D1A04DDF}"/>
+                  </a:ext>
+                </a:extLst>
+              </p:cNvPr>
+              <p:cNvGrpSpPr/>
+              <p:nvPr/>
+            </p:nvGrpSpPr>
+            <p:grpSpPr>
+              <a:xfrm>
+                <a:off x="1625601" y="1107688"/>
+                <a:ext cx="1258848" cy="311821"/>
+                <a:chOff x="1625601" y="795867"/>
+                <a:chExt cx="1258848" cy="311821"/>
+              </a:xfrm>
+            </p:grpSpPr>
+            <p:sp>
+              <p:nvSpPr>
+                <p:cNvPr id="78" name="Rectangle 77">
+                  <a:extLst>
+                    <a:ext uri="{FF2B5EF4-FFF2-40B4-BE49-F238E27FC236}">
+                      <a16:creationId xmlns:a16="http://schemas.microsoft.com/office/drawing/2014/main" id="{CA2E411C-ED84-F54F-B69F-37FEAF70A29F}"/>
+                    </a:ext>
+                  </a:extLst>
+                </p:cNvPr>
+                <p:cNvSpPr/>
+                <p:nvPr/>
+              </p:nvSpPr>
+              <p:spPr>
+                <a:xfrm>
+                  <a:off x="1625601" y="795867"/>
+                  <a:ext cx="314712" cy="311821"/>
+                </a:xfrm>
+                <a:prstGeom prst="rect">
+                  <a:avLst/>
+                </a:prstGeom>
+                <a:noFill/>
+                <a:ln>
+                  <a:solidFill>
+                    <a:schemeClr val="tx1"/>
+                  </a:solidFill>
+                </a:ln>
+              </p:spPr>
+              <p:style>
+                <a:lnRef idx="2">
+                  <a:schemeClr val="accent1">
+                    <a:shade val="50000"/>
+                  </a:schemeClr>
+                </a:lnRef>
+                <a:fillRef idx="1">
+                  <a:schemeClr val="accent1"/>
+                </a:fillRef>
+                <a:effectRef idx="0">
+                  <a:schemeClr val="accent1"/>
+                </a:effectRef>
+                <a:fontRef idx="minor">
+                  <a:schemeClr val="lt1"/>
+                </a:fontRef>
+              </p:style>
+              <p:txBody>
+                <a:bodyPr rtlCol="0" anchor="ctr"/>
+                <a:lstStyle/>
+                <a:p>
+                  <a:pPr algn="ctr"/>
+                  <a:endParaRPr lang="en-IT"/>
+                </a:p>
+              </p:txBody>
+            </p:sp>
+            <p:sp>
+              <p:nvSpPr>
+                <p:cNvPr id="79" name="Rectangle 78">
+                  <a:extLst>
+                    <a:ext uri="{FF2B5EF4-FFF2-40B4-BE49-F238E27FC236}">
+                      <a16:creationId xmlns:a16="http://schemas.microsoft.com/office/drawing/2014/main" id="{88D13B6D-6246-5044-84AD-421891CA6188}"/>
+                    </a:ext>
+                  </a:extLst>
+                </p:cNvPr>
+                <p:cNvSpPr/>
+                <p:nvPr/>
+              </p:nvSpPr>
+              <p:spPr>
+                <a:xfrm>
+                  <a:off x="1940313" y="795867"/>
+                  <a:ext cx="314712" cy="311821"/>
+                </a:xfrm>
+                <a:prstGeom prst="rect">
+                  <a:avLst/>
+                </a:prstGeom>
+                <a:noFill/>
+                <a:ln>
+                  <a:solidFill>
+                    <a:schemeClr val="tx1"/>
+                  </a:solidFill>
+                </a:ln>
+              </p:spPr>
+              <p:style>
+                <a:lnRef idx="2">
+                  <a:schemeClr val="accent1">
+                    <a:shade val="50000"/>
+                  </a:schemeClr>
+                </a:lnRef>
+                <a:fillRef idx="1">
+                  <a:schemeClr val="accent1"/>
+                </a:fillRef>
+                <a:effectRef idx="0">
+                  <a:schemeClr val="accent1"/>
+                </a:effectRef>
+                <a:fontRef idx="minor">
+                  <a:schemeClr val="lt1"/>
+                </a:fontRef>
+              </p:style>
+              <p:txBody>
+                <a:bodyPr rtlCol="0" anchor="ctr"/>
+                <a:lstStyle/>
+                <a:p>
+                  <a:pPr algn="ctr"/>
+                  <a:endParaRPr lang="en-IT"/>
+                </a:p>
+              </p:txBody>
+            </p:sp>
+            <p:sp>
+              <p:nvSpPr>
+                <p:cNvPr id="80" name="Rectangle 79">
+                  <a:extLst>
+                    <a:ext uri="{FF2B5EF4-FFF2-40B4-BE49-F238E27FC236}">
+                      <a16:creationId xmlns:a16="http://schemas.microsoft.com/office/drawing/2014/main" id="{07F638EE-A159-384C-ABD3-7B9B3C2BEF8B}"/>
+                    </a:ext>
+                  </a:extLst>
+                </p:cNvPr>
+                <p:cNvSpPr/>
+                <p:nvPr/>
+              </p:nvSpPr>
+              <p:spPr>
+                <a:xfrm>
+                  <a:off x="2255025" y="795867"/>
+                  <a:ext cx="314712" cy="311821"/>
+                </a:xfrm>
+                <a:prstGeom prst="rect">
+                  <a:avLst/>
+                </a:prstGeom>
+                <a:noFill/>
+                <a:ln>
+                  <a:solidFill>
+                    <a:schemeClr val="tx1"/>
+                  </a:solidFill>
+                </a:ln>
+              </p:spPr>
+              <p:style>
+                <a:lnRef idx="2">
+                  <a:schemeClr val="accent1">
+                    <a:shade val="50000"/>
+                  </a:schemeClr>
+                </a:lnRef>
+                <a:fillRef idx="1">
+                  <a:schemeClr val="accent1"/>
+                </a:fillRef>
+                <a:effectRef idx="0">
+                  <a:schemeClr val="accent1"/>
+                </a:effectRef>
+                <a:fontRef idx="minor">
+                  <a:schemeClr val="lt1"/>
+                </a:fontRef>
+              </p:style>
+              <p:txBody>
+                <a:bodyPr rtlCol="0" anchor="ctr"/>
+                <a:lstStyle/>
+                <a:p>
+                  <a:pPr algn="ctr"/>
+                  <a:endParaRPr lang="en-IT"/>
+                </a:p>
+              </p:txBody>
+            </p:sp>
+            <p:sp>
+              <p:nvSpPr>
+                <p:cNvPr id="81" name="Rectangle 80">
+                  <a:extLst>
+                    <a:ext uri="{FF2B5EF4-FFF2-40B4-BE49-F238E27FC236}">
+                      <a16:creationId xmlns:a16="http://schemas.microsoft.com/office/drawing/2014/main" id="{8261C6AD-C95A-634F-8CE3-85922AC9151B}"/>
+                    </a:ext>
+                  </a:extLst>
+                </p:cNvPr>
+                <p:cNvSpPr/>
+                <p:nvPr/>
+              </p:nvSpPr>
+              <p:spPr>
+                <a:xfrm>
+                  <a:off x="2569737" y="795867"/>
+                  <a:ext cx="314712" cy="311821"/>
+                </a:xfrm>
+                <a:prstGeom prst="rect">
+                  <a:avLst/>
+                </a:prstGeom>
+                <a:noFill/>
+                <a:ln>
+                  <a:solidFill>
+                    <a:schemeClr val="tx1"/>
+                  </a:solidFill>
+                </a:ln>
+              </p:spPr>
+              <p:style>
+                <a:lnRef idx="2">
+                  <a:schemeClr val="accent1">
+                    <a:shade val="50000"/>
+                  </a:schemeClr>
+                </a:lnRef>
+                <a:fillRef idx="1">
+                  <a:schemeClr val="accent1"/>
+                </a:fillRef>
+                <a:effectRef idx="0">
+                  <a:schemeClr val="accent1"/>
+                </a:effectRef>
+                <a:fontRef idx="minor">
+                  <a:schemeClr val="lt1"/>
+                </a:fontRef>
+              </p:style>
+              <p:txBody>
+                <a:bodyPr rtlCol="0" anchor="ctr"/>
+                <a:lstStyle/>
+                <a:p>
+                  <a:pPr algn="ctr"/>
+                  <a:endParaRPr lang="en-IT"/>
+                </a:p>
+              </p:txBody>
+            </p:sp>
+          </p:grpSp>
+        </p:grpSp>
+      </p:grpSp>
+      <p:grpSp>
+        <p:nvGrpSpPr>
+          <p:cNvPr id="96" name="Group 95">
+            <a:extLst>
+              <a:ext uri="{FF2B5EF4-FFF2-40B4-BE49-F238E27FC236}">
+                <a16:creationId xmlns:a16="http://schemas.microsoft.com/office/drawing/2014/main" id="{2A7B00B6-0D24-B141-B23C-F0B2DB357DC2}"/>
+              </a:ext>
+            </a:extLst>
+          </p:cNvPr>
+          <p:cNvGrpSpPr/>
+          <p:nvPr/>
+        </p:nvGrpSpPr>
+        <p:grpSpPr>
+          <a:xfrm>
+            <a:off x="1625602" y="4733490"/>
+            <a:ext cx="1057638" cy="1062913"/>
+            <a:chOff x="1625601" y="795867"/>
+            <a:chExt cx="1258848" cy="1247284"/>
+          </a:xfrm>
+        </p:grpSpPr>
+        <p:grpSp>
+          <p:nvGrpSpPr>
+            <p:cNvPr id="97" name="Group 96">
+              <a:extLst>
+                <a:ext uri="{FF2B5EF4-FFF2-40B4-BE49-F238E27FC236}">
+                  <a16:creationId xmlns:a16="http://schemas.microsoft.com/office/drawing/2014/main" id="{FD8EAE68-B1F2-FD4F-8D98-AC7333021915}"/>
+                </a:ext>
+              </a:extLst>
+            </p:cNvPr>
+            <p:cNvGrpSpPr/>
+            <p:nvPr/>
+          </p:nvGrpSpPr>
+          <p:grpSpPr>
+            <a:xfrm>
+              <a:off x="1625601" y="795867"/>
+              <a:ext cx="1258848" cy="623642"/>
+              <a:chOff x="1625601" y="795867"/>
+              <a:chExt cx="1258848" cy="623642"/>
+            </a:xfrm>
+          </p:grpSpPr>
+          <p:grpSp>
+            <p:nvGrpSpPr>
+              <p:cNvPr id="109" name="Group 108">
+                <a:extLst>
+                  <a:ext uri="{FF2B5EF4-FFF2-40B4-BE49-F238E27FC236}">
+                    <a16:creationId xmlns:a16="http://schemas.microsoft.com/office/drawing/2014/main" id="{C491EF02-521F-DB40-8282-E63AF44EC4E3}"/>
+                  </a:ext>
+                </a:extLst>
+              </p:cNvPr>
+              <p:cNvGrpSpPr/>
+              <p:nvPr/>
+            </p:nvGrpSpPr>
+            <p:grpSpPr>
+              <a:xfrm>
+                <a:off x="1625601" y="795867"/>
+                <a:ext cx="1258848" cy="311821"/>
+                <a:chOff x="1625601" y="795867"/>
+                <a:chExt cx="1258848" cy="311821"/>
+              </a:xfrm>
+            </p:grpSpPr>
+            <p:sp>
+              <p:nvSpPr>
+                <p:cNvPr id="115" name="Rectangle 114">
+                  <a:extLst>
+                    <a:ext uri="{FF2B5EF4-FFF2-40B4-BE49-F238E27FC236}">
+                      <a16:creationId xmlns:a16="http://schemas.microsoft.com/office/drawing/2014/main" id="{E07A1602-B220-874D-A854-9D11BF97CBBF}"/>
+                    </a:ext>
+                  </a:extLst>
+                </p:cNvPr>
+                <p:cNvSpPr/>
+                <p:nvPr/>
+              </p:nvSpPr>
+              <p:spPr>
+                <a:xfrm>
+                  <a:off x="1625601" y="795867"/>
+                  <a:ext cx="314712" cy="311821"/>
+                </a:xfrm>
+                <a:prstGeom prst="rect">
+                  <a:avLst/>
+                </a:prstGeom>
+                <a:noFill/>
+                <a:ln>
+                  <a:solidFill>
+                    <a:schemeClr val="tx1"/>
+                  </a:solidFill>
+                </a:ln>
+              </p:spPr>
+              <p:style>
+                <a:lnRef idx="2">
+                  <a:schemeClr val="accent1">
+                    <a:shade val="50000"/>
+                  </a:schemeClr>
+                </a:lnRef>
+                <a:fillRef idx="1">
+                  <a:schemeClr val="accent1"/>
+                </a:fillRef>
+                <a:effectRef idx="0">
+                  <a:schemeClr val="accent1"/>
+                </a:effectRef>
+                <a:fontRef idx="minor">
+                  <a:schemeClr val="lt1"/>
+                </a:fontRef>
+              </p:style>
+              <p:txBody>
+                <a:bodyPr rtlCol="0" anchor="ctr"/>
+                <a:lstStyle/>
+                <a:p>
+                  <a:pPr algn="ctr"/>
+                  <a:endParaRPr lang="en-IT"/>
+                </a:p>
+              </p:txBody>
+            </p:sp>
+            <p:sp>
+              <p:nvSpPr>
+                <p:cNvPr id="116" name="Rectangle 115">
+                  <a:extLst>
+                    <a:ext uri="{FF2B5EF4-FFF2-40B4-BE49-F238E27FC236}">
+                      <a16:creationId xmlns:a16="http://schemas.microsoft.com/office/drawing/2014/main" id="{03CE5AE7-6460-D549-B0F9-02D4264FC3AC}"/>
+                    </a:ext>
+                  </a:extLst>
+                </p:cNvPr>
+                <p:cNvSpPr/>
+                <p:nvPr/>
+              </p:nvSpPr>
+              <p:spPr>
+                <a:xfrm>
+                  <a:off x="1940313" y="795867"/>
+                  <a:ext cx="314712" cy="311821"/>
+                </a:xfrm>
+                <a:prstGeom prst="rect">
+                  <a:avLst/>
+                </a:prstGeom>
+                <a:noFill/>
+                <a:ln>
+                  <a:solidFill>
+                    <a:schemeClr val="tx1"/>
+                  </a:solidFill>
+                </a:ln>
+              </p:spPr>
+              <p:style>
+                <a:lnRef idx="2">
+                  <a:schemeClr val="accent1">
+                    <a:shade val="50000"/>
+                  </a:schemeClr>
+                </a:lnRef>
+                <a:fillRef idx="1">
+                  <a:schemeClr val="accent1"/>
+                </a:fillRef>
+                <a:effectRef idx="0">
+                  <a:schemeClr val="accent1"/>
+                </a:effectRef>
+                <a:fontRef idx="minor">
+                  <a:schemeClr val="lt1"/>
+                </a:fontRef>
+              </p:style>
+              <p:txBody>
+                <a:bodyPr rtlCol="0" anchor="ctr"/>
+                <a:lstStyle/>
+                <a:p>
+                  <a:pPr algn="ctr"/>
+                  <a:endParaRPr lang="en-IT"/>
+                </a:p>
+              </p:txBody>
+            </p:sp>
+            <p:sp>
+              <p:nvSpPr>
+                <p:cNvPr id="117" name="Rectangle 116">
+                  <a:extLst>
+                    <a:ext uri="{FF2B5EF4-FFF2-40B4-BE49-F238E27FC236}">
+                      <a16:creationId xmlns:a16="http://schemas.microsoft.com/office/drawing/2014/main" id="{E9C80DDC-E52C-1A4F-9B17-2373F916973C}"/>
+                    </a:ext>
+                  </a:extLst>
+                </p:cNvPr>
+                <p:cNvSpPr/>
+                <p:nvPr/>
+              </p:nvSpPr>
+              <p:spPr>
+                <a:xfrm>
+                  <a:off x="2255025" y="795867"/>
+                  <a:ext cx="314712" cy="311821"/>
+                </a:xfrm>
+                <a:prstGeom prst="rect">
+                  <a:avLst/>
+                </a:prstGeom>
+                <a:noFill/>
+                <a:ln>
+                  <a:solidFill>
+                    <a:schemeClr val="tx1"/>
+                  </a:solidFill>
+                </a:ln>
+              </p:spPr>
+              <p:style>
+                <a:lnRef idx="2">
+                  <a:schemeClr val="accent1">
+                    <a:shade val="50000"/>
+                  </a:schemeClr>
+                </a:lnRef>
+                <a:fillRef idx="1">
+                  <a:schemeClr val="accent1"/>
+                </a:fillRef>
+                <a:effectRef idx="0">
+                  <a:schemeClr val="accent1"/>
+                </a:effectRef>
+                <a:fontRef idx="minor">
+                  <a:schemeClr val="lt1"/>
+                </a:fontRef>
+              </p:style>
+              <p:txBody>
+                <a:bodyPr rtlCol="0" anchor="ctr"/>
+                <a:lstStyle/>
+                <a:p>
+                  <a:pPr algn="ctr"/>
+                  <a:endParaRPr lang="en-IT"/>
+                </a:p>
+              </p:txBody>
+            </p:sp>
+            <p:sp>
+              <p:nvSpPr>
+                <p:cNvPr id="118" name="Rectangle 117">
+                  <a:extLst>
+                    <a:ext uri="{FF2B5EF4-FFF2-40B4-BE49-F238E27FC236}">
+                      <a16:creationId xmlns:a16="http://schemas.microsoft.com/office/drawing/2014/main" id="{86C26BF3-C0D5-FF47-8D77-76CA8A4B7D10}"/>
+                    </a:ext>
+                  </a:extLst>
+                </p:cNvPr>
+                <p:cNvSpPr/>
+                <p:nvPr/>
+              </p:nvSpPr>
+              <p:spPr>
+                <a:xfrm>
+                  <a:off x="2569737" y="795867"/>
+                  <a:ext cx="314712" cy="311821"/>
+                </a:xfrm>
+                <a:prstGeom prst="rect">
+                  <a:avLst/>
+                </a:prstGeom>
+                <a:noFill/>
+                <a:ln>
+                  <a:solidFill>
+                    <a:schemeClr val="tx1"/>
+                  </a:solidFill>
+                </a:ln>
+              </p:spPr>
+              <p:style>
+                <a:lnRef idx="2">
+                  <a:schemeClr val="accent1">
+                    <a:shade val="50000"/>
+                  </a:schemeClr>
+                </a:lnRef>
+                <a:fillRef idx="1">
+                  <a:schemeClr val="accent1"/>
+                </a:fillRef>
+                <a:effectRef idx="0">
+                  <a:schemeClr val="accent1"/>
+                </a:effectRef>
+                <a:fontRef idx="minor">
+                  <a:schemeClr val="lt1"/>
+                </a:fontRef>
+              </p:style>
+              <p:txBody>
+                <a:bodyPr rtlCol="0" anchor="ctr"/>
+                <a:lstStyle/>
+                <a:p>
+                  <a:pPr algn="ctr"/>
+                  <a:endParaRPr lang="en-IT"/>
+                </a:p>
+              </p:txBody>
+            </p:sp>
+          </p:grpSp>
+          <p:grpSp>
+            <p:nvGrpSpPr>
+              <p:cNvPr id="110" name="Group 109">
+                <a:extLst>
+                  <a:ext uri="{FF2B5EF4-FFF2-40B4-BE49-F238E27FC236}">
+                    <a16:creationId xmlns:a16="http://schemas.microsoft.com/office/drawing/2014/main" id="{D008BC12-BA67-A94D-AE76-FC5096A5C1D2}"/>
+                  </a:ext>
+                </a:extLst>
+              </p:cNvPr>
+              <p:cNvGrpSpPr/>
+              <p:nvPr/>
+            </p:nvGrpSpPr>
+            <p:grpSpPr>
+              <a:xfrm>
+                <a:off x="1625601" y="1107688"/>
+                <a:ext cx="1258848" cy="311821"/>
+                <a:chOff x="1625601" y="795867"/>
+                <a:chExt cx="1258848" cy="311821"/>
+              </a:xfrm>
+            </p:grpSpPr>
+            <p:sp>
+              <p:nvSpPr>
+                <p:cNvPr id="111" name="Rectangle 110">
+                  <a:extLst>
+                    <a:ext uri="{FF2B5EF4-FFF2-40B4-BE49-F238E27FC236}">
+                      <a16:creationId xmlns:a16="http://schemas.microsoft.com/office/drawing/2014/main" id="{1CEF72CA-7A2E-044E-96BC-CC5C3A8807AB}"/>
+                    </a:ext>
+                  </a:extLst>
+                </p:cNvPr>
+                <p:cNvSpPr/>
+                <p:nvPr/>
+              </p:nvSpPr>
+              <p:spPr>
+                <a:xfrm>
+                  <a:off x="1625601" y="795867"/>
+                  <a:ext cx="314712" cy="311821"/>
+                </a:xfrm>
+                <a:prstGeom prst="rect">
+                  <a:avLst/>
+                </a:prstGeom>
+                <a:noFill/>
+                <a:ln>
+                  <a:solidFill>
+                    <a:schemeClr val="tx1"/>
+                  </a:solidFill>
+                </a:ln>
+              </p:spPr>
+              <p:style>
+                <a:lnRef idx="2">
+                  <a:schemeClr val="accent1">
+                    <a:shade val="50000"/>
+                  </a:schemeClr>
+                </a:lnRef>
+                <a:fillRef idx="1">
+                  <a:schemeClr val="accent1"/>
+                </a:fillRef>
+                <a:effectRef idx="0">
+                  <a:schemeClr val="accent1"/>
+                </a:effectRef>
+                <a:fontRef idx="minor">
+                  <a:schemeClr val="lt1"/>
+                </a:fontRef>
+              </p:style>
+              <p:txBody>
+                <a:bodyPr rtlCol="0" anchor="ctr"/>
+                <a:lstStyle/>
+                <a:p>
+                  <a:pPr algn="ctr"/>
+                  <a:endParaRPr lang="en-IT"/>
+                </a:p>
+              </p:txBody>
+            </p:sp>
+            <p:sp>
+              <p:nvSpPr>
+                <p:cNvPr id="112" name="Rectangle 111">
+                  <a:extLst>
+                    <a:ext uri="{FF2B5EF4-FFF2-40B4-BE49-F238E27FC236}">
+                      <a16:creationId xmlns:a16="http://schemas.microsoft.com/office/drawing/2014/main" id="{DB0FE7B7-663F-FB4C-B62F-187D320C3B00}"/>
+                    </a:ext>
+                  </a:extLst>
+                </p:cNvPr>
+                <p:cNvSpPr/>
+                <p:nvPr/>
+              </p:nvSpPr>
+              <p:spPr>
+                <a:xfrm>
+                  <a:off x="1940313" y="795867"/>
+                  <a:ext cx="314712" cy="311821"/>
+                </a:xfrm>
+                <a:prstGeom prst="rect">
+                  <a:avLst/>
+                </a:prstGeom>
+                <a:noFill/>
+                <a:ln>
+                  <a:solidFill>
+                    <a:schemeClr val="tx1"/>
+                  </a:solidFill>
+                </a:ln>
+              </p:spPr>
+              <p:style>
+                <a:lnRef idx="2">
+                  <a:schemeClr val="accent1">
+                    <a:shade val="50000"/>
+                  </a:schemeClr>
+                </a:lnRef>
+                <a:fillRef idx="1">
+                  <a:schemeClr val="accent1"/>
+                </a:fillRef>
+                <a:effectRef idx="0">
+                  <a:schemeClr val="accent1"/>
+                </a:effectRef>
+                <a:fontRef idx="minor">
+                  <a:schemeClr val="lt1"/>
+                </a:fontRef>
+              </p:style>
+              <p:txBody>
+                <a:bodyPr rtlCol="0" anchor="ctr"/>
+                <a:lstStyle/>
+                <a:p>
+                  <a:pPr algn="ctr"/>
+                  <a:endParaRPr lang="en-IT"/>
+                </a:p>
+              </p:txBody>
+            </p:sp>
+            <p:sp>
+              <p:nvSpPr>
+                <p:cNvPr id="113" name="Rectangle 112">
+                  <a:extLst>
+                    <a:ext uri="{FF2B5EF4-FFF2-40B4-BE49-F238E27FC236}">
+                      <a16:creationId xmlns:a16="http://schemas.microsoft.com/office/drawing/2014/main" id="{24C9D38F-9FEB-6648-8BAA-274100487741}"/>
+                    </a:ext>
+                  </a:extLst>
+                </p:cNvPr>
+                <p:cNvSpPr/>
+                <p:nvPr/>
+              </p:nvSpPr>
+              <p:spPr>
+                <a:xfrm>
+                  <a:off x="2255025" y="795867"/>
+                  <a:ext cx="314712" cy="311821"/>
+                </a:xfrm>
+                <a:prstGeom prst="rect">
+                  <a:avLst/>
+                </a:prstGeom>
+                <a:noFill/>
+                <a:ln>
+                  <a:solidFill>
+                    <a:schemeClr val="tx1"/>
+                  </a:solidFill>
+                </a:ln>
+              </p:spPr>
+              <p:style>
+                <a:lnRef idx="2">
+                  <a:schemeClr val="accent1">
+                    <a:shade val="50000"/>
+                  </a:schemeClr>
+                </a:lnRef>
+                <a:fillRef idx="1">
+                  <a:schemeClr val="accent1"/>
+                </a:fillRef>
+                <a:effectRef idx="0">
+                  <a:schemeClr val="accent1"/>
+                </a:effectRef>
+                <a:fontRef idx="minor">
+                  <a:schemeClr val="lt1"/>
+                </a:fontRef>
+              </p:style>
+              <p:txBody>
+                <a:bodyPr rtlCol="0" anchor="ctr"/>
+                <a:lstStyle/>
+                <a:p>
+                  <a:pPr algn="ctr"/>
+                  <a:endParaRPr lang="en-IT"/>
+                </a:p>
+              </p:txBody>
+            </p:sp>
+            <p:sp>
+              <p:nvSpPr>
+                <p:cNvPr id="114" name="Rectangle 113">
+                  <a:extLst>
+                    <a:ext uri="{FF2B5EF4-FFF2-40B4-BE49-F238E27FC236}">
+                      <a16:creationId xmlns:a16="http://schemas.microsoft.com/office/drawing/2014/main" id="{4082BEFE-28D1-8C41-9762-CC9AEDA6C3BD}"/>
+                    </a:ext>
+                  </a:extLst>
+                </p:cNvPr>
+                <p:cNvSpPr/>
+                <p:nvPr/>
+              </p:nvSpPr>
+              <p:spPr>
+                <a:xfrm>
+                  <a:off x="2569737" y="795867"/>
+                  <a:ext cx="314712" cy="311821"/>
+                </a:xfrm>
+                <a:prstGeom prst="rect">
+                  <a:avLst/>
+                </a:prstGeom>
+                <a:noFill/>
+                <a:ln>
+                  <a:solidFill>
+                    <a:schemeClr val="tx1"/>
+                  </a:solidFill>
+                </a:ln>
+              </p:spPr>
+              <p:style>
+                <a:lnRef idx="2">
+                  <a:schemeClr val="accent1">
+                    <a:shade val="50000"/>
+                  </a:schemeClr>
+                </a:lnRef>
+                <a:fillRef idx="1">
+                  <a:schemeClr val="accent1"/>
+                </a:fillRef>
+                <a:effectRef idx="0">
+                  <a:schemeClr val="accent1"/>
+                </a:effectRef>
+                <a:fontRef idx="minor">
+                  <a:schemeClr val="lt1"/>
+                </a:fontRef>
+              </p:style>
+              <p:txBody>
+                <a:bodyPr rtlCol="0" anchor="ctr"/>
+                <a:lstStyle/>
+                <a:p>
+                  <a:pPr algn="ctr"/>
+                  <a:endParaRPr lang="en-IT"/>
+                </a:p>
+              </p:txBody>
+            </p:sp>
+          </p:grpSp>
+        </p:grpSp>
+        <p:grpSp>
+          <p:nvGrpSpPr>
+            <p:cNvPr id="98" name="Group 97">
+              <a:extLst>
+                <a:ext uri="{FF2B5EF4-FFF2-40B4-BE49-F238E27FC236}">
+                  <a16:creationId xmlns:a16="http://schemas.microsoft.com/office/drawing/2014/main" id="{315B57EC-2A74-1846-A3DE-0CF1BF67F9F6}"/>
+                </a:ext>
+              </a:extLst>
+            </p:cNvPr>
+            <p:cNvGrpSpPr/>
+            <p:nvPr/>
+          </p:nvGrpSpPr>
+          <p:grpSpPr>
+            <a:xfrm>
+              <a:off x="1625601" y="1419509"/>
+              <a:ext cx="1258848" cy="623642"/>
+              <a:chOff x="1625601" y="795867"/>
+              <a:chExt cx="1258848" cy="623642"/>
+            </a:xfrm>
+          </p:grpSpPr>
+          <p:grpSp>
+            <p:nvGrpSpPr>
+              <p:cNvPr id="99" name="Group 98">
+                <a:extLst>
+                  <a:ext uri="{FF2B5EF4-FFF2-40B4-BE49-F238E27FC236}">
+                    <a16:creationId xmlns:a16="http://schemas.microsoft.com/office/drawing/2014/main" id="{58721936-BEAC-5B40-8BB4-59AF56FD137B}"/>
+                  </a:ext>
+                </a:extLst>
+              </p:cNvPr>
+              <p:cNvGrpSpPr/>
+              <p:nvPr/>
+            </p:nvGrpSpPr>
+            <p:grpSpPr>
+              <a:xfrm>
+                <a:off x="1625601" y="795867"/>
+                <a:ext cx="1258848" cy="311821"/>
+                <a:chOff x="1625601" y="795867"/>
+                <a:chExt cx="1258848" cy="311821"/>
+              </a:xfrm>
+            </p:grpSpPr>
+            <p:sp>
+              <p:nvSpPr>
+                <p:cNvPr id="105" name="Rectangle 104">
+                  <a:extLst>
+                    <a:ext uri="{FF2B5EF4-FFF2-40B4-BE49-F238E27FC236}">
+                      <a16:creationId xmlns:a16="http://schemas.microsoft.com/office/drawing/2014/main" id="{33EF118A-2B14-1146-9C50-BCAA9E27C721}"/>
+                    </a:ext>
+                  </a:extLst>
+                </p:cNvPr>
+                <p:cNvSpPr/>
+                <p:nvPr/>
+              </p:nvSpPr>
+              <p:spPr>
+                <a:xfrm>
+                  <a:off x="1625601" y="795867"/>
+                  <a:ext cx="314712" cy="311821"/>
+                </a:xfrm>
+                <a:prstGeom prst="rect">
+                  <a:avLst/>
+                </a:prstGeom>
+                <a:noFill/>
+                <a:ln>
+                  <a:solidFill>
+                    <a:schemeClr val="tx1"/>
+                  </a:solidFill>
+                </a:ln>
+              </p:spPr>
+              <p:style>
+                <a:lnRef idx="2">
+                  <a:schemeClr val="accent1">
+                    <a:shade val="50000"/>
+                  </a:schemeClr>
+                </a:lnRef>
+                <a:fillRef idx="1">
+                  <a:schemeClr val="accent1"/>
+                </a:fillRef>
+                <a:effectRef idx="0">
+                  <a:schemeClr val="accent1"/>
+                </a:effectRef>
+                <a:fontRef idx="minor">
+                  <a:schemeClr val="lt1"/>
+                </a:fontRef>
+              </p:style>
+              <p:txBody>
+                <a:bodyPr rtlCol="0" anchor="ctr"/>
+                <a:lstStyle/>
+                <a:p>
+                  <a:pPr algn="ctr"/>
+                  <a:endParaRPr lang="en-IT"/>
+                </a:p>
+              </p:txBody>
+            </p:sp>
+            <p:sp>
+              <p:nvSpPr>
+                <p:cNvPr id="106" name="Rectangle 105">
+                  <a:extLst>
+                    <a:ext uri="{FF2B5EF4-FFF2-40B4-BE49-F238E27FC236}">
+                      <a16:creationId xmlns:a16="http://schemas.microsoft.com/office/drawing/2014/main" id="{524E7AD6-EEEB-0D44-9B66-99F9B5CCEC49}"/>
+                    </a:ext>
+                  </a:extLst>
+                </p:cNvPr>
+                <p:cNvSpPr/>
+                <p:nvPr/>
+              </p:nvSpPr>
+              <p:spPr>
+                <a:xfrm>
+                  <a:off x="1940313" y="795867"/>
+                  <a:ext cx="314712" cy="311821"/>
+                </a:xfrm>
+                <a:prstGeom prst="rect">
+                  <a:avLst/>
+                </a:prstGeom>
+                <a:noFill/>
+                <a:ln>
+                  <a:solidFill>
+                    <a:schemeClr val="tx1"/>
+                  </a:solidFill>
+                </a:ln>
+              </p:spPr>
+              <p:style>
+                <a:lnRef idx="2">
+                  <a:schemeClr val="accent1">
+                    <a:shade val="50000"/>
+                  </a:schemeClr>
+                </a:lnRef>
+                <a:fillRef idx="1">
+                  <a:schemeClr val="accent1"/>
+                </a:fillRef>
+                <a:effectRef idx="0">
+                  <a:schemeClr val="accent1"/>
+                </a:effectRef>
+                <a:fontRef idx="minor">
+                  <a:schemeClr val="lt1"/>
+                </a:fontRef>
+              </p:style>
+              <p:txBody>
+                <a:bodyPr rtlCol="0" anchor="ctr"/>
+                <a:lstStyle/>
+                <a:p>
+                  <a:pPr algn="ctr"/>
+                  <a:endParaRPr lang="en-IT"/>
+                </a:p>
+              </p:txBody>
+            </p:sp>
+            <p:sp>
+              <p:nvSpPr>
+                <p:cNvPr id="107" name="Rectangle 106">
+                  <a:extLst>
+                    <a:ext uri="{FF2B5EF4-FFF2-40B4-BE49-F238E27FC236}">
+                      <a16:creationId xmlns:a16="http://schemas.microsoft.com/office/drawing/2014/main" id="{20825CE1-D7B2-CB46-B156-8011B41E0339}"/>
+                    </a:ext>
+                  </a:extLst>
+                </p:cNvPr>
+                <p:cNvSpPr/>
+                <p:nvPr/>
+              </p:nvSpPr>
+              <p:spPr>
+                <a:xfrm>
+                  <a:off x="2255025" y="795867"/>
+                  <a:ext cx="314712" cy="311821"/>
+                </a:xfrm>
+                <a:prstGeom prst="rect">
+                  <a:avLst/>
+                </a:prstGeom>
+                <a:noFill/>
+                <a:ln>
+                  <a:solidFill>
+                    <a:schemeClr val="tx1"/>
+                  </a:solidFill>
+                </a:ln>
+              </p:spPr>
+              <p:style>
+                <a:lnRef idx="2">
+                  <a:schemeClr val="accent1">
+                    <a:shade val="50000"/>
+                  </a:schemeClr>
+                </a:lnRef>
+                <a:fillRef idx="1">
+                  <a:schemeClr val="accent1"/>
+                </a:fillRef>
+                <a:effectRef idx="0">
+                  <a:schemeClr val="accent1"/>
+                </a:effectRef>
+                <a:fontRef idx="minor">
+                  <a:schemeClr val="lt1"/>
+                </a:fontRef>
+              </p:style>
+              <p:txBody>
+                <a:bodyPr rtlCol="0" anchor="ctr"/>
+                <a:lstStyle/>
+                <a:p>
+                  <a:pPr algn="ctr"/>
+                  <a:endParaRPr lang="en-IT"/>
+                </a:p>
+              </p:txBody>
+            </p:sp>
+            <p:sp>
+              <p:nvSpPr>
+                <p:cNvPr id="108" name="Rectangle 107">
+                  <a:extLst>
+                    <a:ext uri="{FF2B5EF4-FFF2-40B4-BE49-F238E27FC236}">
+                      <a16:creationId xmlns:a16="http://schemas.microsoft.com/office/drawing/2014/main" id="{7DC655D9-8BD5-C141-AA2D-3C38DFC5E792}"/>
+                    </a:ext>
+                  </a:extLst>
+                </p:cNvPr>
+                <p:cNvSpPr/>
+                <p:nvPr/>
+              </p:nvSpPr>
+              <p:spPr>
+                <a:xfrm>
+                  <a:off x="2569737" y="795867"/>
+                  <a:ext cx="314712" cy="311821"/>
+                </a:xfrm>
+                <a:prstGeom prst="rect">
+                  <a:avLst/>
+                </a:prstGeom>
+                <a:noFill/>
+                <a:ln>
+                  <a:solidFill>
+                    <a:schemeClr val="tx1"/>
+                  </a:solidFill>
+                </a:ln>
+              </p:spPr>
+              <p:style>
+                <a:lnRef idx="2">
+                  <a:schemeClr val="accent1">
+                    <a:shade val="50000"/>
+                  </a:schemeClr>
+                </a:lnRef>
+                <a:fillRef idx="1">
+                  <a:schemeClr val="accent1"/>
+                </a:fillRef>
+                <a:effectRef idx="0">
+                  <a:schemeClr val="accent1"/>
+                </a:effectRef>
+                <a:fontRef idx="minor">
+                  <a:schemeClr val="lt1"/>
+                </a:fontRef>
+              </p:style>
+              <p:txBody>
+                <a:bodyPr rtlCol="0" anchor="ctr"/>
+                <a:lstStyle/>
+                <a:p>
+                  <a:pPr algn="ctr"/>
+                  <a:endParaRPr lang="en-IT"/>
+                </a:p>
+              </p:txBody>
+            </p:sp>
+          </p:grpSp>
+          <p:grpSp>
+            <p:nvGrpSpPr>
+              <p:cNvPr id="100" name="Group 99">
+                <a:extLst>
+                  <a:ext uri="{FF2B5EF4-FFF2-40B4-BE49-F238E27FC236}">
+                    <a16:creationId xmlns:a16="http://schemas.microsoft.com/office/drawing/2014/main" id="{225D2059-9DEA-9040-99D4-FBA82E2B6D0A}"/>
+                  </a:ext>
+                </a:extLst>
+              </p:cNvPr>
+              <p:cNvGrpSpPr/>
+              <p:nvPr/>
+            </p:nvGrpSpPr>
+            <p:grpSpPr>
+              <a:xfrm>
+                <a:off x="1625601" y="1107688"/>
+                <a:ext cx="1258848" cy="311821"/>
+                <a:chOff x="1625601" y="795867"/>
+                <a:chExt cx="1258848" cy="311821"/>
+              </a:xfrm>
+            </p:grpSpPr>
+            <p:sp>
+              <p:nvSpPr>
+                <p:cNvPr id="101" name="Rectangle 100">
+                  <a:extLst>
+                    <a:ext uri="{FF2B5EF4-FFF2-40B4-BE49-F238E27FC236}">
+                      <a16:creationId xmlns:a16="http://schemas.microsoft.com/office/drawing/2014/main" id="{25E27113-4255-DC40-8E0F-2D5E55E620E6}"/>
+                    </a:ext>
+                  </a:extLst>
+                </p:cNvPr>
+                <p:cNvSpPr/>
+                <p:nvPr/>
+              </p:nvSpPr>
+              <p:spPr>
+                <a:xfrm>
+                  <a:off x="1625601" y="795867"/>
+                  <a:ext cx="314712" cy="311821"/>
+                </a:xfrm>
+                <a:prstGeom prst="rect">
+                  <a:avLst/>
+                </a:prstGeom>
+                <a:noFill/>
+                <a:ln>
+                  <a:solidFill>
+                    <a:schemeClr val="tx1"/>
+                  </a:solidFill>
+                </a:ln>
+              </p:spPr>
+              <p:style>
+                <a:lnRef idx="2">
+                  <a:schemeClr val="accent1">
+                    <a:shade val="50000"/>
+                  </a:schemeClr>
+                </a:lnRef>
+                <a:fillRef idx="1">
+                  <a:schemeClr val="accent1"/>
+                </a:fillRef>
+                <a:effectRef idx="0">
+                  <a:schemeClr val="accent1"/>
+                </a:effectRef>
+                <a:fontRef idx="minor">
+                  <a:schemeClr val="lt1"/>
+                </a:fontRef>
+              </p:style>
+              <p:txBody>
+                <a:bodyPr rtlCol="0" anchor="ctr"/>
+                <a:lstStyle/>
+                <a:p>
+                  <a:pPr algn="ctr"/>
+                  <a:endParaRPr lang="en-IT"/>
+                </a:p>
+              </p:txBody>
+            </p:sp>
+            <p:sp>
+              <p:nvSpPr>
+                <p:cNvPr id="102" name="Rectangle 101">
+                  <a:extLst>
+                    <a:ext uri="{FF2B5EF4-FFF2-40B4-BE49-F238E27FC236}">
+                      <a16:creationId xmlns:a16="http://schemas.microsoft.com/office/drawing/2014/main" id="{4A32568C-2ED1-E34E-A95D-F981D63E1194}"/>
+                    </a:ext>
+                  </a:extLst>
+                </p:cNvPr>
+                <p:cNvSpPr/>
+                <p:nvPr/>
+              </p:nvSpPr>
+              <p:spPr>
+                <a:xfrm>
+                  <a:off x="1940313" y="795867"/>
+                  <a:ext cx="314712" cy="311821"/>
+                </a:xfrm>
+                <a:prstGeom prst="rect">
+                  <a:avLst/>
+                </a:prstGeom>
+                <a:noFill/>
+                <a:ln>
+                  <a:solidFill>
+                    <a:schemeClr val="tx1"/>
+                  </a:solidFill>
+                </a:ln>
+              </p:spPr>
+              <p:style>
+                <a:lnRef idx="2">
+                  <a:schemeClr val="accent1">
+                    <a:shade val="50000"/>
+                  </a:schemeClr>
+                </a:lnRef>
+                <a:fillRef idx="1">
+                  <a:schemeClr val="accent1"/>
+                </a:fillRef>
+                <a:effectRef idx="0">
+                  <a:schemeClr val="accent1"/>
+                </a:effectRef>
+                <a:fontRef idx="minor">
+                  <a:schemeClr val="lt1"/>
+                </a:fontRef>
+              </p:style>
+              <p:txBody>
+                <a:bodyPr rtlCol="0" anchor="ctr"/>
+                <a:lstStyle/>
+                <a:p>
+                  <a:pPr algn="ctr"/>
+                  <a:endParaRPr lang="en-IT"/>
+                </a:p>
+              </p:txBody>
+            </p:sp>
+            <p:sp>
+              <p:nvSpPr>
+                <p:cNvPr id="103" name="Rectangle 102">
+                  <a:extLst>
+                    <a:ext uri="{FF2B5EF4-FFF2-40B4-BE49-F238E27FC236}">
+                      <a16:creationId xmlns:a16="http://schemas.microsoft.com/office/drawing/2014/main" id="{F6FF062B-BC6D-7944-9832-F7662AC4FB39}"/>
+                    </a:ext>
+                  </a:extLst>
+                </p:cNvPr>
+                <p:cNvSpPr/>
+                <p:nvPr/>
+              </p:nvSpPr>
+              <p:spPr>
+                <a:xfrm>
+                  <a:off x="2255025" y="795867"/>
+                  <a:ext cx="314712" cy="311821"/>
+                </a:xfrm>
+                <a:prstGeom prst="rect">
+                  <a:avLst/>
+                </a:prstGeom>
+                <a:noFill/>
+                <a:ln>
+                  <a:solidFill>
+                    <a:schemeClr val="tx1"/>
+                  </a:solidFill>
+                </a:ln>
+              </p:spPr>
+              <p:style>
+                <a:lnRef idx="2">
+                  <a:schemeClr val="accent1">
+                    <a:shade val="50000"/>
+                  </a:schemeClr>
+                </a:lnRef>
+                <a:fillRef idx="1">
+                  <a:schemeClr val="accent1"/>
+                </a:fillRef>
+                <a:effectRef idx="0">
+                  <a:schemeClr val="accent1"/>
+                </a:effectRef>
+                <a:fontRef idx="minor">
+                  <a:schemeClr val="lt1"/>
+                </a:fontRef>
+              </p:style>
+              <p:txBody>
+                <a:bodyPr rtlCol="0" anchor="ctr"/>
+                <a:lstStyle/>
+                <a:p>
+                  <a:pPr algn="ctr"/>
+                  <a:endParaRPr lang="en-IT"/>
+                </a:p>
+              </p:txBody>
+            </p:sp>
+            <p:sp>
+              <p:nvSpPr>
+                <p:cNvPr id="104" name="Rectangle 103">
+                  <a:extLst>
+                    <a:ext uri="{FF2B5EF4-FFF2-40B4-BE49-F238E27FC236}">
+                      <a16:creationId xmlns:a16="http://schemas.microsoft.com/office/drawing/2014/main" id="{1AA17DC3-3430-5344-B391-15182CD178AF}"/>
+                    </a:ext>
+                  </a:extLst>
+                </p:cNvPr>
+                <p:cNvSpPr/>
+                <p:nvPr/>
+              </p:nvSpPr>
+              <p:spPr>
+                <a:xfrm>
+                  <a:off x="2569737" y="795867"/>
+                  <a:ext cx="314712" cy="311821"/>
+                </a:xfrm>
+                <a:prstGeom prst="rect">
+                  <a:avLst/>
+                </a:prstGeom>
+                <a:noFill/>
+                <a:ln>
+                  <a:solidFill>
+                    <a:schemeClr val="tx1"/>
+                  </a:solidFill>
+                </a:ln>
+              </p:spPr>
+              <p:style>
+                <a:lnRef idx="2">
+                  <a:schemeClr val="accent1">
+                    <a:shade val="50000"/>
+                  </a:schemeClr>
+                </a:lnRef>
+                <a:fillRef idx="1">
+                  <a:schemeClr val="accent1"/>
+                </a:fillRef>
+                <a:effectRef idx="0">
+                  <a:schemeClr val="accent1"/>
+                </a:effectRef>
+                <a:fontRef idx="minor">
+                  <a:schemeClr val="lt1"/>
+                </a:fontRef>
+              </p:style>
+              <p:txBody>
+                <a:bodyPr rtlCol="0" anchor="ctr"/>
+                <a:lstStyle/>
+                <a:p>
+                  <a:pPr algn="ctr"/>
+                  <a:endParaRPr lang="en-IT"/>
+                </a:p>
+              </p:txBody>
+            </p:sp>
+          </p:grpSp>
+        </p:grpSp>
+      </p:grpSp>
+      <p:grpSp>
+        <p:nvGrpSpPr>
+          <p:cNvPr id="119" name="Group 118">
+            <a:extLst>
+              <a:ext uri="{FF2B5EF4-FFF2-40B4-BE49-F238E27FC236}">
+                <a16:creationId xmlns:a16="http://schemas.microsoft.com/office/drawing/2014/main" id="{9E7CD42D-7D13-1A44-84F3-79B102A19D8C}"/>
+              </a:ext>
+            </a:extLst>
+          </p:cNvPr>
+          <p:cNvGrpSpPr/>
+          <p:nvPr/>
+        </p:nvGrpSpPr>
+        <p:grpSpPr>
+          <a:xfrm>
+            <a:off x="478023" y="5132083"/>
+            <a:ext cx="1057638" cy="1062913"/>
+            <a:chOff x="1625601" y="795867"/>
+            <a:chExt cx="1258848" cy="1247284"/>
+          </a:xfrm>
+        </p:grpSpPr>
+        <p:grpSp>
+          <p:nvGrpSpPr>
+            <p:cNvPr id="120" name="Group 119">
+              <a:extLst>
+                <a:ext uri="{FF2B5EF4-FFF2-40B4-BE49-F238E27FC236}">
+                  <a16:creationId xmlns:a16="http://schemas.microsoft.com/office/drawing/2014/main" id="{60D27CC3-6770-8B46-9C7D-B78381F355C3}"/>
+                </a:ext>
+              </a:extLst>
+            </p:cNvPr>
+            <p:cNvGrpSpPr/>
+            <p:nvPr/>
+          </p:nvGrpSpPr>
+          <p:grpSpPr>
+            <a:xfrm>
+              <a:off x="1625601" y="795867"/>
+              <a:ext cx="1258848" cy="623642"/>
+              <a:chOff x="1625601" y="795867"/>
+              <a:chExt cx="1258848" cy="623642"/>
+            </a:xfrm>
+          </p:grpSpPr>
+          <p:grpSp>
+            <p:nvGrpSpPr>
+              <p:cNvPr id="132" name="Group 131">
+                <a:extLst>
+                  <a:ext uri="{FF2B5EF4-FFF2-40B4-BE49-F238E27FC236}">
+                    <a16:creationId xmlns:a16="http://schemas.microsoft.com/office/drawing/2014/main" id="{FAD3BCF9-92AA-1646-9E86-9A951C3025C6}"/>
+                  </a:ext>
+                </a:extLst>
+              </p:cNvPr>
+              <p:cNvGrpSpPr/>
+              <p:nvPr/>
+            </p:nvGrpSpPr>
+            <p:grpSpPr>
+              <a:xfrm>
+                <a:off x="1625601" y="795867"/>
+                <a:ext cx="1258848" cy="311821"/>
+                <a:chOff x="1625601" y="795867"/>
+                <a:chExt cx="1258848" cy="311821"/>
+              </a:xfrm>
+            </p:grpSpPr>
+            <p:sp>
+              <p:nvSpPr>
+                <p:cNvPr id="138" name="Rectangle 137">
+                  <a:extLst>
+                    <a:ext uri="{FF2B5EF4-FFF2-40B4-BE49-F238E27FC236}">
+                      <a16:creationId xmlns:a16="http://schemas.microsoft.com/office/drawing/2014/main" id="{3E8F1E47-D03F-D540-8241-8415B4F6A3C9}"/>
+                    </a:ext>
+                  </a:extLst>
+                </p:cNvPr>
+                <p:cNvSpPr/>
+                <p:nvPr/>
+              </p:nvSpPr>
+              <p:spPr>
+                <a:xfrm>
+                  <a:off x="1625601" y="795867"/>
+                  <a:ext cx="314712" cy="311821"/>
+                </a:xfrm>
+                <a:prstGeom prst="rect">
+                  <a:avLst/>
+                </a:prstGeom>
+                <a:noFill/>
+                <a:ln>
+                  <a:solidFill>
+                    <a:schemeClr val="tx1"/>
+                  </a:solidFill>
+                </a:ln>
+              </p:spPr>
+              <p:style>
+                <a:lnRef idx="2">
+                  <a:schemeClr val="accent1">
+                    <a:shade val="50000"/>
+                  </a:schemeClr>
+                </a:lnRef>
+                <a:fillRef idx="1">
+                  <a:schemeClr val="accent1"/>
+                </a:fillRef>
+                <a:effectRef idx="0">
+                  <a:schemeClr val="accent1"/>
+                </a:effectRef>
+                <a:fontRef idx="minor">
+                  <a:schemeClr val="lt1"/>
+                </a:fontRef>
+              </p:style>
+              <p:txBody>
+                <a:bodyPr rtlCol="0" anchor="ctr"/>
+                <a:lstStyle/>
+                <a:p>
+                  <a:pPr algn="ctr"/>
+                  <a:endParaRPr lang="en-IT"/>
+                </a:p>
+              </p:txBody>
+            </p:sp>
+            <p:sp>
+              <p:nvSpPr>
+                <p:cNvPr id="139" name="Rectangle 138">
+                  <a:extLst>
+                    <a:ext uri="{FF2B5EF4-FFF2-40B4-BE49-F238E27FC236}">
+                      <a16:creationId xmlns:a16="http://schemas.microsoft.com/office/drawing/2014/main" id="{0D4F5E64-F999-CA40-80F1-3DC5EFB0034E}"/>
+                    </a:ext>
+                  </a:extLst>
+                </p:cNvPr>
+                <p:cNvSpPr/>
+                <p:nvPr/>
+              </p:nvSpPr>
+              <p:spPr>
+                <a:xfrm>
+                  <a:off x="1940313" y="795867"/>
+                  <a:ext cx="314712" cy="311821"/>
+                </a:xfrm>
+                <a:prstGeom prst="rect">
+                  <a:avLst/>
+                </a:prstGeom>
+                <a:noFill/>
+                <a:ln>
+                  <a:solidFill>
+                    <a:schemeClr val="tx1"/>
+                  </a:solidFill>
+                </a:ln>
+              </p:spPr>
+              <p:style>
+                <a:lnRef idx="2">
+                  <a:schemeClr val="accent1">
+                    <a:shade val="50000"/>
+                  </a:schemeClr>
+                </a:lnRef>
+                <a:fillRef idx="1">
+                  <a:schemeClr val="accent1"/>
+                </a:fillRef>
+                <a:effectRef idx="0">
+                  <a:schemeClr val="accent1"/>
+                </a:effectRef>
+                <a:fontRef idx="minor">
+                  <a:schemeClr val="lt1"/>
+                </a:fontRef>
+              </p:style>
+              <p:txBody>
+                <a:bodyPr rtlCol="0" anchor="ctr"/>
+                <a:lstStyle/>
+                <a:p>
+                  <a:pPr algn="ctr"/>
+                  <a:endParaRPr lang="en-IT"/>
+                </a:p>
+              </p:txBody>
+            </p:sp>
+            <p:sp>
+              <p:nvSpPr>
+                <p:cNvPr id="140" name="Rectangle 139">
+                  <a:extLst>
+                    <a:ext uri="{FF2B5EF4-FFF2-40B4-BE49-F238E27FC236}">
+                      <a16:creationId xmlns:a16="http://schemas.microsoft.com/office/drawing/2014/main" id="{167B1B54-D30E-FF41-BDF5-DD5CCD71F9F5}"/>
+                    </a:ext>
+                  </a:extLst>
+                </p:cNvPr>
+                <p:cNvSpPr/>
+                <p:nvPr/>
+              </p:nvSpPr>
+              <p:spPr>
+                <a:xfrm>
+                  <a:off x="2255025" y="795867"/>
+                  <a:ext cx="314712" cy="311821"/>
+                </a:xfrm>
+                <a:prstGeom prst="rect">
+                  <a:avLst/>
+                </a:prstGeom>
+                <a:noFill/>
+                <a:ln>
+                  <a:solidFill>
+                    <a:schemeClr val="tx1"/>
+                  </a:solidFill>
+                </a:ln>
+              </p:spPr>
+              <p:style>
+                <a:lnRef idx="2">
+                  <a:schemeClr val="accent1">
+                    <a:shade val="50000"/>
+                  </a:schemeClr>
+                </a:lnRef>
+                <a:fillRef idx="1">
+                  <a:schemeClr val="accent1"/>
+                </a:fillRef>
+                <a:effectRef idx="0">
+                  <a:schemeClr val="accent1"/>
+                </a:effectRef>
+                <a:fontRef idx="minor">
+                  <a:schemeClr val="lt1"/>
+                </a:fontRef>
+              </p:style>
+              <p:txBody>
+                <a:bodyPr rtlCol="0" anchor="ctr"/>
+                <a:lstStyle/>
+                <a:p>
+                  <a:pPr algn="ctr"/>
+                  <a:endParaRPr lang="en-IT"/>
+                </a:p>
+              </p:txBody>
+            </p:sp>
+            <p:sp>
+              <p:nvSpPr>
+                <p:cNvPr id="141" name="Rectangle 140">
+                  <a:extLst>
+                    <a:ext uri="{FF2B5EF4-FFF2-40B4-BE49-F238E27FC236}">
+                      <a16:creationId xmlns:a16="http://schemas.microsoft.com/office/drawing/2014/main" id="{AD164FE8-D191-0640-814E-1F2AEF22E5F2}"/>
+                    </a:ext>
+                  </a:extLst>
+                </p:cNvPr>
+                <p:cNvSpPr/>
+                <p:nvPr/>
+              </p:nvSpPr>
+              <p:spPr>
+                <a:xfrm>
+                  <a:off x="2569737" y="795867"/>
+                  <a:ext cx="314712" cy="311821"/>
+                </a:xfrm>
+                <a:prstGeom prst="rect">
+                  <a:avLst/>
+                </a:prstGeom>
+                <a:noFill/>
+                <a:ln>
+                  <a:solidFill>
+                    <a:schemeClr val="tx1"/>
+                  </a:solidFill>
+                </a:ln>
+              </p:spPr>
+              <p:style>
+                <a:lnRef idx="2">
+                  <a:schemeClr val="accent1">
+                    <a:shade val="50000"/>
+                  </a:schemeClr>
+                </a:lnRef>
+                <a:fillRef idx="1">
+                  <a:schemeClr val="accent1"/>
+                </a:fillRef>
+                <a:effectRef idx="0">
+                  <a:schemeClr val="accent1"/>
+                </a:effectRef>
+                <a:fontRef idx="minor">
+                  <a:schemeClr val="lt1"/>
+                </a:fontRef>
+              </p:style>
+              <p:txBody>
+                <a:bodyPr rtlCol="0" anchor="ctr"/>
+                <a:lstStyle/>
+                <a:p>
+                  <a:pPr algn="ctr"/>
+                  <a:endParaRPr lang="en-IT"/>
+                </a:p>
+              </p:txBody>
+            </p:sp>
+          </p:grpSp>
+          <p:grpSp>
+            <p:nvGrpSpPr>
+              <p:cNvPr id="133" name="Group 132">
+                <a:extLst>
+                  <a:ext uri="{FF2B5EF4-FFF2-40B4-BE49-F238E27FC236}">
+                    <a16:creationId xmlns:a16="http://schemas.microsoft.com/office/drawing/2014/main" id="{FCBA4D2F-E798-CB4E-92AA-61CF34ED7B31}"/>
+                  </a:ext>
+                </a:extLst>
+              </p:cNvPr>
+              <p:cNvGrpSpPr/>
+              <p:nvPr/>
+            </p:nvGrpSpPr>
+            <p:grpSpPr>
+              <a:xfrm>
+                <a:off x="1625601" y="1107688"/>
+                <a:ext cx="1258848" cy="311821"/>
+                <a:chOff x="1625601" y="795867"/>
+                <a:chExt cx="1258848" cy="311821"/>
+              </a:xfrm>
+            </p:grpSpPr>
+            <p:sp>
+              <p:nvSpPr>
+                <p:cNvPr id="134" name="Rectangle 133">
+                  <a:extLst>
+                    <a:ext uri="{FF2B5EF4-FFF2-40B4-BE49-F238E27FC236}">
+                      <a16:creationId xmlns:a16="http://schemas.microsoft.com/office/drawing/2014/main" id="{E004F941-951A-1245-B635-3FB95A974FD9}"/>
+                    </a:ext>
+                  </a:extLst>
+                </p:cNvPr>
+                <p:cNvSpPr/>
+                <p:nvPr/>
+              </p:nvSpPr>
+              <p:spPr>
+                <a:xfrm>
+                  <a:off x="1625601" y="795867"/>
+                  <a:ext cx="314712" cy="311821"/>
+                </a:xfrm>
+                <a:prstGeom prst="rect">
+                  <a:avLst/>
+                </a:prstGeom>
+                <a:noFill/>
+                <a:ln>
+                  <a:solidFill>
+                    <a:schemeClr val="tx1"/>
+                  </a:solidFill>
+                </a:ln>
+              </p:spPr>
+              <p:style>
+                <a:lnRef idx="2">
+                  <a:schemeClr val="accent1">
+                    <a:shade val="50000"/>
+                  </a:schemeClr>
+                </a:lnRef>
+                <a:fillRef idx="1">
+                  <a:schemeClr val="accent1"/>
+                </a:fillRef>
+                <a:effectRef idx="0">
+                  <a:schemeClr val="accent1"/>
+                </a:effectRef>
+                <a:fontRef idx="minor">
+                  <a:schemeClr val="lt1"/>
+                </a:fontRef>
+              </p:style>
+              <p:txBody>
+                <a:bodyPr rtlCol="0" anchor="ctr"/>
+                <a:lstStyle/>
+                <a:p>
+                  <a:pPr algn="ctr"/>
+                  <a:endParaRPr lang="en-IT"/>
+                </a:p>
+              </p:txBody>
+            </p:sp>
+            <p:sp>
+              <p:nvSpPr>
+                <p:cNvPr id="135" name="Rectangle 134">
+                  <a:extLst>
+                    <a:ext uri="{FF2B5EF4-FFF2-40B4-BE49-F238E27FC236}">
+                      <a16:creationId xmlns:a16="http://schemas.microsoft.com/office/drawing/2014/main" id="{B2823E2D-4C1F-A24A-9DC3-EF205F58915E}"/>
+                    </a:ext>
+                  </a:extLst>
+                </p:cNvPr>
+                <p:cNvSpPr/>
+                <p:nvPr/>
+              </p:nvSpPr>
+              <p:spPr>
+                <a:xfrm>
+                  <a:off x="1940313" y="795867"/>
+                  <a:ext cx="314712" cy="311821"/>
+                </a:xfrm>
+                <a:prstGeom prst="rect">
+                  <a:avLst/>
+                </a:prstGeom>
+                <a:noFill/>
+                <a:ln>
+                  <a:solidFill>
+                    <a:schemeClr val="tx1"/>
+                  </a:solidFill>
+                </a:ln>
+              </p:spPr>
+              <p:style>
+                <a:lnRef idx="2">
+                  <a:schemeClr val="accent1">
+                    <a:shade val="50000"/>
+                  </a:schemeClr>
+                </a:lnRef>
+                <a:fillRef idx="1">
+                  <a:schemeClr val="accent1"/>
+                </a:fillRef>
+                <a:effectRef idx="0">
+                  <a:schemeClr val="accent1"/>
+                </a:effectRef>
+                <a:fontRef idx="minor">
+                  <a:schemeClr val="lt1"/>
+                </a:fontRef>
+              </p:style>
+              <p:txBody>
+                <a:bodyPr rtlCol="0" anchor="ctr"/>
+                <a:lstStyle/>
+                <a:p>
+                  <a:pPr algn="ctr"/>
+                  <a:endParaRPr lang="en-IT"/>
+                </a:p>
+              </p:txBody>
+            </p:sp>
+            <p:sp>
+              <p:nvSpPr>
+                <p:cNvPr id="136" name="Rectangle 135">
+                  <a:extLst>
+                    <a:ext uri="{FF2B5EF4-FFF2-40B4-BE49-F238E27FC236}">
+                      <a16:creationId xmlns:a16="http://schemas.microsoft.com/office/drawing/2014/main" id="{E4A94872-88FF-EF41-AE25-5560B4566D19}"/>
+                    </a:ext>
+                  </a:extLst>
+                </p:cNvPr>
+                <p:cNvSpPr/>
+                <p:nvPr/>
+              </p:nvSpPr>
+              <p:spPr>
+                <a:xfrm>
+                  <a:off x="2255025" y="795867"/>
+                  <a:ext cx="314712" cy="311821"/>
+                </a:xfrm>
+                <a:prstGeom prst="rect">
+                  <a:avLst/>
+                </a:prstGeom>
+                <a:noFill/>
+                <a:ln>
+                  <a:solidFill>
+                    <a:schemeClr val="tx1"/>
+                  </a:solidFill>
+                </a:ln>
+              </p:spPr>
+              <p:style>
+                <a:lnRef idx="2">
+                  <a:schemeClr val="accent1">
+                    <a:shade val="50000"/>
+                  </a:schemeClr>
+                </a:lnRef>
+                <a:fillRef idx="1">
+                  <a:schemeClr val="accent1"/>
+                </a:fillRef>
+                <a:effectRef idx="0">
+                  <a:schemeClr val="accent1"/>
+                </a:effectRef>
+                <a:fontRef idx="minor">
+                  <a:schemeClr val="lt1"/>
+                </a:fontRef>
+              </p:style>
+              <p:txBody>
+                <a:bodyPr rtlCol="0" anchor="ctr"/>
+                <a:lstStyle/>
+                <a:p>
+                  <a:pPr algn="ctr"/>
+                  <a:endParaRPr lang="en-IT"/>
+                </a:p>
+              </p:txBody>
+            </p:sp>
+            <p:sp>
+              <p:nvSpPr>
+                <p:cNvPr id="137" name="Rectangle 136">
+                  <a:extLst>
+                    <a:ext uri="{FF2B5EF4-FFF2-40B4-BE49-F238E27FC236}">
+                      <a16:creationId xmlns:a16="http://schemas.microsoft.com/office/drawing/2014/main" id="{C0AFFB5B-C8F0-8542-92CC-AB61463E4CAE}"/>
+                    </a:ext>
+                  </a:extLst>
+                </p:cNvPr>
+                <p:cNvSpPr/>
+                <p:nvPr/>
+              </p:nvSpPr>
+              <p:spPr>
+                <a:xfrm>
+                  <a:off x="2569737" y="795867"/>
+                  <a:ext cx="314712" cy="311821"/>
+                </a:xfrm>
+                <a:prstGeom prst="rect">
+                  <a:avLst/>
+                </a:prstGeom>
+                <a:noFill/>
+                <a:ln>
+                  <a:solidFill>
+                    <a:schemeClr val="tx1"/>
+                  </a:solidFill>
+                </a:ln>
+              </p:spPr>
+              <p:style>
+                <a:lnRef idx="2">
+                  <a:schemeClr val="accent1">
+                    <a:shade val="50000"/>
+                  </a:schemeClr>
+                </a:lnRef>
+                <a:fillRef idx="1">
+                  <a:schemeClr val="accent1"/>
+                </a:fillRef>
+                <a:effectRef idx="0">
+                  <a:schemeClr val="accent1"/>
+                </a:effectRef>
+                <a:fontRef idx="minor">
+                  <a:schemeClr val="lt1"/>
+                </a:fontRef>
+              </p:style>
+              <p:txBody>
+                <a:bodyPr rtlCol="0" anchor="ctr"/>
+                <a:lstStyle/>
+                <a:p>
+                  <a:pPr algn="ctr"/>
+                  <a:endParaRPr lang="en-IT"/>
+                </a:p>
+              </p:txBody>
+            </p:sp>
+          </p:grpSp>
+        </p:grpSp>
+        <p:grpSp>
+          <p:nvGrpSpPr>
+            <p:cNvPr id="121" name="Group 120">
+              <a:extLst>
+                <a:ext uri="{FF2B5EF4-FFF2-40B4-BE49-F238E27FC236}">
+                  <a16:creationId xmlns:a16="http://schemas.microsoft.com/office/drawing/2014/main" id="{0328C44B-DF10-3942-819B-FA877C3A61DA}"/>
+                </a:ext>
+              </a:extLst>
+            </p:cNvPr>
+            <p:cNvGrpSpPr/>
+            <p:nvPr/>
+          </p:nvGrpSpPr>
+          <p:grpSpPr>
+            <a:xfrm>
+              <a:off x="1625601" y="1419509"/>
+              <a:ext cx="1258848" cy="623642"/>
+              <a:chOff x="1625601" y="795867"/>
+              <a:chExt cx="1258848" cy="623642"/>
+            </a:xfrm>
+          </p:grpSpPr>
+          <p:grpSp>
+            <p:nvGrpSpPr>
+              <p:cNvPr id="122" name="Group 121">
+                <a:extLst>
+                  <a:ext uri="{FF2B5EF4-FFF2-40B4-BE49-F238E27FC236}">
+                    <a16:creationId xmlns:a16="http://schemas.microsoft.com/office/drawing/2014/main" id="{1D97072E-0536-4645-8A7F-E7F0EE44847F}"/>
+                  </a:ext>
+                </a:extLst>
+              </p:cNvPr>
+              <p:cNvGrpSpPr/>
+              <p:nvPr/>
+            </p:nvGrpSpPr>
+            <p:grpSpPr>
+              <a:xfrm>
+                <a:off x="1625601" y="795867"/>
+                <a:ext cx="1258848" cy="311821"/>
+                <a:chOff x="1625601" y="795867"/>
+                <a:chExt cx="1258848" cy="311821"/>
+              </a:xfrm>
+            </p:grpSpPr>
+            <p:sp>
+              <p:nvSpPr>
+                <p:cNvPr id="128" name="Rectangle 127">
+                  <a:extLst>
+                    <a:ext uri="{FF2B5EF4-FFF2-40B4-BE49-F238E27FC236}">
+                      <a16:creationId xmlns:a16="http://schemas.microsoft.com/office/drawing/2014/main" id="{00F480AD-1123-CC41-8F8A-E3DCD3B916D1}"/>
+                    </a:ext>
+                  </a:extLst>
+                </p:cNvPr>
+                <p:cNvSpPr/>
+                <p:nvPr/>
+              </p:nvSpPr>
+              <p:spPr>
+                <a:xfrm>
+                  <a:off x="1625601" y="795867"/>
+                  <a:ext cx="314712" cy="311821"/>
+                </a:xfrm>
+                <a:prstGeom prst="rect">
+                  <a:avLst/>
+                </a:prstGeom>
+                <a:noFill/>
+                <a:ln>
+                  <a:solidFill>
+                    <a:schemeClr val="tx1"/>
+                  </a:solidFill>
+                </a:ln>
+              </p:spPr>
+              <p:style>
+                <a:lnRef idx="2">
+                  <a:schemeClr val="accent1">
+                    <a:shade val="50000"/>
+                  </a:schemeClr>
+                </a:lnRef>
+                <a:fillRef idx="1">
+                  <a:schemeClr val="accent1"/>
+                </a:fillRef>
+                <a:effectRef idx="0">
+                  <a:schemeClr val="accent1"/>
+                </a:effectRef>
+                <a:fontRef idx="minor">
+                  <a:schemeClr val="lt1"/>
+                </a:fontRef>
+              </p:style>
+              <p:txBody>
+                <a:bodyPr rtlCol="0" anchor="ctr"/>
+                <a:lstStyle/>
+                <a:p>
+                  <a:pPr algn="ctr"/>
+                  <a:endParaRPr lang="en-IT"/>
+                </a:p>
+              </p:txBody>
+            </p:sp>
+            <p:sp>
+              <p:nvSpPr>
+                <p:cNvPr id="129" name="Rectangle 128">
+                  <a:extLst>
+                    <a:ext uri="{FF2B5EF4-FFF2-40B4-BE49-F238E27FC236}">
+                      <a16:creationId xmlns:a16="http://schemas.microsoft.com/office/drawing/2014/main" id="{A5E013C1-4EC2-5D43-8568-0D5A9C08D8B7}"/>
+                    </a:ext>
+                  </a:extLst>
+                </p:cNvPr>
+                <p:cNvSpPr/>
+                <p:nvPr/>
+              </p:nvSpPr>
+              <p:spPr>
+                <a:xfrm>
+                  <a:off x="1940313" y="795867"/>
+                  <a:ext cx="314712" cy="311821"/>
+                </a:xfrm>
+                <a:prstGeom prst="rect">
+                  <a:avLst/>
+                </a:prstGeom>
+                <a:noFill/>
+                <a:ln>
+                  <a:solidFill>
+                    <a:schemeClr val="tx1"/>
+                  </a:solidFill>
+                </a:ln>
+              </p:spPr>
+              <p:style>
+                <a:lnRef idx="2">
+                  <a:schemeClr val="accent1">
+                    <a:shade val="50000"/>
+                  </a:schemeClr>
+                </a:lnRef>
+                <a:fillRef idx="1">
+                  <a:schemeClr val="accent1"/>
+                </a:fillRef>
+                <a:effectRef idx="0">
+                  <a:schemeClr val="accent1"/>
+                </a:effectRef>
+                <a:fontRef idx="minor">
+                  <a:schemeClr val="lt1"/>
+                </a:fontRef>
+              </p:style>
+              <p:txBody>
+                <a:bodyPr rtlCol="0" anchor="ctr"/>
+                <a:lstStyle/>
+                <a:p>
+                  <a:pPr algn="ctr"/>
+                  <a:endParaRPr lang="en-IT"/>
+                </a:p>
+              </p:txBody>
+            </p:sp>
+            <p:sp>
+              <p:nvSpPr>
+                <p:cNvPr id="130" name="Rectangle 129">
+                  <a:extLst>
+                    <a:ext uri="{FF2B5EF4-FFF2-40B4-BE49-F238E27FC236}">
+                      <a16:creationId xmlns:a16="http://schemas.microsoft.com/office/drawing/2014/main" id="{96F361EC-97BD-FF47-BDF0-E0B3B630352D}"/>
+                    </a:ext>
+                  </a:extLst>
+                </p:cNvPr>
+                <p:cNvSpPr/>
+                <p:nvPr/>
+              </p:nvSpPr>
+              <p:spPr>
+                <a:xfrm>
+                  <a:off x="2255025" y="795867"/>
+                  <a:ext cx="314712" cy="311821"/>
+                </a:xfrm>
+                <a:prstGeom prst="rect">
+                  <a:avLst/>
+                </a:prstGeom>
+                <a:noFill/>
+                <a:ln>
+                  <a:solidFill>
+                    <a:schemeClr val="tx1"/>
+                  </a:solidFill>
+                </a:ln>
+              </p:spPr>
+              <p:style>
+                <a:lnRef idx="2">
+                  <a:schemeClr val="accent1">
+                    <a:shade val="50000"/>
+                  </a:schemeClr>
+                </a:lnRef>
+                <a:fillRef idx="1">
+                  <a:schemeClr val="accent1"/>
+                </a:fillRef>
+                <a:effectRef idx="0">
+                  <a:schemeClr val="accent1"/>
+                </a:effectRef>
+                <a:fontRef idx="minor">
+                  <a:schemeClr val="lt1"/>
+                </a:fontRef>
+              </p:style>
+              <p:txBody>
+                <a:bodyPr rtlCol="0" anchor="ctr"/>
+                <a:lstStyle/>
+                <a:p>
+                  <a:pPr algn="ctr"/>
+                  <a:endParaRPr lang="en-IT"/>
+                </a:p>
+              </p:txBody>
+            </p:sp>
+            <p:sp>
+              <p:nvSpPr>
+                <p:cNvPr id="131" name="Rectangle 130">
+                  <a:extLst>
+                    <a:ext uri="{FF2B5EF4-FFF2-40B4-BE49-F238E27FC236}">
+                      <a16:creationId xmlns:a16="http://schemas.microsoft.com/office/drawing/2014/main" id="{CD3B0C51-6064-904D-ADD4-ECD8A015A492}"/>
+                    </a:ext>
+                  </a:extLst>
+                </p:cNvPr>
+                <p:cNvSpPr/>
+                <p:nvPr/>
+              </p:nvSpPr>
+              <p:spPr>
+                <a:xfrm>
+                  <a:off x="2569737" y="795867"/>
+                  <a:ext cx="314712" cy="311821"/>
+                </a:xfrm>
+                <a:prstGeom prst="rect">
+                  <a:avLst/>
+                </a:prstGeom>
+                <a:noFill/>
+                <a:ln>
+                  <a:solidFill>
+                    <a:schemeClr val="tx1"/>
+                  </a:solidFill>
+                </a:ln>
+              </p:spPr>
+              <p:style>
+                <a:lnRef idx="2">
+                  <a:schemeClr val="accent1">
+                    <a:shade val="50000"/>
+                  </a:schemeClr>
+                </a:lnRef>
+                <a:fillRef idx="1">
+                  <a:schemeClr val="accent1"/>
+                </a:fillRef>
+                <a:effectRef idx="0">
+                  <a:schemeClr val="accent1"/>
+                </a:effectRef>
+                <a:fontRef idx="minor">
+                  <a:schemeClr val="lt1"/>
+                </a:fontRef>
+              </p:style>
+              <p:txBody>
+                <a:bodyPr rtlCol="0" anchor="ctr"/>
+                <a:lstStyle/>
+                <a:p>
+                  <a:pPr algn="ctr"/>
+                  <a:endParaRPr lang="en-IT"/>
+                </a:p>
+              </p:txBody>
+            </p:sp>
+          </p:grpSp>
+          <p:grpSp>
+            <p:nvGrpSpPr>
+              <p:cNvPr id="123" name="Group 122">
+                <a:extLst>
+                  <a:ext uri="{FF2B5EF4-FFF2-40B4-BE49-F238E27FC236}">
+                    <a16:creationId xmlns:a16="http://schemas.microsoft.com/office/drawing/2014/main" id="{A7E21BF8-B3C8-2145-B237-D6D4E4936FAC}"/>
+                  </a:ext>
+                </a:extLst>
+              </p:cNvPr>
+              <p:cNvGrpSpPr/>
+              <p:nvPr/>
+            </p:nvGrpSpPr>
+            <p:grpSpPr>
+              <a:xfrm>
+                <a:off x="1625601" y="1107688"/>
+                <a:ext cx="1258848" cy="311821"/>
+                <a:chOff x="1625601" y="795867"/>
+                <a:chExt cx="1258848" cy="311821"/>
+              </a:xfrm>
+            </p:grpSpPr>
+            <p:sp>
+              <p:nvSpPr>
+                <p:cNvPr id="124" name="Rectangle 123">
+                  <a:extLst>
+                    <a:ext uri="{FF2B5EF4-FFF2-40B4-BE49-F238E27FC236}">
+                      <a16:creationId xmlns:a16="http://schemas.microsoft.com/office/drawing/2014/main" id="{480773EE-1CDC-6F46-84DA-2F0D75CB3C18}"/>
+                    </a:ext>
+                  </a:extLst>
+                </p:cNvPr>
+                <p:cNvSpPr/>
+                <p:nvPr/>
+              </p:nvSpPr>
+              <p:spPr>
+                <a:xfrm>
+                  <a:off x="1625601" y="795867"/>
+                  <a:ext cx="314712" cy="311821"/>
+                </a:xfrm>
+                <a:prstGeom prst="rect">
+                  <a:avLst/>
+                </a:prstGeom>
+                <a:noFill/>
+                <a:ln>
+                  <a:solidFill>
+                    <a:schemeClr val="tx1"/>
+                  </a:solidFill>
+                </a:ln>
+              </p:spPr>
+              <p:style>
+                <a:lnRef idx="2">
+                  <a:schemeClr val="accent1">
+                    <a:shade val="50000"/>
+                  </a:schemeClr>
+                </a:lnRef>
+                <a:fillRef idx="1">
+                  <a:schemeClr val="accent1"/>
+                </a:fillRef>
+                <a:effectRef idx="0">
+                  <a:schemeClr val="accent1"/>
+                </a:effectRef>
+                <a:fontRef idx="minor">
+                  <a:schemeClr val="lt1"/>
+                </a:fontRef>
+              </p:style>
+              <p:txBody>
+                <a:bodyPr rtlCol="0" anchor="ctr"/>
+                <a:lstStyle/>
+                <a:p>
+                  <a:pPr algn="ctr"/>
+                  <a:endParaRPr lang="en-IT"/>
+                </a:p>
+              </p:txBody>
+            </p:sp>
+            <p:sp>
+              <p:nvSpPr>
+                <p:cNvPr id="125" name="Rectangle 124">
+                  <a:extLst>
+                    <a:ext uri="{FF2B5EF4-FFF2-40B4-BE49-F238E27FC236}">
+                      <a16:creationId xmlns:a16="http://schemas.microsoft.com/office/drawing/2014/main" id="{AD4B28E4-5407-2845-8FB5-E5A76204A361}"/>
+                    </a:ext>
+                  </a:extLst>
+                </p:cNvPr>
+                <p:cNvSpPr/>
+                <p:nvPr/>
+              </p:nvSpPr>
+              <p:spPr>
+                <a:xfrm>
+                  <a:off x="1940313" y="795867"/>
+                  <a:ext cx="314712" cy="311821"/>
+                </a:xfrm>
+                <a:prstGeom prst="rect">
+                  <a:avLst/>
+                </a:prstGeom>
+                <a:noFill/>
+                <a:ln>
+                  <a:solidFill>
+                    <a:schemeClr val="tx1"/>
+                  </a:solidFill>
+                </a:ln>
+              </p:spPr>
+              <p:style>
+                <a:lnRef idx="2">
+                  <a:schemeClr val="accent1">
+                    <a:shade val="50000"/>
+                  </a:schemeClr>
+                </a:lnRef>
+                <a:fillRef idx="1">
+                  <a:schemeClr val="accent1"/>
+                </a:fillRef>
+                <a:effectRef idx="0">
+                  <a:schemeClr val="accent1"/>
+                </a:effectRef>
+                <a:fontRef idx="minor">
+                  <a:schemeClr val="lt1"/>
+                </a:fontRef>
+              </p:style>
+              <p:txBody>
+                <a:bodyPr rtlCol="0" anchor="ctr"/>
+                <a:lstStyle/>
+                <a:p>
+                  <a:pPr algn="ctr"/>
+                  <a:endParaRPr lang="en-IT"/>
+                </a:p>
+              </p:txBody>
+            </p:sp>
+            <p:sp>
+              <p:nvSpPr>
+                <p:cNvPr id="126" name="Rectangle 125">
+                  <a:extLst>
+                    <a:ext uri="{FF2B5EF4-FFF2-40B4-BE49-F238E27FC236}">
+                      <a16:creationId xmlns:a16="http://schemas.microsoft.com/office/drawing/2014/main" id="{D385E04A-0CF6-354F-9D9E-DBC2C61F1C2D}"/>
+                    </a:ext>
+                  </a:extLst>
+                </p:cNvPr>
+                <p:cNvSpPr/>
+                <p:nvPr/>
+              </p:nvSpPr>
+              <p:spPr>
+                <a:xfrm>
+                  <a:off x="2255025" y="795867"/>
+                  <a:ext cx="314712" cy="311821"/>
+                </a:xfrm>
+                <a:prstGeom prst="rect">
+                  <a:avLst/>
+                </a:prstGeom>
+                <a:noFill/>
+                <a:ln>
+                  <a:solidFill>
+                    <a:schemeClr val="tx1"/>
+                  </a:solidFill>
+                </a:ln>
+              </p:spPr>
+              <p:style>
+                <a:lnRef idx="2">
+                  <a:schemeClr val="accent1">
+                    <a:shade val="50000"/>
+                  </a:schemeClr>
+                </a:lnRef>
+                <a:fillRef idx="1">
+                  <a:schemeClr val="accent1"/>
+                </a:fillRef>
+                <a:effectRef idx="0">
+                  <a:schemeClr val="accent1"/>
+                </a:effectRef>
+                <a:fontRef idx="minor">
+                  <a:schemeClr val="lt1"/>
+                </a:fontRef>
+              </p:style>
+              <p:txBody>
+                <a:bodyPr rtlCol="0" anchor="ctr"/>
+                <a:lstStyle/>
+                <a:p>
+                  <a:pPr algn="ctr"/>
+                  <a:endParaRPr lang="en-IT"/>
+                </a:p>
+              </p:txBody>
+            </p:sp>
+            <p:sp>
+              <p:nvSpPr>
+                <p:cNvPr id="127" name="Rectangle 126">
+                  <a:extLst>
+                    <a:ext uri="{FF2B5EF4-FFF2-40B4-BE49-F238E27FC236}">
+                      <a16:creationId xmlns:a16="http://schemas.microsoft.com/office/drawing/2014/main" id="{40D4DD52-F41C-584C-B8EA-9EFAF72CDDD5}"/>
+                    </a:ext>
+                  </a:extLst>
+                </p:cNvPr>
+                <p:cNvSpPr/>
+                <p:nvPr/>
+              </p:nvSpPr>
+              <p:spPr>
+                <a:xfrm>
+                  <a:off x="2569737" y="795867"/>
+                  <a:ext cx="314712" cy="311821"/>
+                </a:xfrm>
+                <a:prstGeom prst="rect">
+                  <a:avLst/>
+                </a:prstGeom>
+                <a:noFill/>
+                <a:ln>
+                  <a:solidFill>
+                    <a:schemeClr val="tx1"/>
+                  </a:solidFill>
+                </a:ln>
+              </p:spPr>
+              <p:style>
+                <a:lnRef idx="2">
+                  <a:schemeClr val="accent1">
+                    <a:shade val="50000"/>
+                  </a:schemeClr>
+                </a:lnRef>
+                <a:fillRef idx="1">
+                  <a:schemeClr val="accent1"/>
+                </a:fillRef>
+                <a:effectRef idx="0">
+                  <a:schemeClr val="accent1"/>
+                </a:effectRef>
+                <a:fontRef idx="minor">
+                  <a:schemeClr val="lt1"/>
+                </a:fontRef>
+              </p:style>
+              <p:txBody>
+                <a:bodyPr rtlCol="0" anchor="ctr"/>
+                <a:lstStyle/>
+                <a:p>
+                  <a:pPr algn="ctr"/>
+                  <a:endParaRPr lang="en-IT"/>
+                </a:p>
+              </p:txBody>
+            </p:sp>
+          </p:grpSp>
+        </p:grpSp>
+      </p:grpSp>
+      <p:sp>
+        <p:nvSpPr>
+          <p:cNvPr id="142" name="TextBox 141">
+            <a:extLst>
+              <a:ext uri="{FF2B5EF4-FFF2-40B4-BE49-F238E27FC236}">
+                <a16:creationId xmlns:a16="http://schemas.microsoft.com/office/drawing/2014/main" id="{0FCA0FCF-7EF7-AA42-AEF7-00A55F77128E}"/>
+              </a:ext>
+            </a:extLst>
+          </p:cNvPr>
+          <p:cNvSpPr txBox="1"/>
+          <p:nvPr/>
+        </p:nvSpPr>
+        <p:spPr>
+          <a:xfrm rot="5400000">
+            <a:off x="1281453" y="4292688"/>
+            <a:ext cx="618760" cy="374754"/>
+          </a:xfrm>
+          <a:prstGeom prst="rect">
+            <a:avLst/>
+          </a:prstGeom>
+          <a:noFill/>
+        </p:spPr>
+        <p:txBody>
+          <a:bodyPr wrap="square" rtlCol="0">
+            <a:spAutoFit/>
+          </a:bodyPr>
+          <a:lstStyle/>
+          <a:p>
+            <a:r>
+              <a:rPr lang="en-IT" dirty="0"/>
+              <a:t>….</a:t>
+            </a:r>
+          </a:p>
+        </p:txBody>
+      </p:sp>
+      <p:sp>
+        <p:nvSpPr>
+          <p:cNvPr id="150" name="Oval 149">
+            <a:extLst>
+              <a:ext uri="{FF2B5EF4-FFF2-40B4-BE49-F238E27FC236}">
+                <a16:creationId xmlns:a16="http://schemas.microsoft.com/office/drawing/2014/main" id="{3489E0FB-A9AB-6749-90DF-BE08EAA553FE}"/>
+              </a:ext>
+            </a:extLst>
+          </p:cNvPr>
+          <p:cNvSpPr/>
+          <p:nvPr/>
+        </p:nvSpPr>
+        <p:spPr>
+          <a:xfrm>
+            <a:off x="7062038" y="2896745"/>
+            <a:ext cx="674558" cy="664321"/>
+          </a:xfrm>
+          <a:prstGeom prst="ellipse">
+            <a:avLst/>
+          </a:prstGeom>
+          <a:noFill/>
+          <a:ln>
+            <a:solidFill>
+              <a:schemeClr val="tx1"/>
+            </a:solidFill>
+          </a:ln>
+        </p:spPr>
+        <p:style>
+          <a:lnRef idx="2">
+            <a:schemeClr val="accent1">
+              <a:shade val="50000"/>
+            </a:schemeClr>
+          </a:lnRef>
+          <a:fillRef idx="1">
+            <a:schemeClr val="accent1"/>
+          </a:fillRef>
+          <a:effectRef idx="0">
+            <a:schemeClr val="accent1"/>
+          </a:effectRef>
+          <a:fontRef idx="minor">
+            <a:schemeClr val="lt1"/>
+          </a:fontRef>
+        </p:style>
+        <p:txBody>
+          <a:bodyPr rtlCol="0" anchor="ctr"/>
+          <a:lstStyle/>
+          <a:p>
+            <a:pPr algn="ctr"/>
+            <a:endParaRPr lang="en-IT"/>
+          </a:p>
+        </p:txBody>
+      </p:sp>
+      <p:sp>
+        <p:nvSpPr>
+          <p:cNvPr id="151" name="TextBox 150">
+            <a:extLst>
+              <a:ext uri="{FF2B5EF4-FFF2-40B4-BE49-F238E27FC236}">
+                <a16:creationId xmlns:a16="http://schemas.microsoft.com/office/drawing/2014/main" id="{EB475110-F3F4-1447-AD16-C3EC8C83F7E1}"/>
+              </a:ext>
+            </a:extLst>
+          </p:cNvPr>
+          <p:cNvSpPr txBox="1"/>
+          <p:nvPr/>
+        </p:nvSpPr>
+        <p:spPr>
+          <a:xfrm>
+            <a:off x="7129494" y="2967295"/>
+            <a:ext cx="539646" cy="523220"/>
+          </a:xfrm>
+          <a:prstGeom prst="rect">
+            <a:avLst/>
+          </a:prstGeom>
+          <a:noFill/>
+        </p:spPr>
+        <p:txBody>
+          <a:bodyPr wrap="square" rtlCol="0">
+            <a:spAutoFit/>
+          </a:bodyPr>
+          <a:lstStyle/>
+          <a:p>
+            <a:pPr algn="ctr"/>
+            <a:r>
+              <a:rPr lang="en-IT" sz="2800" dirty="0"/>
+              <a:t>+</a:t>
+            </a:r>
+            <a:endParaRPr lang="en-IT" dirty="0"/>
+          </a:p>
+        </p:txBody>
+      </p:sp>
+      <p:cxnSp>
+        <p:nvCxnSpPr>
+          <p:cNvPr id="152" name="Straight Arrow Connector 151">
+            <a:extLst>
+              <a:ext uri="{FF2B5EF4-FFF2-40B4-BE49-F238E27FC236}">
+                <a16:creationId xmlns:a16="http://schemas.microsoft.com/office/drawing/2014/main" id="{256870E5-DDAB-5249-8AB1-DB76742D1235}"/>
+              </a:ext>
+            </a:extLst>
+          </p:cNvPr>
+          <p:cNvCxnSpPr>
+            <a:cxnSpLocks/>
+          </p:cNvCxnSpPr>
+          <p:nvPr/>
+        </p:nvCxnSpPr>
+        <p:spPr>
+          <a:xfrm>
+            <a:off x="7943544" y="3296136"/>
+            <a:ext cx="1666822" cy="0"/>
+          </a:xfrm>
+          <a:prstGeom prst="straightConnector1">
+            <a:avLst/>
+          </a:prstGeom>
+          <a:ln w="12700">
+            <a:solidFill>
+              <a:schemeClr val="tx1"/>
+            </a:solidFill>
+            <a:tailEnd type="triangle"/>
+          </a:ln>
+        </p:spPr>
+        <p:style>
+          <a:lnRef idx="1">
+            <a:schemeClr val="accent1"/>
+          </a:lnRef>
+          <a:fillRef idx="0">
+            <a:schemeClr val="accent1"/>
+          </a:fillRef>
+          <a:effectRef idx="0">
+            <a:schemeClr val="accent1"/>
+          </a:effectRef>
+          <a:fontRef idx="minor">
+            <a:schemeClr val="tx1"/>
+          </a:fontRef>
+        </p:style>
+      </p:cxnSp>
+      <p:grpSp>
+        <p:nvGrpSpPr>
+          <p:cNvPr id="154" name="Group 153">
+            <a:extLst>
+              <a:ext uri="{FF2B5EF4-FFF2-40B4-BE49-F238E27FC236}">
+                <a16:creationId xmlns:a16="http://schemas.microsoft.com/office/drawing/2014/main" id="{49F2B1C9-D0FA-4F40-8E98-330E08EF0432}"/>
+              </a:ext>
+            </a:extLst>
+          </p:cNvPr>
+          <p:cNvGrpSpPr/>
+          <p:nvPr/>
+        </p:nvGrpSpPr>
+        <p:grpSpPr>
+          <a:xfrm>
+            <a:off x="9990117" y="2763882"/>
+            <a:ext cx="1057638" cy="1062913"/>
+            <a:chOff x="1625601" y="795867"/>
+            <a:chExt cx="1258848" cy="1247284"/>
+          </a:xfrm>
+        </p:grpSpPr>
+        <p:grpSp>
+          <p:nvGrpSpPr>
+            <p:cNvPr id="155" name="Group 154">
+              <a:extLst>
+                <a:ext uri="{FF2B5EF4-FFF2-40B4-BE49-F238E27FC236}">
+                  <a16:creationId xmlns:a16="http://schemas.microsoft.com/office/drawing/2014/main" id="{1496640B-30BC-4146-962B-791F5C4D4B0F}"/>
+                </a:ext>
+              </a:extLst>
+            </p:cNvPr>
+            <p:cNvGrpSpPr/>
+            <p:nvPr/>
+          </p:nvGrpSpPr>
+          <p:grpSpPr>
+            <a:xfrm>
+              <a:off x="1625601" y="795867"/>
+              <a:ext cx="1258848" cy="623642"/>
+              <a:chOff x="1625601" y="795867"/>
+              <a:chExt cx="1258848" cy="623642"/>
+            </a:xfrm>
+          </p:grpSpPr>
+          <p:grpSp>
+            <p:nvGrpSpPr>
+              <p:cNvPr id="167" name="Group 166">
+                <a:extLst>
+                  <a:ext uri="{FF2B5EF4-FFF2-40B4-BE49-F238E27FC236}">
+                    <a16:creationId xmlns:a16="http://schemas.microsoft.com/office/drawing/2014/main" id="{8018C6D9-745D-DA4B-AF44-F26778488774}"/>
+                  </a:ext>
+                </a:extLst>
+              </p:cNvPr>
+              <p:cNvGrpSpPr/>
+              <p:nvPr/>
+            </p:nvGrpSpPr>
+            <p:grpSpPr>
+              <a:xfrm>
+                <a:off x="1625601" y="795867"/>
+                <a:ext cx="1258848" cy="311821"/>
+                <a:chOff x="1625601" y="795867"/>
+                <a:chExt cx="1258848" cy="311821"/>
+              </a:xfrm>
+            </p:grpSpPr>
+            <p:sp>
+              <p:nvSpPr>
+                <p:cNvPr id="173" name="Rectangle 172">
+                  <a:extLst>
+                    <a:ext uri="{FF2B5EF4-FFF2-40B4-BE49-F238E27FC236}">
+                      <a16:creationId xmlns:a16="http://schemas.microsoft.com/office/drawing/2014/main" id="{E006AD8F-A23D-7749-99BF-2A14B8E32D35}"/>
+                    </a:ext>
+                  </a:extLst>
+                </p:cNvPr>
+                <p:cNvSpPr/>
+                <p:nvPr/>
+              </p:nvSpPr>
+              <p:spPr>
+                <a:xfrm>
+                  <a:off x="1625601" y="795867"/>
+                  <a:ext cx="314712" cy="311821"/>
+                </a:xfrm>
+                <a:prstGeom prst="rect">
+                  <a:avLst/>
+                </a:prstGeom>
+                <a:noFill/>
+                <a:ln>
+                  <a:solidFill>
+                    <a:schemeClr val="tx1"/>
+                  </a:solidFill>
+                </a:ln>
+              </p:spPr>
+              <p:style>
+                <a:lnRef idx="2">
+                  <a:schemeClr val="accent1">
+                    <a:shade val="50000"/>
+                  </a:schemeClr>
+                </a:lnRef>
+                <a:fillRef idx="1">
+                  <a:schemeClr val="accent1"/>
+                </a:fillRef>
+                <a:effectRef idx="0">
+                  <a:schemeClr val="accent1"/>
+                </a:effectRef>
+                <a:fontRef idx="minor">
+                  <a:schemeClr val="lt1"/>
+                </a:fontRef>
+              </p:style>
+              <p:txBody>
+                <a:bodyPr rtlCol="0" anchor="ctr"/>
+                <a:lstStyle/>
+                <a:p>
+                  <a:pPr algn="ctr"/>
+                  <a:endParaRPr lang="en-IT"/>
+                </a:p>
+              </p:txBody>
+            </p:sp>
+            <p:sp>
+              <p:nvSpPr>
+                <p:cNvPr id="174" name="Rectangle 173">
+                  <a:extLst>
+                    <a:ext uri="{FF2B5EF4-FFF2-40B4-BE49-F238E27FC236}">
+                      <a16:creationId xmlns:a16="http://schemas.microsoft.com/office/drawing/2014/main" id="{2C7A1EED-55A8-8946-BC70-6D18BD75C23F}"/>
+                    </a:ext>
+                  </a:extLst>
+                </p:cNvPr>
+                <p:cNvSpPr/>
+                <p:nvPr/>
+              </p:nvSpPr>
+              <p:spPr>
+                <a:xfrm>
+                  <a:off x="1940313" y="795867"/>
+                  <a:ext cx="314712" cy="311821"/>
+                </a:xfrm>
+                <a:prstGeom prst="rect">
+                  <a:avLst/>
+                </a:prstGeom>
+                <a:noFill/>
+                <a:ln>
+                  <a:solidFill>
+                    <a:schemeClr val="tx1"/>
+                  </a:solidFill>
+                </a:ln>
+              </p:spPr>
+              <p:style>
+                <a:lnRef idx="2">
+                  <a:schemeClr val="accent1">
+                    <a:shade val="50000"/>
+                  </a:schemeClr>
+                </a:lnRef>
+                <a:fillRef idx="1">
+                  <a:schemeClr val="accent1"/>
+                </a:fillRef>
+                <a:effectRef idx="0">
+                  <a:schemeClr val="accent1"/>
+                </a:effectRef>
+                <a:fontRef idx="minor">
+                  <a:schemeClr val="lt1"/>
+                </a:fontRef>
+              </p:style>
+              <p:txBody>
+                <a:bodyPr rtlCol="0" anchor="ctr"/>
+                <a:lstStyle/>
+                <a:p>
+                  <a:pPr algn="ctr"/>
+                  <a:endParaRPr lang="en-IT"/>
+                </a:p>
+              </p:txBody>
+            </p:sp>
+            <p:sp>
+              <p:nvSpPr>
+                <p:cNvPr id="175" name="Rectangle 174">
+                  <a:extLst>
+                    <a:ext uri="{FF2B5EF4-FFF2-40B4-BE49-F238E27FC236}">
+                      <a16:creationId xmlns:a16="http://schemas.microsoft.com/office/drawing/2014/main" id="{FF471F29-4A6A-DF4E-B81A-F3F149DFC52C}"/>
+                    </a:ext>
+                  </a:extLst>
+                </p:cNvPr>
+                <p:cNvSpPr/>
+                <p:nvPr/>
+              </p:nvSpPr>
+              <p:spPr>
+                <a:xfrm>
+                  <a:off x="2255025" y="795867"/>
+                  <a:ext cx="314712" cy="311821"/>
+                </a:xfrm>
+                <a:prstGeom prst="rect">
+                  <a:avLst/>
+                </a:prstGeom>
+                <a:noFill/>
+                <a:ln>
+                  <a:solidFill>
+                    <a:schemeClr val="tx1"/>
+                  </a:solidFill>
+                </a:ln>
+              </p:spPr>
+              <p:style>
+                <a:lnRef idx="2">
+                  <a:schemeClr val="accent1">
+                    <a:shade val="50000"/>
+                  </a:schemeClr>
+                </a:lnRef>
+                <a:fillRef idx="1">
+                  <a:schemeClr val="accent1"/>
+                </a:fillRef>
+                <a:effectRef idx="0">
+                  <a:schemeClr val="accent1"/>
+                </a:effectRef>
+                <a:fontRef idx="minor">
+                  <a:schemeClr val="lt1"/>
+                </a:fontRef>
+              </p:style>
+              <p:txBody>
+                <a:bodyPr rtlCol="0" anchor="ctr"/>
+                <a:lstStyle/>
+                <a:p>
+                  <a:pPr algn="ctr"/>
+                  <a:endParaRPr lang="en-IT"/>
+                </a:p>
+              </p:txBody>
+            </p:sp>
+            <p:sp>
+              <p:nvSpPr>
+                <p:cNvPr id="176" name="Rectangle 175">
+                  <a:extLst>
+                    <a:ext uri="{FF2B5EF4-FFF2-40B4-BE49-F238E27FC236}">
+                      <a16:creationId xmlns:a16="http://schemas.microsoft.com/office/drawing/2014/main" id="{D365FB5D-9A00-B54F-8199-F7C24A44959B}"/>
+                    </a:ext>
+                  </a:extLst>
+                </p:cNvPr>
+                <p:cNvSpPr/>
+                <p:nvPr/>
+              </p:nvSpPr>
+              <p:spPr>
+                <a:xfrm>
+                  <a:off x="2569737" y="795867"/>
+                  <a:ext cx="314712" cy="311821"/>
+                </a:xfrm>
+                <a:prstGeom prst="rect">
+                  <a:avLst/>
+                </a:prstGeom>
+                <a:noFill/>
+                <a:ln>
+                  <a:solidFill>
+                    <a:schemeClr val="tx1"/>
+                  </a:solidFill>
+                </a:ln>
+              </p:spPr>
+              <p:style>
+                <a:lnRef idx="2">
+                  <a:schemeClr val="accent1">
+                    <a:shade val="50000"/>
+                  </a:schemeClr>
+                </a:lnRef>
+                <a:fillRef idx="1">
+                  <a:schemeClr val="accent1"/>
+                </a:fillRef>
+                <a:effectRef idx="0">
+                  <a:schemeClr val="accent1"/>
+                </a:effectRef>
+                <a:fontRef idx="minor">
+                  <a:schemeClr val="lt1"/>
+                </a:fontRef>
+              </p:style>
+              <p:txBody>
+                <a:bodyPr rtlCol="0" anchor="ctr"/>
+                <a:lstStyle/>
+                <a:p>
+                  <a:pPr algn="ctr"/>
+                  <a:endParaRPr lang="en-IT"/>
+                </a:p>
+              </p:txBody>
+            </p:sp>
+          </p:grpSp>
+          <p:grpSp>
+            <p:nvGrpSpPr>
+              <p:cNvPr id="168" name="Group 167">
+                <a:extLst>
+                  <a:ext uri="{FF2B5EF4-FFF2-40B4-BE49-F238E27FC236}">
+                    <a16:creationId xmlns:a16="http://schemas.microsoft.com/office/drawing/2014/main" id="{7D9574EA-BAD0-764E-A2E0-9B1F50023140}"/>
+                  </a:ext>
+                </a:extLst>
+              </p:cNvPr>
+              <p:cNvGrpSpPr/>
+              <p:nvPr/>
+            </p:nvGrpSpPr>
+            <p:grpSpPr>
+              <a:xfrm>
+                <a:off x="1625601" y="1107688"/>
+                <a:ext cx="1258848" cy="311821"/>
+                <a:chOff x="1625601" y="795867"/>
+                <a:chExt cx="1258848" cy="311821"/>
+              </a:xfrm>
+            </p:grpSpPr>
+            <p:sp>
+              <p:nvSpPr>
+                <p:cNvPr id="169" name="Rectangle 168">
+                  <a:extLst>
+                    <a:ext uri="{FF2B5EF4-FFF2-40B4-BE49-F238E27FC236}">
+                      <a16:creationId xmlns:a16="http://schemas.microsoft.com/office/drawing/2014/main" id="{A5DB122C-31A0-FA4C-A485-F8C5DC512355}"/>
+                    </a:ext>
+                  </a:extLst>
+                </p:cNvPr>
+                <p:cNvSpPr/>
+                <p:nvPr/>
+              </p:nvSpPr>
+              <p:spPr>
+                <a:xfrm>
+                  <a:off x="1625601" y="795867"/>
+                  <a:ext cx="314712" cy="311821"/>
+                </a:xfrm>
+                <a:prstGeom prst="rect">
+                  <a:avLst/>
+                </a:prstGeom>
+                <a:noFill/>
+                <a:ln>
+                  <a:solidFill>
+                    <a:schemeClr val="tx1"/>
+                  </a:solidFill>
+                </a:ln>
+              </p:spPr>
+              <p:style>
+                <a:lnRef idx="2">
+                  <a:schemeClr val="accent1">
+                    <a:shade val="50000"/>
+                  </a:schemeClr>
+                </a:lnRef>
+                <a:fillRef idx="1">
+                  <a:schemeClr val="accent1"/>
+                </a:fillRef>
+                <a:effectRef idx="0">
+                  <a:schemeClr val="accent1"/>
+                </a:effectRef>
+                <a:fontRef idx="minor">
+                  <a:schemeClr val="lt1"/>
+                </a:fontRef>
+              </p:style>
+              <p:txBody>
+                <a:bodyPr rtlCol="0" anchor="ctr"/>
+                <a:lstStyle/>
+                <a:p>
+                  <a:pPr algn="ctr"/>
+                  <a:endParaRPr lang="en-IT"/>
+                </a:p>
+              </p:txBody>
+            </p:sp>
+            <p:sp>
+              <p:nvSpPr>
+                <p:cNvPr id="170" name="Rectangle 169">
+                  <a:extLst>
+                    <a:ext uri="{FF2B5EF4-FFF2-40B4-BE49-F238E27FC236}">
+                      <a16:creationId xmlns:a16="http://schemas.microsoft.com/office/drawing/2014/main" id="{CCEEF941-B39B-7148-B196-4FF381884C84}"/>
+                    </a:ext>
+                  </a:extLst>
+                </p:cNvPr>
+                <p:cNvSpPr/>
+                <p:nvPr/>
+              </p:nvSpPr>
+              <p:spPr>
+                <a:xfrm>
+                  <a:off x="1940313" y="795867"/>
+                  <a:ext cx="314712" cy="311821"/>
+                </a:xfrm>
+                <a:prstGeom prst="rect">
+                  <a:avLst/>
+                </a:prstGeom>
+                <a:noFill/>
+                <a:ln>
+                  <a:solidFill>
+                    <a:schemeClr val="tx1"/>
+                  </a:solidFill>
+                </a:ln>
+              </p:spPr>
+              <p:style>
+                <a:lnRef idx="2">
+                  <a:schemeClr val="accent1">
+                    <a:shade val="50000"/>
+                  </a:schemeClr>
+                </a:lnRef>
+                <a:fillRef idx="1">
+                  <a:schemeClr val="accent1"/>
+                </a:fillRef>
+                <a:effectRef idx="0">
+                  <a:schemeClr val="accent1"/>
+                </a:effectRef>
+                <a:fontRef idx="minor">
+                  <a:schemeClr val="lt1"/>
+                </a:fontRef>
+              </p:style>
+              <p:txBody>
+                <a:bodyPr rtlCol="0" anchor="ctr"/>
+                <a:lstStyle/>
+                <a:p>
+                  <a:pPr algn="ctr"/>
+                  <a:endParaRPr lang="en-IT"/>
+                </a:p>
+              </p:txBody>
+            </p:sp>
+            <p:sp>
+              <p:nvSpPr>
+                <p:cNvPr id="171" name="Rectangle 170">
+                  <a:extLst>
+                    <a:ext uri="{FF2B5EF4-FFF2-40B4-BE49-F238E27FC236}">
+                      <a16:creationId xmlns:a16="http://schemas.microsoft.com/office/drawing/2014/main" id="{D1CDDF34-492D-144A-B7E6-39A5C9D76896}"/>
+                    </a:ext>
+                  </a:extLst>
+                </p:cNvPr>
+                <p:cNvSpPr/>
+                <p:nvPr/>
+              </p:nvSpPr>
+              <p:spPr>
+                <a:xfrm>
+                  <a:off x="2255025" y="795867"/>
+                  <a:ext cx="314712" cy="311821"/>
+                </a:xfrm>
+                <a:prstGeom prst="rect">
+                  <a:avLst/>
+                </a:prstGeom>
+                <a:noFill/>
+                <a:ln>
+                  <a:solidFill>
+                    <a:schemeClr val="tx1"/>
+                  </a:solidFill>
+                </a:ln>
+              </p:spPr>
+              <p:style>
+                <a:lnRef idx="2">
+                  <a:schemeClr val="accent1">
+                    <a:shade val="50000"/>
+                  </a:schemeClr>
+                </a:lnRef>
+                <a:fillRef idx="1">
+                  <a:schemeClr val="accent1"/>
+                </a:fillRef>
+                <a:effectRef idx="0">
+                  <a:schemeClr val="accent1"/>
+                </a:effectRef>
+                <a:fontRef idx="minor">
+                  <a:schemeClr val="lt1"/>
+                </a:fontRef>
+              </p:style>
+              <p:txBody>
+                <a:bodyPr rtlCol="0" anchor="ctr"/>
+                <a:lstStyle/>
+                <a:p>
+                  <a:pPr algn="ctr"/>
+                  <a:endParaRPr lang="en-IT"/>
+                </a:p>
+              </p:txBody>
+            </p:sp>
+            <p:sp>
+              <p:nvSpPr>
+                <p:cNvPr id="172" name="Rectangle 171">
+                  <a:extLst>
+                    <a:ext uri="{FF2B5EF4-FFF2-40B4-BE49-F238E27FC236}">
+                      <a16:creationId xmlns:a16="http://schemas.microsoft.com/office/drawing/2014/main" id="{5AC72316-3C4E-E94C-B281-CF36186C4F63}"/>
+                    </a:ext>
+                  </a:extLst>
+                </p:cNvPr>
+                <p:cNvSpPr/>
+                <p:nvPr/>
+              </p:nvSpPr>
+              <p:spPr>
+                <a:xfrm>
+                  <a:off x="2569737" y="795867"/>
+                  <a:ext cx="314712" cy="311821"/>
+                </a:xfrm>
+                <a:prstGeom prst="rect">
+                  <a:avLst/>
+                </a:prstGeom>
+                <a:noFill/>
+                <a:ln>
+                  <a:solidFill>
+                    <a:schemeClr val="tx1"/>
+                  </a:solidFill>
+                </a:ln>
+              </p:spPr>
+              <p:style>
+                <a:lnRef idx="2">
+                  <a:schemeClr val="accent1">
+                    <a:shade val="50000"/>
+                  </a:schemeClr>
+                </a:lnRef>
+                <a:fillRef idx="1">
+                  <a:schemeClr val="accent1"/>
+                </a:fillRef>
+                <a:effectRef idx="0">
+                  <a:schemeClr val="accent1"/>
+                </a:effectRef>
+                <a:fontRef idx="minor">
+                  <a:schemeClr val="lt1"/>
+                </a:fontRef>
+              </p:style>
+              <p:txBody>
+                <a:bodyPr rtlCol="0" anchor="ctr"/>
+                <a:lstStyle/>
+                <a:p>
+                  <a:pPr algn="ctr"/>
+                  <a:endParaRPr lang="en-IT"/>
+                </a:p>
+              </p:txBody>
+            </p:sp>
+          </p:grpSp>
+        </p:grpSp>
+        <p:grpSp>
+          <p:nvGrpSpPr>
+            <p:cNvPr id="156" name="Group 155">
+              <a:extLst>
+                <a:ext uri="{FF2B5EF4-FFF2-40B4-BE49-F238E27FC236}">
+                  <a16:creationId xmlns:a16="http://schemas.microsoft.com/office/drawing/2014/main" id="{A547366E-15F5-D14A-9378-5295F6E9EA0F}"/>
+                </a:ext>
+              </a:extLst>
+            </p:cNvPr>
+            <p:cNvGrpSpPr/>
+            <p:nvPr/>
+          </p:nvGrpSpPr>
+          <p:grpSpPr>
+            <a:xfrm>
+              <a:off x="1625601" y="1419509"/>
+              <a:ext cx="1258848" cy="623642"/>
+              <a:chOff x="1625601" y="795867"/>
+              <a:chExt cx="1258848" cy="623642"/>
+            </a:xfrm>
+          </p:grpSpPr>
+          <p:grpSp>
+            <p:nvGrpSpPr>
+              <p:cNvPr id="157" name="Group 156">
+                <a:extLst>
+                  <a:ext uri="{FF2B5EF4-FFF2-40B4-BE49-F238E27FC236}">
+                    <a16:creationId xmlns:a16="http://schemas.microsoft.com/office/drawing/2014/main" id="{3D6CAB96-359E-2045-B030-71F309061A19}"/>
+                  </a:ext>
+                </a:extLst>
+              </p:cNvPr>
+              <p:cNvGrpSpPr/>
+              <p:nvPr/>
+            </p:nvGrpSpPr>
+            <p:grpSpPr>
+              <a:xfrm>
+                <a:off x="1625601" y="795867"/>
+                <a:ext cx="1258848" cy="311821"/>
+                <a:chOff x="1625601" y="795867"/>
+                <a:chExt cx="1258848" cy="311821"/>
+              </a:xfrm>
+            </p:grpSpPr>
+            <p:sp>
+              <p:nvSpPr>
+                <p:cNvPr id="163" name="Rectangle 162">
+                  <a:extLst>
+                    <a:ext uri="{FF2B5EF4-FFF2-40B4-BE49-F238E27FC236}">
+                      <a16:creationId xmlns:a16="http://schemas.microsoft.com/office/drawing/2014/main" id="{4A678554-4D6B-A146-910C-5A24E4CAF292}"/>
+                    </a:ext>
+                  </a:extLst>
+                </p:cNvPr>
+                <p:cNvSpPr/>
+                <p:nvPr/>
+              </p:nvSpPr>
+              <p:spPr>
+                <a:xfrm>
+                  <a:off x="1625601" y="795867"/>
+                  <a:ext cx="314712" cy="311821"/>
+                </a:xfrm>
+                <a:prstGeom prst="rect">
+                  <a:avLst/>
+                </a:prstGeom>
+                <a:noFill/>
+                <a:ln>
+                  <a:solidFill>
+                    <a:schemeClr val="tx1"/>
+                  </a:solidFill>
+                </a:ln>
+              </p:spPr>
+              <p:style>
+                <a:lnRef idx="2">
+                  <a:schemeClr val="accent1">
+                    <a:shade val="50000"/>
+                  </a:schemeClr>
+                </a:lnRef>
+                <a:fillRef idx="1">
+                  <a:schemeClr val="accent1"/>
+                </a:fillRef>
+                <a:effectRef idx="0">
+                  <a:schemeClr val="accent1"/>
+                </a:effectRef>
+                <a:fontRef idx="minor">
+                  <a:schemeClr val="lt1"/>
+                </a:fontRef>
+              </p:style>
+              <p:txBody>
+                <a:bodyPr rtlCol="0" anchor="ctr"/>
+                <a:lstStyle/>
+                <a:p>
+                  <a:pPr algn="ctr"/>
+                  <a:endParaRPr lang="en-IT"/>
+                </a:p>
+              </p:txBody>
+            </p:sp>
+            <p:sp>
+              <p:nvSpPr>
+                <p:cNvPr id="164" name="Rectangle 163">
+                  <a:extLst>
+                    <a:ext uri="{FF2B5EF4-FFF2-40B4-BE49-F238E27FC236}">
+                      <a16:creationId xmlns:a16="http://schemas.microsoft.com/office/drawing/2014/main" id="{CB220356-D587-8644-BE36-900E1232DB42}"/>
+                    </a:ext>
+                  </a:extLst>
+                </p:cNvPr>
+                <p:cNvSpPr/>
+                <p:nvPr/>
+              </p:nvSpPr>
+              <p:spPr>
+                <a:xfrm>
+                  <a:off x="1940313" y="795867"/>
+                  <a:ext cx="314712" cy="311821"/>
+                </a:xfrm>
+                <a:prstGeom prst="rect">
+                  <a:avLst/>
+                </a:prstGeom>
+                <a:noFill/>
+                <a:ln>
+                  <a:solidFill>
+                    <a:schemeClr val="tx1"/>
+                  </a:solidFill>
+                </a:ln>
+              </p:spPr>
+              <p:style>
+                <a:lnRef idx="2">
+                  <a:schemeClr val="accent1">
+                    <a:shade val="50000"/>
+                  </a:schemeClr>
+                </a:lnRef>
+                <a:fillRef idx="1">
+                  <a:schemeClr val="accent1"/>
+                </a:fillRef>
+                <a:effectRef idx="0">
+                  <a:schemeClr val="accent1"/>
+                </a:effectRef>
+                <a:fontRef idx="minor">
+                  <a:schemeClr val="lt1"/>
+                </a:fontRef>
+              </p:style>
+              <p:txBody>
+                <a:bodyPr rtlCol="0" anchor="ctr"/>
+                <a:lstStyle/>
+                <a:p>
+                  <a:pPr algn="ctr"/>
+                  <a:endParaRPr lang="en-IT"/>
+                </a:p>
+              </p:txBody>
+            </p:sp>
+            <p:sp>
+              <p:nvSpPr>
+                <p:cNvPr id="165" name="Rectangle 164">
+                  <a:extLst>
+                    <a:ext uri="{FF2B5EF4-FFF2-40B4-BE49-F238E27FC236}">
+                      <a16:creationId xmlns:a16="http://schemas.microsoft.com/office/drawing/2014/main" id="{6DE09DE8-AB01-8941-BF04-A950CED4849B}"/>
+                    </a:ext>
+                  </a:extLst>
+                </p:cNvPr>
+                <p:cNvSpPr/>
+                <p:nvPr/>
+              </p:nvSpPr>
+              <p:spPr>
+                <a:xfrm>
+                  <a:off x="2255025" y="795867"/>
+                  <a:ext cx="314712" cy="311821"/>
+                </a:xfrm>
+                <a:prstGeom prst="rect">
+                  <a:avLst/>
+                </a:prstGeom>
+                <a:noFill/>
+                <a:ln>
+                  <a:solidFill>
+                    <a:schemeClr val="tx1"/>
+                  </a:solidFill>
+                </a:ln>
+              </p:spPr>
+              <p:style>
+                <a:lnRef idx="2">
+                  <a:schemeClr val="accent1">
+                    <a:shade val="50000"/>
+                  </a:schemeClr>
+                </a:lnRef>
+                <a:fillRef idx="1">
+                  <a:schemeClr val="accent1"/>
+                </a:fillRef>
+                <a:effectRef idx="0">
+                  <a:schemeClr val="accent1"/>
+                </a:effectRef>
+                <a:fontRef idx="minor">
+                  <a:schemeClr val="lt1"/>
+                </a:fontRef>
+              </p:style>
+              <p:txBody>
+                <a:bodyPr rtlCol="0" anchor="ctr"/>
+                <a:lstStyle/>
+                <a:p>
+                  <a:pPr algn="ctr"/>
+                  <a:endParaRPr lang="en-IT"/>
+                </a:p>
+              </p:txBody>
+            </p:sp>
+            <p:sp>
+              <p:nvSpPr>
+                <p:cNvPr id="166" name="Rectangle 165">
+                  <a:extLst>
+                    <a:ext uri="{FF2B5EF4-FFF2-40B4-BE49-F238E27FC236}">
+                      <a16:creationId xmlns:a16="http://schemas.microsoft.com/office/drawing/2014/main" id="{FC765FE4-263E-E04E-8132-27F03D735A50}"/>
+                    </a:ext>
+                  </a:extLst>
+                </p:cNvPr>
+                <p:cNvSpPr/>
+                <p:nvPr/>
+              </p:nvSpPr>
+              <p:spPr>
+                <a:xfrm>
+                  <a:off x="2569737" y="795867"/>
+                  <a:ext cx="314712" cy="311821"/>
+                </a:xfrm>
+                <a:prstGeom prst="rect">
+                  <a:avLst/>
+                </a:prstGeom>
+                <a:noFill/>
+                <a:ln>
+                  <a:solidFill>
+                    <a:schemeClr val="tx1"/>
+                  </a:solidFill>
+                </a:ln>
+              </p:spPr>
+              <p:style>
+                <a:lnRef idx="2">
+                  <a:schemeClr val="accent1">
+                    <a:shade val="50000"/>
+                  </a:schemeClr>
+                </a:lnRef>
+                <a:fillRef idx="1">
+                  <a:schemeClr val="accent1"/>
+                </a:fillRef>
+                <a:effectRef idx="0">
+                  <a:schemeClr val="accent1"/>
+                </a:effectRef>
+                <a:fontRef idx="minor">
+                  <a:schemeClr val="lt1"/>
+                </a:fontRef>
+              </p:style>
+              <p:txBody>
+                <a:bodyPr rtlCol="0" anchor="ctr"/>
+                <a:lstStyle/>
+                <a:p>
+                  <a:pPr algn="ctr"/>
+                  <a:endParaRPr lang="en-IT"/>
+                </a:p>
+              </p:txBody>
+            </p:sp>
+          </p:grpSp>
+          <p:grpSp>
+            <p:nvGrpSpPr>
+              <p:cNvPr id="158" name="Group 157">
+                <a:extLst>
+                  <a:ext uri="{FF2B5EF4-FFF2-40B4-BE49-F238E27FC236}">
+                    <a16:creationId xmlns:a16="http://schemas.microsoft.com/office/drawing/2014/main" id="{2758E5B7-B257-AF46-A6A3-10CEC7835557}"/>
+                  </a:ext>
+                </a:extLst>
+              </p:cNvPr>
+              <p:cNvGrpSpPr/>
+              <p:nvPr/>
+            </p:nvGrpSpPr>
+            <p:grpSpPr>
+              <a:xfrm>
+                <a:off x="1625601" y="1107688"/>
+                <a:ext cx="1258848" cy="311821"/>
+                <a:chOff x="1625601" y="795867"/>
+                <a:chExt cx="1258848" cy="311821"/>
+              </a:xfrm>
+            </p:grpSpPr>
+            <p:sp>
+              <p:nvSpPr>
+                <p:cNvPr id="159" name="Rectangle 158">
+                  <a:extLst>
+                    <a:ext uri="{FF2B5EF4-FFF2-40B4-BE49-F238E27FC236}">
+                      <a16:creationId xmlns:a16="http://schemas.microsoft.com/office/drawing/2014/main" id="{3D9DB53C-299C-EB49-AFD9-2DA66576DBAE}"/>
+                    </a:ext>
+                  </a:extLst>
+                </p:cNvPr>
+                <p:cNvSpPr/>
+                <p:nvPr/>
+              </p:nvSpPr>
+              <p:spPr>
+                <a:xfrm>
+                  <a:off x="1625601" y="795867"/>
+                  <a:ext cx="314712" cy="311821"/>
+                </a:xfrm>
+                <a:prstGeom prst="rect">
+                  <a:avLst/>
+                </a:prstGeom>
+                <a:noFill/>
+                <a:ln>
+                  <a:solidFill>
+                    <a:schemeClr val="tx1"/>
+                  </a:solidFill>
+                </a:ln>
+              </p:spPr>
+              <p:style>
+                <a:lnRef idx="2">
+                  <a:schemeClr val="accent1">
+                    <a:shade val="50000"/>
+                  </a:schemeClr>
+                </a:lnRef>
+                <a:fillRef idx="1">
+                  <a:schemeClr val="accent1"/>
+                </a:fillRef>
+                <a:effectRef idx="0">
+                  <a:schemeClr val="accent1"/>
+                </a:effectRef>
+                <a:fontRef idx="minor">
+                  <a:schemeClr val="lt1"/>
+                </a:fontRef>
+              </p:style>
+              <p:txBody>
+                <a:bodyPr rtlCol="0" anchor="ctr"/>
+                <a:lstStyle/>
+                <a:p>
+                  <a:pPr algn="ctr"/>
+                  <a:endParaRPr lang="en-IT"/>
+                </a:p>
+              </p:txBody>
+            </p:sp>
+            <p:sp>
+              <p:nvSpPr>
+                <p:cNvPr id="160" name="Rectangle 159">
+                  <a:extLst>
+                    <a:ext uri="{FF2B5EF4-FFF2-40B4-BE49-F238E27FC236}">
+                      <a16:creationId xmlns:a16="http://schemas.microsoft.com/office/drawing/2014/main" id="{DB742752-E4E8-C744-A77E-5CDE1A5F86A3}"/>
+                    </a:ext>
+                  </a:extLst>
+                </p:cNvPr>
+                <p:cNvSpPr/>
+                <p:nvPr/>
+              </p:nvSpPr>
+              <p:spPr>
+                <a:xfrm>
+                  <a:off x="1940313" y="795867"/>
+                  <a:ext cx="314712" cy="311821"/>
+                </a:xfrm>
+                <a:prstGeom prst="rect">
+                  <a:avLst/>
+                </a:prstGeom>
+                <a:noFill/>
+                <a:ln>
+                  <a:solidFill>
+                    <a:schemeClr val="tx1"/>
+                  </a:solidFill>
+                </a:ln>
+              </p:spPr>
+              <p:style>
+                <a:lnRef idx="2">
+                  <a:schemeClr val="accent1">
+                    <a:shade val="50000"/>
+                  </a:schemeClr>
+                </a:lnRef>
+                <a:fillRef idx="1">
+                  <a:schemeClr val="accent1"/>
+                </a:fillRef>
+                <a:effectRef idx="0">
+                  <a:schemeClr val="accent1"/>
+                </a:effectRef>
+                <a:fontRef idx="minor">
+                  <a:schemeClr val="lt1"/>
+                </a:fontRef>
+              </p:style>
+              <p:txBody>
+                <a:bodyPr rtlCol="0" anchor="ctr"/>
+                <a:lstStyle/>
+                <a:p>
+                  <a:pPr algn="ctr"/>
+                  <a:endParaRPr lang="en-IT"/>
+                </a:p>
+              </p:txBody>
+            </p:sp>
+            <p:sp>
+              <p:nvSpPr>
+                <p:cNvPr id="161" name="Rectangle 160">
+                  <a:extLst>
+                    <a:ext uri="{FF2B5EF4-FFF2-40B4-BE49-F238E27FC236}">
+                      <a16:creationId xmlns:a16="http://schemas.microsoft.com/office/drawing/2014/main" id="{DDAC5831-7063-1B4C-A6D3-FBD9A40376A4}"/>
+                    </a:ext>
+                  </a:extLst>
+                </p:cNvPr>
+                <p:cNvSpPr/>
+                <p:nvPr/>
+              </p:nvSpPr>
+              <p:spPr>
+                <a:xfrm>
+                  <a:off x="2255025" y="795867"/>
+                  <a:ext cx="314712" cy="311821"/>
+                </a:xfrm>
+                <a:prstGeom prst="rect">
+                  <a:avLst/>
+                </a:prstGeom>
+                <a:noFill/>
+                <a:ln>
+                  <a:solidFill>
+                    <a:schemeClr val="tx1"/>
+                  </a:solidFill>
+                </a:ln>
+              </p:spPr>
+              <p:style>
+                <a:lnRef idx="2">
+                  <a:schemeClr val="accent1">
+                    <a:shade val="50000"/>
+                  </a:schemeClr>
+                </a:lnRef>
+                <a:fillRef idx="1">
+                  <a:schemeClr val="accent1"/>
+                </a:fillRef>
+                <a:effectRef idx="0">
+                  <a:schemeClr val="accent1"/>
+                </a:effectRef>
+                <a:fontRef idx="minor">
+                  <a:schemeClr val="lt1"/>
+                </a:fontRef>
+              </p:style>
+              <p:txBody>
+                <a:bodyPr rtlCol="0" anchor="ctr"/>
+                <a:lstStyle/>
+                <a:p>
+                  <a:pPr algn="ctr"/>
+                  <a:endParaRPr lang="en-IT"/>
+                </a:p>
+              </p:txBody>
+            </p:sp>
+            <p:sp>
+              <p:nvSpPr>
+                <p:cNvPr id="162" name="Rectangle 161">
+                  <a:extLst>
+                    <a:ext uri="{FF2B5EF4-FFF2-40B4-BE49-F238E27FC236}">
+                      <a16:creationId xmlns:a16="http://schemas.microsoft.com/office/drawing/2014/main" id="{17179FB2-22EC-D245-A124-BCD2E1560A39}"/>
+                    </a:ext>
+                  </a:extLst>
+                </p:cNvPr>
+                <p:cNvSpPr/>
+                <p:nvPr/>
+              </p:nvSpPr>
+              <p:spPr>
+                <a:xfrm>
+                  <a:off x="2569737" y="795867"/>
+                  <a:ext cx="314712" cy="311821"/>
+                </a:xfrm>
+                <a:prstGeom prst="rect">
+                  <a:avLst/>
+                </a:prstGeom>
+                <a:noFill/>
+                <a:ln>
+                  <a:solidFill>
+                    <a:schemeClr val="tx1"/>
+                  </a:solidFill>
+                </a:ln>
+              </p:spPr>
+              <p:style>
+                <a:lnRef idx="2">
+                  <a:schemeClr val="accent1">
+                    <a:shade val="50000"/>
+                  </a:schemeClr>
+                </a:lnRef>
+                <a:fillRef idx="1">
+                  <a:schemeClr val="accent1"/>
+                </a:fillRef>
+                <a:effectRef idx="0">
+                  <a:schemeClr val="accent1"/>
+                </a:effectRef>
+                <a:fontRef idx="minor">
+                  <a:schemeClr val="lt1"/>
+                </a:fontRef>
+              </p:style>
+              <p:txBody>
+                <a:bodyPr rtlCol="0" anchor="ctr"/>
+                <a:lstStyle/>
+                <a:p>
+                  <a:pPr algn="ctr"/>
+                  <a:endParaRPr lang="en-IT"/>
+                </a:p>
+              </p:txBody>
+            </p:sp>
+          </p:grpSp>
+        </p:grpSp>
+      </p:grpSp>
+      <p:sp>
+        <p:nvSpPr>
+          <p:cNvPr id="177" name="TextBox 176">
+            <a:extLst>
+              <a:ext uri="{FF2B5EF4-FFF2-40B4-BE49-F238E27FC236}">
+                <a16:creationId xmlns:a16="http://schemas.microsoft.com/office/drawing/2014/main" id="{E7734B03-8DDE-3F41-A28B-B154ADB9914E}"/>
+              </a:ext>
+            </a:extLst>
+          </p:cNvPr>
+          <p:cNvSpPr txBox="1"/>
+          <p:nvPr/>
+        </p:nvSpPr>
+        <p:spPr>
+          <a:xfrm>
+            <a:off x="4076054" y="108488"/>
+            <a:ext cx="4249525" cy="830997"/>
+          </a:xfrm>
+          <a:prstGeom prst="rect">
+            <a:avLst/>
+          </a:prstGeom>
+          <a:noFill/>
+        </p:spPr>
+        <p:txBody>
+          <a:bodyPr wrap="square" rtlCol="0">
+            <a:spAutoFit/>
+          </a:bodyPr>
+          <a:lstStyle/>
+          <a:p>
+            <a:pPr algn="ctr"/>
+            <a:r>
+              <a:rPr lang="en-IT" sz="2400" dirty="0"/>
+              <a:t>Activated Chain Composition of Parametric Kernels</a:t>
+            </a:r>
+          </a:p>
+        </p:txBody>
+      </p:sp>
+      <p:sp>
+        <p:nvSpPr>
+          <p:cNvPr id="178" name="TextBox 177">
+            <a:extLst>
+              <a:ext uri="{FF2B5EF4-FFF2-40B4-BE49-F238E27FC236}">
+                <a16:creationId xmlns:a16="http://schemas.microsoft.com/office/drawing/2014/main" id="{2ACB1AC8-2AD3-364A-A8BB-10FA0E439C42}"/>
+              </a:ext>
+            </a:extLst>
+          </p:cNvPr>
+          <p:cNvSpPr txBox="1"/>
+          <p:nvPr/>
+        </p:nvSpPr>
+        <p:spPr>
+          <a:xfrm>
+            <a:off x="1757806" y="108488"/>
+            <a:ext cx="793229" cy="369332"/>
+          </a:xfrm>
+          <a:prstGeom prst="rect">
+            <a:avLst/>
+          </a:prstGeom>
+          <a:noFill/>
+        </p:spPr>
+        <p:txBody>
+          <a:bodyPr wrap="square" rtlCol="0">
+            <a:spAutoFit/>
+          </a:bodyPr>
+          <a:lstStyle/>
+          <a:p>
+            <a:r>
+              <a:rPr lang="en-IT" dirty="0"/>
+              <a:t>Input</a:t>
+            </a:r>
+          </a:p>
+        </p:txBody>
+      </p:sp>
+      <p:sp>
+        <p:nvSpPr>
+          <p:cNvPr id="179" name="TextBox 178">
+            <a:extLst>
+              <a:ext uri="{FF2B5EF4-FFF2-40B4-BE49-F238E27FC236}">
+                <a16:creationId xmlns:a16="http://schemas.microsoft.com/office/drawing/2014/main" id="{95905BFA-8283-1245-A79E-DA4C85A80ECD}"/>
+              </a:ext>
+            </a:extLst>
+          </p:cNvPr>
+          <p:cNvSpPr txBox="1"/>
+          <p:nvPr/>
+        </p:nvSpPr>
+        <p:spPr>
+          <a:xfrm>
+            <a:off x="478022" y="608207"/>
+            <a:ext cx="1057639" cy="369332"/>
+          </a:xfrm>
+          <a:prstGeom prst="rect">
+            <a:avLst/>
+          </a:prstGeom>
+          <a:noFill/>
+        </p:spPr>
+        <p:txBody>
+          <a:bodyPr wrap="square" rtlCol="0">
+            <a:spAutoFit/>
+          </a:bodyPr>
+          <a:lstStyle/>
+          <a:p>
+            <a:r>
+              <a:rPr lang="en-IT" dirty="0"/>
+              <a:t>Weights</a:t>
+            </a:r>
+          </a:p>
+        </p:txBody>
+      </p:sp>
+      <p:cxnSp>
+        <p:nvCxnSpPr>
+          <p:cNvPr id="182" name="Straight Arrow Connector 181">
+            <a:extLst>
+              <a:ext uri="{FF2B5EF4-FFF2-40B4-BE49-F238E27FC236}">
+                <a16:creationId xmlns:a16="http://schemas.microsoft.com/office/drawing/2014/main" id="{E8919E38-A096-D543-92E8-7E062AE114FE}"/>
+              </a:ext>
+            </a:extLst>
+          </p:cNvPr>
+          <p:cNvCxnSpPr>
+            <a:cxnSpLocks/>
+          </p:cNvCxnSpPr>
+          <p:nvPr/>
+        </p:nvCxnSpPr>
+        <p:spPr>
+          <a:xfrm>
+            <a:off x="2802609" y="5272859"/>
+            <a:ext cx="715506" cy="0"/>
+          </a:xfrm>
+          <a:prstGeom prst="straightConnector1">
+            <a:avLst/>
+          </a:prstGeom>
+          <a:ln w="12700">
+            <a:solidFill>
+              <a:schemeClr val="tx1"/>
+            </a:solidFill>
+            <a:tailEnd type="triangle"/>
+          </a:ln>
+        </p:spPr>
+        <p:style>
+          <a:lnRef idx="1">
+            <a:schemeClr val="accent1"/>
+          </a:lnRef>
+          <a:fillRef idx="0">
+            <a:schemeClr val="accent1"/>
+          </a:fillRef>
+          <a:effectRef idx="0">
+            <a:schemeClr val="accent1"/>
+          </a:effectRef>
+          <a:fontRef idx="minor">
+            <a:schemeClr val="tx1"/>
+          </a:fontRef>
+        </p:style>
+      </p:cxnSp>
+      <p:sp>
+        <p:nvSpPr>
+          <p:cNvPr id="148" name="Rectangle 147">
+            <a:extLst>
+              <a:ext uri="{FF2B5EF4-FFF2-40B4-BE49-F238E27FC236}">
+                <a16:creationId xmlns:a16="http://schemas.microsoft.com/office/drawing/2014/main" id="{47A29F81-6BEF-B143-838D-499C479485AD}"/>
+              </a:ext>
+            </a:extLst>
+          </p:cNvPr>
+          <p:cNvSpPr/>
+          <p:nvPr/>
+        </p:nvSpPr>
+        <p:spPr>
+          <a:xfrm>
+            <a:off x="3859078" y="4976987"/>
+            <a:ext cx="991891" cy="658037"/>
+          </a:xfrm>
+          <a:prstGeom prst="rect">
+            <a:avLst/>
+          </a:prstGeom>
+          <a:noFill/>
+        </p:spPr>
+        <p:style>
+          <a:lnRef idx="2">
+            <a:schemeClr val="accent1">
+              <a:shade val="50000"/>
+            </a:schemeClr>
+          </a:lnRef>
+          <a:fillRef idx="1">
+            <a:schemeClr val="accent1"/>
+          </a:fillRef>
+          <a:effectRef idx="0">
+            <a:schemeClr val="accent1"/>
+          </a:effectRef>
+          <a:fontRef idx="minor">
+            <a:schemeClr val="lt1"/>
+          </a:fontRef>
+        </p:style>
+        <p:txBody>
+          <a:bodyPr rtlCol="0" anchor="ctr"/>
+          <a:lstStyle/>
+          <a:p>
+            <a:pPr algn="ctr"/>
+            <a:endParaRPr lang="en-IT"/>
+          </a:p>
+        </p:txBody>
+      </p:sp>
+      <p:sp>
+        <p:nvSpPr>
+          <p:cNvPr id="149" name="TextBox 148">
+            <a:extLst>
+              <a:ext uri="{FF2B5EF4-FFF2-40B4-BE49-F238E27FC236}">
+                <a16:creationId xmlns:a16="http://schemas.microsoft.com/office/drawing/2014/main" id="{CA71D917-446D-9647-B9ED-F049E64E9496}"/>
+              </a:ext>
+            </a:extLst>
+          </p:cNvPr>
+          <p:cNvSpPr txBox="1"/>
+          <p:nvPr/>
+        </p:nvSpPr>
+        <p:spPr>
+          <a:xfrm>
+            <a:off x="3859078" y="5075172"/>
+            <a:ext cx="991891" cy="461665"/>
+          </a:xfrm>
+          <a:prstGeom prst="rect">
+            <a:avLst/>
+          </a:prstGeom>
+          <a:noFill/>
+        </p:spPr>
+        <p:txBody>
+          <a:bodyPr wrap="square" rtlCol="0">
+            <a:spAutoFit/>
+          </a:bodyPr>
+          <a:lstStyle/>
+          <a:p>
+            <a:pPr algn="ctr"/>
+            <a:r>
+              <a:rPr lang="en-IT" sz="2400" dirty="0"/>
+              <a:t>ReLU</a:t>
+            </a:r>
+            <a:endParaRPr lang="en-IT" dirty="0"/>
+          </a:p>
+        </p:txBody>
+      </p:sp>
+      <p:sp>
+        <p:nvSpPr>
+          <p:cNvPr id="190" name="TextBox 189">
+            <a:extLst>
+              <a:ext uri="{FF2B5EF4-FFF2-40B4-BE49-F238E27FC236}">
+                <a16:creationId xmlns:a16="http://schemas.microsoft.com/office/drawing/2014/main" id="{1B4167EE-5C21-5246-BAEE-0B90D19B3F11}"/>
+              </a:ext>
+            </a:extLst>
+          </p:cNvPr>
+          <p:cNvSpPr txBox="1"/>
+          <p:nvPr/>
+        </p:nvSpPr>
+        <p:spPr>
+          <a:xfrm>
+            <a:off x="9946829" y="1966808"/>
+            <a:ext cx="1057639" cy="646331"/>
+          </a:xfrm>
+          <a:prstGeom prst="rect">
+            <a:avLst/>
+          </a:prstGeom>
+          <a:noFill/>
+        </p:spPr>
+        <p:txBody>
+          <a:bodyPr wrap="square" rtlCol="0">
+            <a:spAutoFit/>
+          </a:bodyPr>
+          <a:lstStyle/>
+          <a:p>
+            <a:pPr algn="ctr"/>
+            <a:r>
+              <a:rPr lang="en-IT" dirty="0"/>
+              <a:t>Output Kernel</a:t>
+            </a:r>
+          </a:p>
+        </p:txBody>
+      </p:sp>
+      <p:cxnSp>
+        <p:nvCxnSpPr>
+          <p:cNvPr id="3" name="Elbow Connector 2">
+            <a:extLst>
+              <a:ext uri="{FF2B5EF4-FFF2-40B4-BE49-F238E27FC236}">
+                <a16:creationId xmlns:a16="http://schemas.microsoft.com/office/drawing/2014/main" id="{BA704E7D-27B7-7448-89C5-8339DD0C5BB8}"/>
+              </a:ext>
+            </a:extLst>
+          </p:cNvPr>
+          <p:cNvCxnSpPr>
+            <a:cxnSpLocks/>
+          </p:cNvCxnSpPr>
+          <p:nvPr/>
+        </p:nvCxnSpPr>
+        <p:spPr>
+          <a:xfrm flipV="1">
+            <a:off x="1835248" y="5701970"/>
+            <a:ext cx="4365570" cy="351484"/>
+          </a:xfrm>
+          <a:prstGeom prst="bentConnector3">
+            <a:avLst>
+              <a:gd name="adj1" fmla="val 100152"/>
+            </a:avLst>
+          </a:prstGeom>
+          <a:ln w="12700">
+            <a:solidFill>
+              <a:schemeClr val="tx1"/>
+            </a:solidFill>
+            <a:tailEnd type="triangle"/>
+          </a:ln>
+        </p:spPr>
+        <p:style>
+          <a:lnRef idx="1">
+            <a:schemeClr val="accent1"/>
+          </a:lnRef>
+          <a:fillRef idx="0">
+            <a:schemeClr val="accent1"/>
+          </a:fillRef>
+          <a:effectRef idx="0">
+            <a:schemeClr val="accent1"/>
+          </a:effectRef>
+          <a:fontRef idx="minor">
+            <a:schemeClr val="tx1"/>
+          </a:fontRef>
+        </p:style>
+      </p:cxnSp>
+      <p:cxnSp>
+        <p:nvCxnSpPr>
+          <p:cNvPr id="197" name="Straight Arrow Connector 196">
+            <a:extLst>
+              <a:ext uri="{FF2B5EF4-FFF2-40B4-BE49-F238E27FC236}">
+                <a16:creationId xmlns:a16="http://schemas.microsoft.com/office/drawing/2014/main" id="{D5B0A253-8769-0843-B3C2-E257E6989305}"/>
+              </a:ext>
+            </a:extLst>
+          </p:cNvPr>
+          <p:cNvCxnSpPr>
+            <a:cxnSpLocks/>
+          </p:cNvCxnSpPr>
+          <p:nvPr/>
+        </p:nvCxnSpPr>
+        <p:spPr>
+          <a:xfrm>
+            <a:off x="5113758" y="5276112"/>
+            <a:ext cx="715506" cy="0"/>
+          </a:xfrm>
+          <a:prstGeom prst="straightConnector1">
+            <a:avLst/>
+          </a:prstGeom>
+          <a:ln w="12700">
+            <a:solidFill>
+              <a:schemeClr val="tx1"/>
+            </a:solidFill>
+            <a:tailEnd type="triangle"/>
+          </a:ln>
+        </p:spPr>
+        <p:style>
+          <a:lnRef idx="1">
+            <a:schemeClr val="accent1"/>
+          </a:lnRef>
+          <a:fillRef idx="0">
+            <a:schemeClr val="accent1"/>
+          </a:fillRef>
+          <a:effectRef idx="0">
+            <a:schemeClr val="accent1"/>
+          </a:effectRef>
+          <a:fontRef idx="minor">
+            <a:schemeClr val="tx1"/>
+          </a:fontRef>
+        </p:style>
+      </p:cxnSp>
+      <p:sp>
+        <p:nvSpPr>
+          <p:cNvPr id="209" name="Oval 208">
+            <a:extLst>
+              <a:ext uri="{FF2B5EF4-FFF2-40B4-BE49-F238E27FC236}">
+                <a16:creationId xmlns:a16="http://schemas.microsoft.com/office/drawing/2014/main" id="{B6810539-812B-8443-9369-AA6E9E5C4256}"/>
+              </a:ext>
+            </a:extLst>
+          </p:cNvPr>
+          <p:cNvSpPr/>
+          <p:nvPr/>
+        </p:nvSpPr>
+        <p:spPr>
+          <a:xfrm>
+            <a:off x="5996900" y="5060565"/>
+            <a:ext cx="407831" cy="419261"/>
+          </a:xfrm>
+          <a:prstGeom prst="ellipse">
+            <a:avLst/>
+          </a:prstGeom>
+          <a:noFill/>
+          <a:ln>
+            <a:solidFill>
+              <a:schemeClr val="tx1"/>
+            </a:solidFill>
+          </a:ln>
+        </p:spPr>
+        <p:style>
+          <a:lnRef idx="2">
+            <a:schemeClr val="accent1">
+              <a:shade val="50000"/>
+            </a:schemeClr>
+          </a:lnRef>
+          <a:fillRef idx="1">
+            <a:schemeClr val="accent1"/>
+          </a:fillRef>
+          <a:effectRef idx="0">
+            <a:schemeClr val="accent1"/>
+          </a:effectRef>
+          <a:fontRef idx="minor">
+            <a:schemeClr val="lt1"/>
+          </a:fontRef>
+        </p:style>
+        <p:txBody>
+          <a:bodyPr rtlCol="0" anchor="ctr"/>
+          <a:lstStyle/>
+          <a:p>
+            <a:pPr algn="ctr"/>
+            <a:endParaRPr lang="en-IT" dirty="0"/>
+          </a:p>
+        </p:txBody>
+      </p:sp>
+      <p:sp>
+        <p:nvSpPr>
+          <p:cNvPr id="210" name="TextBox 209">
+            <a:extLst>
+              <a:ext uri="{FF2B5EF4-FFF2-40B4-BE49-F238E27FC236}">
+                <a16:creationId xmlns:a16="http://schemas.microsoft.com/office/drawing/2014/main" id="{1EBA450E-B321-9A40-BD38-70DF0FE78E61}"/>
+              </a:ext>
+            </a:extLst>
+          </p:cNvPr>
+          <p:cNvSpPr txBox="1"/>
+          <p:nvPr/>
+        </p:nvSpPr>
+        <p:spPr>
+          <a:xfrm>
+            <a:off x="5930992" y="4992493"/>
+            <a:ext cx="539646" cy="523220"/>
+          </a:xfrm>
+          <a:prstGeom prst="rect">
+            <a:avLst/>
+          </a:prstGeom>
+          <a:noFill/>
+        </p:spPr>
+        <p:txBody>
+          <a:bodyPr wrap="square" rtlCol="0">
+            <a:spAutoFit/>
+          </a:bodyPr>
+          <a:lstStyle/>
+          <a:p>
+            <a:pPr algn="ctr"/>
+            <a:r>
+              <a:rPr lang="en-IT" sz="2800" dirty="0"/>
+              <a:t>+</a:t>
+            </a:r>
+            <a:endParaRPr lang="en-IT" dirty="0"/>
+          </a:p>
+        </p:txBody>
+      </p:sp>
+      <p:cxnSp>
+        <p:nvCxnSpPr>
+          <p:cNvPr id="217" name="Straight Arrow Connector 216">
+            <a:extLst>
+              <a:ext uri="{FF2B5EF4-FFF2-40B4-BE49-F238E27FC236}">
+                <a16:creationId xmlns:a16="http://schemas.microsoft.com/office/drawing/2014/main" id="{1A42CF2F-97D5-2B4D-B2DF-6FC6F7AC20D7}"/>
+              </a:ext>
+            </a:extLst>
+          </p:cNvPr>
+          <p:cNvCxnSpPr>
+            <a:cxnSpLocks/>
+          </p:cNvCxnSpPr>
+          <p:nvPr/>
+        </p:nvCxnSpPr>
+        <p:spPr>
+          <a:xfrm>
+            <a:off x="2827391" y="3239179"/>
+            <a:ext cx="715506" cy="0"/>
+          </a:xfrm>
+          <a:prstGeom prst="straightConnector1">
+            <a:avLst/>
+          </a:prstGeom>
+          <a:ln w="12700">
+            <a:solidFill>
+              <a:schemeClr val="tx1"/>
+            </a:solidFill>
+            <a:tailEnd type="triangle"/>
+          </a:ln>
+        </p:spPr>
+        <p:style>
+          <a:lnRef idx="1">
+            <a:schemeClr val="accent1"/>
+          </a:lnRef>
+          <a:fillRef idx="0">
+            <a:schemeClr val="accent1"/>
+          </a:fillRef>
+          <a:effectRef idx="0">
+            <a:schemeClr val="accent1"/>
+          </a:effectRef>
+          <a:fontRef idx="minor">
+            <a:schemeClr val="tx1"/>
+          </a:fontRef>
+        </p:style>
+      </p:cxnSp>
+      <p:sp>
+        <p:nvSpPr>
+          <p:cNvPr id="218" name="Rectangle 217">
+            <a:extLst>
+              <a:ext uri="{FF2B5EF4-FFF2-40B4-BE49-F238E27FC236}">
+                <a16:creationId xmlns:a16="http://schemas.microsoft.com/office/drawing/2014/main" id="{FBA3DED3-4D6E-A542-B95D-7D8811C4E554}"/>
+              </a:ext>
+            </a:extLst>
+          </p:cNvPr>
+          <p:cNvSpPr/>
+          <p:nvPr/>
+        </p:nvSpPr>
+        <p:spPr>
+          <a:xfrm>
+            <a:off x="3883860" y="2943307"/>
+            <a:ext cx="991891" cy="658037"/>
+          </a:xfrm>
+          <a:prstGeom prst="rect">
+            <a:avLst/>
+          </a:prstGeom>
+          <a:noFill/>
+        </p:spPr>
+        <p:style>
+          <a:lnRef idx="2">
+            <a:schemeClr val="accent1">
+              <a:shade val="50000"/>
+            </a:schemeClr>
+          </a:lnRef>
+          <a:fillRef idx="1">
+            <a:schemeClr val="accent1"/>
+          </a:fillRef>
+          <a:effectRef idx="0">
+            <a:schemeClr val="accent1"/>
+          </a:effectRef>
+          <a:fontRef idx="minor">
+            <a:schemeClr val="lt1"/>
+          </a:fontRef>
+        </p:style>
+        <p:txBody>
+          <a:bodyPr rtlCol="0" anchor="ctr"/>
+          <a:lstStyle/>
+          <a:p>
+            <a:pPr algn="ctr"/>
+            <a:endParaRPr lang="en-IT"/>
+          </a:p>
+        </p:txBody>
+      </p:sp>
+      <p:sp>
+        <p:nvSpPr>
+          <p:cNvPr id="219" name="TextBox 218">
+            <a:extLst>
+              <a:ext uri="{FF2B5EF4-FFF2-40B4-BE49-F238E27FC236}">
+                <a16:creationId xmlns:a16="http://schemas.microsoft.com/office/drawing/2014/main" id="{4F7758FA-CC6A-5546-93C2-E617E50F44B2}"/>
+              </a:ext>
+            </a:extLst>
+          </p:cNvPr>
+          <p:cNvSpPr txBox="1"/>
+          <p:nvPr/>
+        </p:nvSpPr>
+        <p:spPr>
+          <a:xfrm>
+            <a:off x="3883860" y="3041492"/>
+            <a:ext cx="991891" cy="461665"/>
+          </a:xfrm>
+          <a:prstGeom prst="rect">
+            <a:avLst/>
+          </a:prstGeom>
+          <a:noFill/>
+        </p:spPr>
+        <p:txBody>
+          <a:bodyPr wrap="square" rtlCol="0">
+            <a:spAutoFit/>
+          </a:bodyPr>
+          <a:lstStyle/>
+          <a:p>
+            <a:pPr algn="ctr"/>
+            <a:r>
+              <a:rPr lang="en-IT" sz="2400" dirty="0"/>
+              <a:t>ReLU</a:t>
+            </a:r>
+            <a:endParaRPr lang="en-IT" dirty="0"/>
+          </a:p>
+        </p:txBody>
+      </p:sp>
+      <p:cxnSp>
+        <p:nvCxnSpPr>
+          <p:cNvPr id="220" name="Elbow Connector 219">
+            <a:extLst>
+              <a:ext uri="{FF2B5EF4-FFF2-40B4-BE49-F238E27FC236}">
+                <a16:creationId xmlns:a16="http://schemas.microsoft.com/office/drawing/2014/main" id="{F0DDFFF9-FEC1-9B49-8A64-C0A09602CA07}"/>
+              </a:ext>
+            </a:extLst>
+          </p:cNvPr>
+          <p:cNvCxnSpPr>
+            <a:cxnSpLocks/>
+          </p:cNvCxnSpPr>
+          <p:nvPr/>
+        </p:nvCxnSpPr>
+        <p:spPr>
+          <a:xfrm flipV="1">
+            <a:off x="1860030" y="3668290"/>
+            <a:ext cx="4365570" cy="351484"/>
+          </a:xfrm>
+          <a:prstGeom prst="bentConnector3">
+            <a:avLst>
+              <a:gd name="adj1" fmla="val 100152"/>
+            </a:avLst>
+          </a:prstGeom>
+          <a:ln w="12700">
+            <a:solidFill>
+              <a:schemeClr val="tx1"/>
+            </a:solidFill>
+            <a:tailEnd type="triangle"/>
+          </a:ln>
+        </p:spPr>
+        <p:style>
+          <a:lnRef idx="1">
+            <a:schemeClr val="accent1"/>
+          </a:lnRef>
+          <a:fillRef idx="0">
+            <a:schemeClr val="accent1"/>
+          </a:fillRef>
+          <a:effectRef idx="0">
+            <a:schemeClr val="accent1"/>
+          </a:effectRef>
+          <a:fontRef idx="minor">
+            <a:schemeClr val="tx1"/>
+          </a:fontRef>
+        </p:style>
+      </p:cxnSp>
+      <p:cxnSp>
+        <p:nvCxnSpPr>
+          <p:cNvPr id="221" name="Straight Arrow Connector 220">
+            <a:extLst>
+              <a:ext uri="{FF2B5EF4-FFF2-40B4-BE49-F238E27FC236}">
+                <a16:creationId xmlns:a16="http://schemas.microsoft.com/office/drawing/2014/main" id="{D30BAF0B-2424-5B47-B7EF-A4385BD97754}"/>
+              </a:ext>
+            </a:extLst>
+          </p:cNvPr>
+          <p:cNvCxnSpPr>
+            <a:cxnSpLocks/>
+          </p:cNvCxnSpPr>
+          <p:nvPr/>
+        </p:nvCxnSpPr>
+        <p:spPr>
+          <a:xfrm>
+            <a:off x="5138540" y="3242432"/>
+            <a:ext cx="715506" cy="0"/>
+          </a:xfrm>
+          <a:prstGeom prst="straightConnector1">
+            <a:avLst/>
+          </a:prstGeom>
+          <a:ln w="12700">
+            <a:solidFill>
+              <a:schemeClr val="tx1"/>
+            </a:solidFill>
+            <a:tailEnd type="triangle"/>
+          </a:ln>
+        </p:spPr>
+        <p:style>
+          <a:lnRef idx="1">
+            <a:schemeClr val="accent1"/>
+          </a:lnRef>
+          <a:fillRef idx="0">
+            <a:schemeClr val="accent1"/>
+          </a:fillRef>
+          <a:effectRef idx="0">
+            <a:schemeClr val="accent1"/>
+          </a:effectRef>
+          <a:fontRef idx="minor">
+            <a:schemeClr val="tx1"/>
+          </a:fontRef>
+        </p:style>
+      </p:cxnSp>
+      <p:sp>
+        <p:nvSpPr>
+          <p:cNvPr id="222" name="Oval 221">
+            <a:extLst>
+              <a:ext uri="{FF2B5EF4-FFF2-40B4-BE49-F238E27FC236}">
+                <a16:creationId xmlns:a16="http://schemas.microsoft.com/office/drawing/2014/main" id="{53C3B812-B70B-494D-939D-A1B96D508011}"/>
+              </a:ext>
+            </a:extLst>
+          </p:cNvPr>
+          <p:cNvSpPr/>
+          <p:nvPr/>
+        </p:nvSpPr>
+        <p:spPr>
+          <a:xfrm>
+            <a:off x="6021682" y="3026885"/>
+            <a:ext cx="407831" cy="419261"/>
+          </a:xfrm>
+          <a:prstGeom prst="ellipse">
+            <a:avLst/>
+          </a:prstGeom>
+          <a:noFill/>
+          <a:ln>
+            <a:solidFill>
+              <a:schemeClr val="tx1"/>
+            </a:solidFill>
+          </a:ln>
+        </p:spPr>
+        <p:style>
+          <a:lnRef idx="2">
+            <a:schemeClr val="accent1">
+              <a:shade val="50000"/>
+            </a:schemeClr>
+          </a:lnRef>
+          <a:fillRef idx="1">
+            <a:schemeClr val="accent1"/>
+          </a:fillRef>
+          <a:effectRef idx="0">
+            <a:schemeClr val="accent1"/>
+          </a:effectRef>
+          <a:fontRef idx="minor">
+            <a:schemeClr val="lt1"/>
+          </a:fontRef>
+        </p:style>
+        <p:txBody>
+          <a:bodyPr rtlCol="0" anchor="ctr"/>
+          <a:lstStyle/>
+          <a:p>
+            <a:pPr algn="ctr"/>
+            <a:endParaRPr lang="en-IT" dirty="0"/>
+          </a:p>
+        </p:txBody>
+      </p:sp>
+      <p:sp>
+        <p:nvSpPr>
+          <p:cNvPr id="223" name="TextBox 222">
+            <a:extLst>
+              <a:ext uri="{FF2B5EF4-FFF2-40B4-BE49-F238E27FC236}">
+                <a16:creationId xmlns:a16="http://schemas.microsoft.com/office/drawing/2014/main" id="{78FD24D2-1C50-8340-A389-1728E91D93CB}"/>
+              </a:ext>
+            </a:extLst>
+          </p:cNvPr>
+          <p:cNvSpPr txBox="1"/>
+          <p:nvPr/>
+        </p:nvSpPr>
+        <p:spPr>
+          <a:xfrm>
+            <a:off x="5955774" y="2958813"/>
+            <a:ext cx="539646" cy="523220"/>
+          </a:xfrm>
+          <a:prstGeom prst="rect">
+            <a:avLst/>
+          </a:prstGeom>
+          <a:noFill/>
+        </p:spPr>
+        <p:txBody>
+          <a:bodyPr wrap="square" rtlCol="0">
+            <a:spAutoFit/>
+          </a:bodyPr>
+          <a:lstStyle/>
+          <a:p>
+            <a:pPr algn="ctr"/>
+            <a:r>
+              <a:rPr lang="en-IT" sz="2800" dirty="0"/>
+              <a:t>+</a:t>
+            </a:r>
+            <a:endParaRPr lang="en-IT" dirty="0"/>
+          </a:p>
+        </p:txBody>
+      </p:sp>
+      <p:cxnSp>
+        <p:nvCxnSpPr>
+          <p:cNvPr id="224" name="Straight Arrow Connector 223">
+            <a:extLst>
+              <a:ext uri="{FF2B5EF4-FFF2-40B4-BE49-F238E27FC236}">
+                <a16:creationId xmlns:a16="http://schemas.microsoft.com/office/drawing/2014/main" id="{1F8189A4-9373-A749-8971-EBF14C61B69D}"/>
+              </a:ext>
+            </a:extLst>
+          </p:cNvPr>
+          <p:cNvCxnSpPr>
+            <a:cxnSpLocks/>
+          </p:cNvCxnSpPr>
+          <p:nvPr/>
+        </p:nvCxnSpPr>
+        <p:spPr>
+          <a:xfrm>
+            <a:off x="2827391" y="1419799"/>
+            <a:ext cx="715506" cy="0"/>
+          </a:xfrm>
+          <a:prstGeom prst="straightConnector1">
+            <a:avLst/>
+          </a:prstGeom>
+          <a:ln w="12700">
+            <a:solidFill>
+              <a:schemeClr val="tx1"/>
+            </a:solidFill>
+            <a:tailEnd type="triangle"/>
+          </a:ln>
+        </p:spPr>
+        <p:style>
+          <a:lnRef idx="1">
+            <a:schemeClr val="accent1"/>
+          </a:lnRef>
+          <a:fillRef idx="0">
+            <a:schemeClr val="accent1"/>
+          </a:fillRef>
+          <a:effectRef idx="0">
+            <a:schemeClr val="accent1"/>
+          </a:effectRef>
+          <a:fontRef idx="minor">
+            <a:schemeClr val="tx1"/>
+          </a:fontRef>
+        </p:style>
+      </p:cxnSp>
+      <p:sp>
+        <p:nvSpPr>
+          <p:cNvPr id="225" name="Rectangle 224">
+            <a:extLst>
+              <a:ext uri="{FF2B5EF4-FFF2-40B4-BE49-F238E27FC236}">
+                <a16:creationId xmlns:a16="http://schemas.microsoft.com/office/drawing/2014/main" id="{00750E5D-850E-C842-9ED1-B3C48BB15CA6}"/>
+              </a:ext>
+            </a:extLst>
+          </p:cNvPr>
+          <p:cNvSpPr/>
+          <p:nvPr/>
+        </p:nvSpPr>
+        <p:spPr>
+          <a:xfrm>
+            <a:off x="3883860" y="1123927"/>
+            <a:ext cx="991891" cy="658037"/>
+          </a:xfrm>
+          <a:prstGeom prst="rect">
+            <a:avLst/>
+          </a:prstGeom>
+          <a:noFill/>
+        </p:spPr>
+        <p:style>
+          <a:lnRef idx="2">
+            <a:schemeClr val="accent1">
+              <a:shade val="50000"/>
+            </a:schemeClr>
+          </a:lnRef>
+          <a:fillRef idx="1">
+            <a:schemeClr val="accent1"/>
+          </a:fillRef>
+          <a:effectRef idx="0">
+            <a:schemeClr val="accent1"/>
+          </a:effectRef>
+          <a:fontRef idx="minor">
+            <a:schemeClr val="lt1"/>
+          </a:fontRef>
+        </p:style>
+        <p:txBody>
+          <a:bodyPr rtlCol="0" anchor="ctr"/>
+          <a:lstStyle/>
+          <a:p>
+            <a:pPr algn="ctr"/>
+            <a:endParaRPr lang="en-IT"/>
+          </a:p>
+        </p:txBody>
+      </p:sp>
+      <p:sp>
+        <p:nvSpPr>
+          <p:cNvPr id="226" name="TextBox 225">
+            <a:extLst>
+              <a:ext uri="{FF2B5EF4-FFF2-40B4-BE49-F238E27FC236}">
+                <a16:creationId xmlns:a16="http://schemas.microsoft.com/office/drawing/2014/main" id="{3CA60515-3A50-1B4A-A774-3F24DBFC808C}"/>
+              </a:ext>
+            </a:extLst>
+          </p:cNvPr>
+          <p:cNvSpPr txBox="1"/>
+          <p:nvPr/>
+        </p:nvSpPr>
+        <p:spPr>
+          <a:xfrm>
+            <a:off x="3883860" y="1222112"/>
+            <a:ext cx="991891" cy="461665"/>
+          </a:xfrm>
+          <a:prstGeom prst="rect">
+            <a:avLst/>
+          </a:prstGeom>
+          <a:noFill/>
+        </p:spPr>
+        <p:txBody>
+          <a:bodyPr wrap="square" rtlCol="0">
+            <a:spAutoFit/>
+          </a:bodyPr>
+          <a:lstStyle/>
+          <a:p>
+            <a:pPr algn="ctr"/>
+            <a:r>
+              <a:rPr lang="en-IT" sz="2400" dirty="0"/>
+              <a:t>ReLU</a:t>
+            </a:r>
+            <a:endParaRPr lang="en-IT" dirty="0"/>
+          </a:p>
+        </p:txBody>
+      </p:sp>
+      <p:cxnSp>
+        <p:nvCxnSpPr>
+          <p:cNvPr id="227" name="Elbow Connector 226">
+            <a:extLst>
+              <a:ext uri="{FF2B5EF4-FFF2-40B4-BE49-F238E27FC236}">
+                <a16:creationId xmlns:a16="http://schemas.microsoft.com/office/drawing/2014/main" id="{4E5C9382-1090-5E49-B7E6-5E802EB263DE}"/>
+              </a:ext>
+            </a:extLst>
+          </p:cNvPr>
+          <p:cNvCxnSpPr>
+            <a:cxnSpLocks/>
+          </p:cNvCxnSpPr>
+          <p:nvPr/>
+        </p:nvCxnSpPr>
+        <p:spPr>
+          <a:xfrm flipV="1">
+            <a:off x="1860030" y="1848910"/>
+            <a:ext cx="4365570" cy="351484"/>
+          </a:xfrm>
+          <a:prstGeom prst="bentConnector3">
+            <a:avLst>
+              <a:gd name="adj1" fmla="val 100152"/>
+            </a:avLst>
+          </a:prstGeom>
+          <a:ln w="12700">
+            <a:solidFill>
+              <a:schemeClr val="tx1"/>
+            </a:solidFill>
+            <a:tailEnd type="triangle"/>
+          </a:ln>
+        </p:spPr>
+        <p:style>
+          <a:lnRef idx="1">
+            <a:schemeClr val="accent1"/>
+          </a:lnRef>
+          <a:fillRef idx="0">
+            <a:schemeClr val="accent1"/>
+          </a:fillRef>
+          <a:effectRef idx="0">
+            <a:schemeClr val="accent1"/>
+          </a:effectRef>
+          <a:fontRef idx="minor">
+            <a:schemeClr val="tx1"/>
+          </a:fontRef>
+        </p:style>
+      </p:cxnSp>
+      <p:cxnSp>
+        <p:nvCxnSpPr>
+          <p:cNvPr id="228" name="Straight Arrow Connector 227">
+            <a:extLst>
+              <a:ext uri="{FF2B5EF4-FFF2-40B4-BE49-F238E27FC236}">
+                <a16:creationId xmlns:a16="http://schemas.microsoft.com/office/drawing/2014/main" id="{EF42112C-7B95-FC48-BD09-1CAC53DEE23E}"/>
+              </a:ext>
+            </a:extLst>
+          </p:cNvPr>
+          <p:cNvCxnSpPr>
+            <a:cxnSpLocks/>
+          </p:cNvCxnSpPr>
+          <p:nvPr/>
+        </p:nvCxnSpPr>
+        <p:spPr>
+          <a:xfrm>
+            <a:off x="5138540" y="1423052"/>
+            <a:ext cx="715506" cy="0"/>
+          </a:xfrm>
+          <a:prstGeom prst="straightConnector1">
+            <a:avLst/>
+          </a:prstGeom>
+          <a:ln w="12700">
+            <a:solidFill>
+              <a:schemeClr val="tx1"/>
+            </a:solidFill>
+            <a:tailEnd type="triangle"/>
+          </a:ln>
+        </p:spPr>
+        <p:style>
+          <a:lnRef idx="1">
+            <a:schemeClr val="accent1"/>
+          </a:lnRef>
+          <a:fillRef idx="0">
+            <a:schemeClr val="accent1"/>
+          </a:fillRef>
+          <a:effectRef idx="0">
+            <a:schemeClr val="accent1"/>
+          </a:effectRef>
+          <a:fontRef idx="minor">
+            <a:schemeClr val="tx1"/>
+          </a:fontRef>
+        </p:style>
+      </p:cxnSp>
+      <p:sp>
+        <p:nvSpPr>
+          <p:cNvPr id="229" name="Oval 228">
+            <a:extLst>
+              <a:ext uri="{FF2B5EF4-FFF2-40B4-BE49-F238E27FC236}">
+                <a16:creationId xmlns:a16="http://schemas.microsoft.com/office/drawing/2014/main" id="{2F8589AA-5574-5147-AF28-02D7129A4CA0}"/>
+              </a:ext>
+            </a:extLst>
+          </p:cNvPr>
+          <p:cNvSpPr/>
+          <p:nvPr/>
+        </p:nvSpPr>
+        <p:spPr>
+          <a:xfrm>
+            <a:off x="6021682" y="1207505"/>
+            <a:ext cx="407831" cy="419261"/>
+          </a:xfrm>
+          <a:prstGeom prst="ellipse">
+            <a:avLst/>
+          </a:prstGeom>
+          <a:noFill/>
+          <a:ln>
+            <a:solidFill>
+              <a:schemeClr val="tx1"/>
+            </a:solidFill>
+          </a:ln>
+        </p:spPr>
+        <p:style>
+          <a:lnRef idx="2">
+            <a:schemeClr val="accent1">
+              <a:shade val="50000"/>
+            </a:schemeClr>
+          </a:lnRef>
+          <a:fillRef idx="1">
+            <a:schemeClr val="accent1"/>
+          </a:fillRef>
+          <a:effectRef idx="0">
+            <a:schemeClr val="accent1"/>
+          </a:effectRef>
+          <a:fontRef idx="minor">
+            <a:schemeClr val="lt1"/>
+          </a:fontRef>
+        </p:style>
+        <p:txBody>
+          <a:bodyPr rtlCol="0" anchor="ctr"/>
+          <a:lstStyle/>
+          <a:p>
+            <a:pPr algn="ctr"/>
+            <a:endParaRPr lang="en-IT" dirty="0"/>
+          </a:p>
+        </p:txBody>
+      </p:sp>
+      <p:sp>
+        <p:nvSpPr>
+          <p:cNvPr id="230" name="TextBox 229">
+            <a:extLst>
+              <a:ext uri="{FF2B5EF4-FFF2-40B4-BE49-F238E27FC236}">
+                <a16:creationId xmlns:a16="http://schemas.microsoft.com/office/drawing/2014/main" id="{428C9B64-1DAC-9641-9D7A-3CD837DA2F87}"/>
+              </a:ext>
+            </a:extLst>
+          </p:cNvPr>
+          <p:cNvSpPr txBox="1"/>
+          <p:nvPr/>
+        </p:nvSpPr>
+        <p:spPr>
+          <a:xfrm>
+            <a:off x="5955774" y="1139433"/>
+            <a:ext cx="539646" cy="523220"/>
+          </a:xfrm>
+          <a:prstGeom prst="rect">
+            <a:avLst/>
+          </a:prstGeom>
+          <a:noFill/>
+        </p:spPr>
+        <p:txBody>
+          <a:bodyPr wrap="square" rtlCol="0">
+            <a:spAutoFit/>
+          </a:bodyPr>
+          <a:lstStyle/>
+          <a:p>
+            <a:pPr algn="ctr"/>
+            <a:r>
+              <a:rPr lang="en-IT" sz="2800" dirty="0"/>
+              <a:t>+</a:t>
+            </a:r>
+            <a:endParaRPr lang="en-IT" dirty="0"/>
+          </a:p>
+        </p:txBody>
+      </p:sp>
+      <p:cxnSp>
+        <p:nvCxnSpPr>
+          <p:cNvPr id="231" name="Straight Arrow Connector 230">
+            <a:extLst>
+              <a:ext uri="{FF2B5EF4-FFF2-40B4-BE49-F238E27FC236}">
+                <a16:creationId xmlns:a16="http://schemas.microsoft.com/office/drawing/2014/main" id="{264DE469-39A8-2841-915C-A87BBB86A881}"/>
+              </a:ext>
+            </a:extLst>
+          </p:cNvPr>
+          <p:cNvCxnSpPr>
+            <a:cxnSpLocks/>
+          </p:cNvCxnSpPr>
+          <p:nvPr/>
+        </p:nvCxnSpPr>
+        <p:spPr>
+          <a:xfrm>
+            <a:off x="6629400" y="1626766"/>
+            <a:ext cx="790391" cy="997720"/>
+          </a:xfrm>
+          <a:prstGeom prst="straightConnector1">
+            <a:avLst/>
+          </a:prstGeom>
+          <a:ln w="12700">
+            <a:solidFill>
+              <a:schemeClr val="tx1"/>
+            </a:solidFill>
+            <a:tailEnd type="triangle"/>
+          </a:ln>
+        </p:spPr>
+        <p:style>
+          <a:lnRef idx="1">
+            <a:schemeClr val="accent1"/>
+          </a:lnRef>
+          <a:fillRef idx="0">
+            <a:schemeClr val="accent1"/>
+          </a:fillRef>
+          <a:effectRef idx="0">
+            <a:schemeClr val="accent1"/>
+          </a:effectRef>
+          <a:fontRef idx="minor">
+            <a:schemeClr val="tx1"/>
+          </a:fontRef>
+        </p:style>
+      </p:cxnSp>
+      <p:cxnSp>
+        <p:nvCxnSpPr>
+          <p:cNvPr id="233" name="Straight Arrow Connector 232">
+            <a:extLst>
+              <a:ext uri="{FF2B5EF4-FFF2-40B4-BE49-F238E27FC236}">
+                <a16:creationId xmlns:a16="http://schemas.microsoft.com/office/drawing/2014/main" id="{05024DE5-FA9C-DC46-B508-2BE3CB1AACDE}"/>
+              </a:ext>
+            </a:extLst>
+          </p:cNvPr>
+          <p:cNvCxnSpPr>
+            <a:cxnSpLocks/>
+          </p:cNvCxnSpPr>
+          <p:nvPr/>
+        </p:nvCxnSpPr>
+        <p:spPr>
+          <a:xfrm flipV="1">
+            <a:off x="6734298" y="3844032"/>
+            <a:ext cx="606735" cy="1359078"/>
+          </a:xfrm>
+          <a:prstGeom prst="straightConnector1">
+            <a:avLst/>
+          </a:prstGeom>
+          <a:ln w="12700">
+            <a:solidFill>
+              <a:schemeClr val="tx1"/>
+            </a:solidFill>
+            <a:tailEnd type="triangle"/>
+          </a:ln>
+        </p:spPr>
+        <p:style>
+          <a:lnRef idx="1">
+            <a:schemeClr val="accent1"/>
+          </a:lnRef>
+          <a:fillRef idx="0">
+            <a:schemeClr val="accent1"/>
+          </a:fillRef>
+          <a:effectRef idx="0">
+            <a:schemeClr val="accent1"/>
+          </a:effectRef>
+          <a:fontRef idx="minor">
+            <a:schemeClr val="tx1"/>
+          </a:fontRef>
+        </p:style>
+      </p:cxnSp>
+      <p:cxnSp>
+        <p:nvCxnSpPr>
+          <p:cNvPr id="235" name="Straight Arrow Connector 234">
+            <a:extLst>
+              <a:ext uri="{FF2B5EF4-FFF2-40B4-BE49-F238E27FC236}">
+                <a16:creationId xmlns:a16="http://schemas.microsoft.com/office/drawing/2014/main" id="{5B884C60-F056-BA48-BADE-04B6E8F34D6A}"/>
+              </a:ext>
+            </a:extLst>
+          </p:cNvPr>
+          <p:cNvCxnSpPr>
+            <a:cxnSpLocks/>
+          </p:cNvCxnSpPr>
+          <p:nvPr/>
+        </p:nvCxnSpPr>
+        <p:spPr>
+          <a:xfrm>
+            <a:off x="6629400" y="3220423"/>
+            <a:ext cx="395195" cy="0"/>
+          </a:xfrm>
+          <a:prstGeom prst="straightConnector1">
+            <a:avLst/>
+          </a:prstGeom>
+          <a:ln w="12700">
+            <a:solidFill>
+              <a:schemeClr val="tx1"/>
+            </a:solidFill>
+            <a:tailEnd type="triangle"/>
+          </a:ln>
+        </p:spPr>
+        <p:style>
+          <a:lnRef idx="1">
+            <a:schemeClr val="accent1"/>
+          </a:lnRef>
+          <a:fillRef idx="0">
+            <a:schemeClr val="accent1"/>
+          </a:fillRef>
+          <a:effectRef idx="0">
+            <a:schemeClr val="accent1"/>
+          </a:effectRef>
+          <a:fontRef idx="minor">
+            <a:schemeClr val="tx1"/>
+          </a:fontRef>
+        </p:style>
+      </p:cxnSp>
+    </p:spTree>
+    <p:extLst>
+      <p:ext uri="{BB962C8B-B14F-4D97-AF65-F5344CB8AC3E}">
+        <p14:creationId xmlns:p14="http://schemas.microsoft.com/office/powerpoint/2010/main" val="262285251"/>
+      </p:ext>
+    </p:extLst>
+  </p:cSld>
+  <p:clrMapOvr>
+    <a:masterClrMapping/>
+  </p:clrMapOvr>
+</p:sld>
+</file>
+
 <file path=ppt/theme/theme1.xml><?xml version="1.0" encoding="utf-8"?>
 <a:theme xmlns:a="http://schemas.openxmlformats.org/drawingml/2006/main" name="Office Theme">
   <a:themeElements>
